--- a/002_Course_Exercises/01_Warmup_Exercises/01_CS110_Warmup_Exercises.pptx
+++ b/002_Course_Exercises/01_Warmup_Exercises/01_CS110_Warmup_Exercises.pptx
@@ -5,7 +5,7 @@
     <p:sldMasterId id="2147483681" r:id="rId1"/>
   </p:sldMasterIdLst>
   <p:notesMasterIdLst>
-    <p:notesMasterId r:id="rId11"/>
+    <p:notesMasterId r:id="rId13"/>
   </p:notesMasterIdLst>
   <p:sldIdLst>
     <p:sldId id="343" r:id="rId2"/>
@@ -17,30 +17,32 @@
     <p:sldId id="340" r:id="rId8"/>
     <p:sldId id="341" r:id="rId9"/>
     <p:sldId id="342" r:id="rId10"/>
+    <p:sldId id="344" r:id="rId11"/>
+    <p:sldId id="345" r:id="rId12"/>
   </p:sldIdLst>
   <p:sldSz cx="9144000" cy="5143500" type="screen16x9"/>
   <p:notesSz cx="6858000" cy="9144000"/>
   <p:embeddedFontLst>
     <p:embeddedFont>
       <p:font typeface="Anton" pitchFamily="2" charset="0"/>
-      <p:regular r:id="rId12"/>
+      <p:regular r:id="rId14"/>
     </p:embeddedFont>
     <p:embeddedFont>
       <p:font typeface="Catamaran" panose="020B0604020202020204" charset="0"/>
-      <p:regular r:id="rId13"/>
-      <p:bold r:id="rId14"/>
+      <p:regular r:id="rId15"/>
+      <p:bold r:id="rId16"/>
     </p:embeddedFont>
     <p:embeddedFont>
       <p:font typeface="Consolas" panose="020B0609020204030204" pitchFamily="49" charset="0"/>
-      <p:regular r:id="rId15"/>
-      <p:bold r:id="rId16"/>
-      <p:italic r:id="rId17"/>
-      <p:boldItalic r:id="rId18"/>
+      <p:regular r:id="rId17"/>
+      <p:bold r:id="rId18"/>
+      <p:italic r:id="rId19"/>
+      <p:boldItalic r:id="rId20"/>
     </p:embeddedFont>
     <p:embeddedFont>
       <p:font typeface="Nunito Light" pitchFamily="2" charset="0"/>
-      <p:regular r:id="rId19"/>
-      <p:italic r:id="rId20"/>
+      <p:regular r:id="rId21"/>
+      <p:italic r:id="rId22"/>
     </p:embeddedFont>
   </p:embeddedFontLst>
   <p:defaultTextStyle>
@@ -848,6 +850,133 @@
 </p:notes>
 </file>
 
+<file path=ppt/notesSlides/notesSlide10.xml><?xml version="1.0" encoding="utf-8"?>
+<p:notes xmlns:a="http://schemas.openxmlformats.org/drawingml/2006/main" xmlns:r="http://schemas.openxmlformats.org/officeDocument/2006/relationships" xmlns:p="http://schemas.openxmlformats.org/presentationml/2006/main" showMasterSp="0" showMasterPhAnim="0">
+  <p:cSld>
+    <p:spTree>
+      <p:nvGrpSpPr>
+        <p:cNvPr id="1" name="Shape 873">
+          <a:extLst>
+            <a:ext uri="{FF2B5EF4-FFF2-40B4-BE49-F238E27FC236}">
+              <a16:creationId xmlns:a16="http://schemas.microsoft.com/office/drawing/2014/main" id="{208ADCB1-5531-918B-3D85-47B78F1A8E9D}"/>
+            </a:ext>
+          </a:extLst>
+        </p:cNvPr>
+        <p:cNvGrpSpPr/>
+        <p:nvPr/>
+      </p:nvGrpSpPr>
+      <p:grpSpPr>
+        <a:xfrm>
+          <a:off x="0" y="0"/>
+          <a:ext cx="0" cy="0"/>
+          <a:chOff x="0" y="0"/>
+          <a:chExt cx="0" cy="0"/>
+        </a:xfrm>
+      </p:grpSpPr>
+      <p:sp>
+        <p:nvSpPr>
+          <p:cNvPr id="874" name="Google Shape;874;g1de1b5658bb_0_38:notes">
+            <a:extLst>
+              <a:ext uri="{FF2B5EF4-FFF2-40B4-BE49-F238E27FC236}">
+                <a16:creationId xmlns:a16="http://schemas.microsoft.com/office/drawing/2014/main" id="{5C4B7706-D1EB-350B-9B5C-D9F7653AFF7A}"/>
+              </a:ext>
+            </a:extLst>
+          </p:cNvPr>
+          <p:cNvSpPr>
+            <a:spLocks noGrp="1" noRot="1" noChangeAspect="1"/>
+          </p:cNvSpPr>
+          <p:nvPr>
+            <p:ph type="sldImg" idx="2"/>
+          </p:nvPr>
+        </p:nvSpPr>
+        <p:spPr>
+          <a:xfrm>
+            <a:off x="381000" y="685800"/>
+            <a:ext cx="6096000" cy="3429000"/>
+          </a:xfrm>
+          <a:custGeom>
+            <a:avLst/>
+            <a:gdLst/>
+            <a:ahLst/>
+            <a:cxnLst/>
+            <a:rect l="l" t="t" r="r" b="b"/>
+            <a:pathLst>
+              <a:path w="120000" h="120000" extrusionOk="0">
+                <a:moveTo>
+                  <a:pt x="0" y="0"/>
+                </a:moveTo>
+                <a:lnTo>
+                  <a:pt x="120000" y="0"/>
+                </a:lnTo>
+                <a:lnTo>
+                  <a:pt x="120000" y="120000"/>
+                </a:lnTo>
+                <a:lnTo>
+                  <a:pt x="0" y="120000"/>
+                </a:lnTo>
+                <a:close/>
+              </a:path>
+            </a:pathLst>
+          </a:custGeom>
+        </p:spPr>
+      </p:sp>
+      <p:sp>
+        <p:nvSpPr>
+          <p:cNvPr id="875" name="Google Shape;875;g1de1b5658bb_0_38:notes">
+            <a:extLst>
+              <a:ext uri="{FF2B5EF4-FFF2-40B4-BE49-F238E27FC236}">
+                <a16:creationId xmlns:a16="http://schemas.microsoft.com/office/drawing/2014/main" id="{D535456E-DAA8-90C1-EB14-68B4D6718FEF}"/>
+              </a:ext>
+            </a:extLst>
+          </p:cNvPr>
+          <p:cNvSpPr txBox="1">
+            <a:spLocks noGrp="1"/>
+          </p:cNvSpPr>
+          <p:nvPr>
+            <p:ph type="body" idx="1"/>
+          </p:nvPr>
+        </p:nvSpPr>
+        <p:spPr>
+          <a:xfrm>
+            <a:off x="685800" y="4343400"/>
+            <a:ext cx="5486400" cy="4114800"/>
+          </a:xfrm>
+          <a:prstGeom prst="rect">
+            <a:avLst/>
+          </a:prstGeom>
+        </p:spPr>
+        <p:txBody>
+          <a:bodyPr spcFirstLastPara="1" wrap="square" lIns="91425" tIns="91425" rIns="91425" bIns="91425" anchor="t" anchorCtr="0">
+            <a:noAutofit/>
+          </a:bodyPr>
+          <a:lstStyle/>
+          <a:p>
+            <a:pPr marL="0" lvl="0" indent="0" algn="l" rtl="0">
+              <a:spcBef>
+                <a:spcPts val="0"/>
+              </a:spcBef>
+              <a:spcAft>
+                <a:spcPts val="0"/>
+              </a:spcAft>
+              <a:buNone/>
+            </a:pPr>
+            <a:endParaRPr dirty="0"/>
+          </a:p>
+        </p:txBody>
+      </p:sp>
+    </p:spTree>
+    <p:extLst>
+      <p:ext uri="{BB962C8B-B14F-4D97-AF65-F5344CB8AC3E}">
+        <p14:creationId xmlns:p14="http://schemas.microsoft.com/office/powerpoint/2010/main" val="3977941587"/>
+      </p:ext>
+    </p:extLst>
+  </p:cSld>
+  <p:clrMapOvr>
+    <a:masterClrMapping/>
+  </p:clrMapOvr>
+</p:notes>
+</file>
+
 <file path=ppt/notesSlides/notesSlide2.xml><?xml version="1.0" encoding="utf-8"?>
 <p:notes xmlns:a="http://schemas.openxmlformats.org/drawingml/2006/main" xmlns:r="http://schemas.openxmlformats.org/officeDocument/2006/relationships" xmlns:p="http://schemas.openxmlformats.org/presentationml/2006/main" showMasterSp="0" showMasterPhAnim="0">
   <p:cSld>
@@ -1728,6 +1857,133 @@
     <p:extLst>
       <p:ext uri="{BB962C8B-B14F-4D97-AF65-F5344CB8AC3E}">
         <p14:creationId xmlns:p14="http://schemas.microsoft.com/office/powerpoint/2010/main" val="306392628"/>
+      </p:ext>
+    </p:extLst>
+  </p:cSld>
+  <p:clrMapOvr>
+    <a:masterClrMapping/>
+  </p:clrMapOvr>
+</p:notes>
+</file>
+
+<file path=ppt/notesSlides/notesSlide9.xml><?xml version="1.0" encoding="utf-8"?>
+<p:notes xmlns:a="http://schemas.openxmlformats.org/drawingml/2006/main" xmlns:r="http://schemas.openxmlformats.org/officeDocument/2006/relationships" xmlns:p="http://schemas.openxmlformats.org/presentationml/2006/main" showMasterSp="0" showMasterPhAnim="0">
+  <p:cSld>
+    <p:spTree>
+      <p:nvGrpSpPr>
+        <p:cNvPr id="1" name="Shape 873">
+          <a:extLst>
+            <a:ext uri="{FF2B5EF4-FFF2-40B4-BE49-F238E27FC236}">
+              <a16:creationId xmlns:a16="http://schemas.microsoft.com/office/drawing/2014/main" id="{208ADCB1-5531-918B-3D85-47B78F1A8E9D}"/>
+            </a:ext>
+          </a:extLst>
+        </p:cNvPr>
+        <p:cNvGrpSpPr/>
+        <p:nvPr/>
+      </p:nvGrpSpPr>
+      <p:grpSpPr>
+        <a:xfrm>
+          <a:off x="0" y="0"/>
+          <a:ext cx="0" cy="0"/>
+          <a:chOff x="0" y="0"/>
+          <a:chExt cx="0" cy="0"/>
+        </a:xfrm>
+      </p:grpSpPr>
+      <p:sp>
+        <p:nvSpPr>
+          <p:cNvPr id="874" name="Google Shape;874;g1de1b5658bb_0_38:notes">
+            <a:extLst>
+              <a:ext uri="{FF2B5EF4-FFF2-40B4-BE49-F238E27FC236}">
+                <a16:creationId xmlns:a16="http://schemas.microsoft.com/office/drawing/2014/main" id="{5C4B7706-D1EB-350B-9B5C-D9F7653AFF7A}"/>
+              </a:ext>
+            </a:extLst>
+          </p:cNvPr>
+          <p:cNvSpPr>
+            <a:spLocks noGrp="1" noRot="1" noChangeAspect="1"/>
+          </p:cNvSpPr>
+          <p:nvPr>
+            <p:ph type="sldImg" idx="2"/>
+          </p:nvPr>
+        </p:nvSpPr>
+        <p:spPr>
+          <a:xfrm>
+            <a:off x="381000" y="685800"/>
+            <a:ext cx="6096000" cy="3429000"/>
+          </a:xfrm>
+          <a:custGeom>
+            <a:avLst/>
+            <a:gdLst/>
+            <a:ahLst/>
+            <a:cxnLst/>
+            <a:rect l="l" t="t" r="r" b="b"/>
+            <a:pathLst>
+              <a:path w="120000" h="120000" extrusionOk="0">
+                <a:moveTo>
+                  <a:pt x="0" y="0"/>
+                </a:moveTo>
+                <a:lnTo>
+                  <a:pt x="120000" y="0"/>
+                </a:lnTo>
+                <a:lnTo>
+                  <a:pt x="120000" y="120000"/>
+                </a:lnTo>
+                <a:lnTo>
+                  <a:pt x="0" y="120000"/>
+                </a:lnTo>
+                <a:close/>
+              </a:path>
+            </a:pathLst>
+          </a:custGeom>
+        </p:spPr>
+      </p:sp>
+      <p:sp>
+        <p:nvSpPr>
+          <p:cNvPr id="875" name="Google Shape;875;g1de1b5658bb_0_38:notes">
+            <a:extLst>
+              <a:ext uri="{FF2B5EF4-FFF2-40B4-BE49-F238E27FC236}">
+                <a16:creationId xmlns:a16="http://schemas.microsoft.com/office/drawing/2014/main" id="{D535456E-DAA8-90C1-EB14-68B4D6718FEF}"/>
+              </a:ext>
+            </a:extLst>
+          </p:cNvPr>
+          <p:cNvSpPr txBox="1">
+            <a:spLocks noGrp="1"/>
+          </p:cNvSpPr>
+          <p:nvPr>
+            <p:ph type="body" idx="1"/>
+          </p:nvPr>
+        </p:nvSpPr>
+        <p:spPr>
+          <a:xfrm>
+            <a:off x="685800" y="4343400"/>
+            <a:ext cx="5486400" cy="4114800"/>
+          </a:xfrm>
+          <a:prstGeom prst="rect">
+            <a:avLst/>
+          </a:prstGeom>
+        </p:spPr>
+        <p:txBody>
+          <a:bodyPr spcFirstLastPara="1" wrap="square" lIns="91425" tIns="91425" rIns="91425" bIns="91425" anchor="t" anchorCtr="0">
+            <a:noAutofit/>
+          </a:bodyPr>
+          <a:lstStyle/>
+          <a:p>
+            <a:pPr marL="0" lvl="0" indent="0" algn="l" rtl="0">
+              <a:spcBef>
+                <a:spcPts val="0"/>
+              </a:spcBef>
+              <a:spcAft>
+                <a:spcPts val="0"/>
+              </a:spcAft>
+              <a:buNone/>
+            </a:pPr>
+            <a:endParaRPr dirty="0"/>
+          </a:p>
+        </p:txBody>
+      </p:sp>
+    </p:spTree>
+    <p:extLst>
+      <p:ext uri="{BB962C8B-B14F-4D97-AF65-F5344CB8AC3E}">
+        <p14:creationId xmlns:p14="http://schemas.microsoft.com/office/powerpoint/2010/main" val="525257039"/>
       </p:ext>
     </p:extLst>
   </p:cSld>
@@ -4033,6 +4289,538 @@
 </p:sld>
 </file>
 
+<file path=ppt/slides/slide10.xml><?xml version="1.0" encoding="utf-8"?>
+<p:sld xmlns:a="http://schemas.openxmlformats.org/drawingml/2006/main" xmlns:r="http://schemas.openxmlformats.org/officeDocument/2006/relationships" xmlns:p="http://schemas.openxmlformats.org/presentationml/2006/main">
+  <p:cSld>
+    <p:spTree>
+      <p:nvGrpSpPr>
+        <p:cNvPr id="1" name="Shape 876">
+          <a:extLst>
+            <a:ext uri="{FF2B5EF4-FFF2-40B4-BE49-F238E27FC236}">
+              <a16:creationId xmlns:a16="http://schemas.microsoft.com/office/drawing/2014/main" id="{59AA2DF2-86B2-E92B-1B14-DF2774F31DA9}"/>
+            </a:ext>
+          </a:extLst>
+        </p:cNvPr>
+        <p:cNvGrpSpPr/>
+        <p:nvPr/>
+      </p:nvGrpSpPr>
+      <p:grpSpPr>
+        <a:xfrm>
+          <a:off x="0" y="0"/>
+          <a:ext cx="0" cy="0"/>
+          <a:chOff x="0" y="0"/>
+          <a:chExt cx="0" cy="0"/>
+        </a:xfrm>
+      </p:grpSpPr>
+      <p:sp>
+        <p:nvSpPr>
+          <p:cNvPr id="877" name="Google Shape;877;p41">
+            <a:extLst>
+              <a:ext uri="{FF2B5EF4-FFF2-40B4-BE49-F238E27FC236}">
+                <a16:creationId xmlns:a16="http://schemas.microsoft.com/office/drawing/2014/main" id="{0BE75D26-21D0-F37D-CBE4-5E519EA261C2}"/>
+              </a:ext>
+            </a:extLst>
+          </p:cNvPr>
+          <p:cNvSpPr txBox="1">
+            <a:spLocks noGrp="1"/>
+          </p:cNvSpPr>
+          <p:nvPr>
+            <p:ph type="title"/>
+          </p:nvPr>
+        </p:nvSpPr>
+        <p:spPr>
+          <a:xfrm>
+            <a:off x="281335" y="383241"/>
+            <a:ext cx="7704000" cy="572700"/>
+          </a:xfrm>
+          <a:prstGeom prst="rect">
+            <a:avLst/>
+          </a:prstGeom>
+        </p:spPr>
+        <p:txBody>
+          <a:bodyPr spcFirstLastPara="1" wrap="square" lIns="91425" tIns="91425" rIns="91425" bIns="91425" anchor="t" anchorCtr="0">
+            <a:noAutofit/>
+          </a:bodyPr>
+          <a:lstStyle/>
+          <a:p>
+            <a:pPr marL="0" lvl="0" indent="0" rtl="0">
+              <a:spcBef>
+                <a:spcPts val="0"/>
+              </a:spcBef>
+              <a:spcAft>
+                <a:spcPts val="0"/>
+              </a:spcAft>
+              <a:buNone/>
+            </a:pPr>
+            <a:r>
+              <a:rPr lang="en-CA" sz="3200" dirty="0">
+                <a:solidFill>
+                  <a:schemeClr val="hlink"/>
+                </a:solidFill>
+                <a:uFill>
+                  <a:noFill/>
+                </a:uFill>
+                <a:latin typeface="Anton"/>
+                <a:ea typeface="Anton"/>
+                <a:cs typeface="Anton"/>
+                <a:sym typeface="Anton"/>
+              </a:rPr>
+              <a:t>#9 Coding Warm-Up: Working With Images</a:t>
+            </a:r>
+            <a:endParaRPr lang="en-CA" sz="3200" dirty="0">
+              <a:solidFill>
+                <a:schemeClr val="dk1"/>
+              </a:solidFill>
+              <a:latin typeface="Anton"/>
+              <a:ea typeface="Anton"/>
+              <a:cs typeface="Anton"/>
+              <a:sym typeface="Anton"/>
+            </a:endParaRPr>
+          </a:p>
+        </p:txBody>
+      </p:sp>
+      <p:sp>
+        <p:nvSpPr>
+          <p:cNvPr id="4" name="TextBox 3">
+            <a:extLst>
+              <a:ext uri="{FF2B5EF4-FFF2-40B4-BE49-F238E27FC236}">
+                <a16:creationId xmlns:a16="http://schemas.microsoft.com/office/drawing/2014/main" id="{32A1448D-8968-AB9C-0965-EAE0EA4C9555}"/>
+              </a:ext>
+            </a:extLst>
+          </p:cNvPr>
+          <p:cNvSpPr txBox="1"/>
+          <p:nvPr/>
+        </p:nvSpPr>
+        <p:spPr>
+          <a:xfrm>
+            <a:off x="281334" y="1101336"/>
+            <a:ext cx="8459254" cy="2246769"/>
+          </a:xfrm>
+          <a:prstGeom prst="rect">
+            <a:avLst/>
+          </a:prstGeom>
+          <a:noFill/>
+        </p:spPr>
+        <p:txBody>
+          <a:bodyPr wrap="square">
+            <a:spAutoFit/>
+          </a:bodyPr>
+          <a:lstStyle/>
+          <a:p>
+            <a:r>
+              <a:rPr lang="en-US" b="0" dirty="0">
+                <a:solidFill>
+                  <a:srgbClr val="6A9955"/>
+                </a:solidFill>
+                <a:effectLst/>
+                <a:latin typeface="Consolas" panose="020B0609020204030204" pitchFamily="49" charset="0"/>
+              </a:rPr>
+              <a:t>#Q:Write a python program that copies a text file named “input.txt” with a list of ten items and saves it as “output.txt” with list in reverse order</a:t>
+            </a:r>
+          </a:p>
+          <a:p>
+            <a:endParaRPr lang="en-US" dirty="0">
+              <a:solidFill>
+                <a:srgbClr val="6A9955"/>
+              </a:solidFill>
+              <a:latin typeface="Consolas" panose="020B0609020204030204" pitchFamily="49" charset="0"/>
+            </a:endParaRPr>
+          </a:p>
+          <a:p>
+            <a:r>
+              <a:rPr lang="en-US" b="0" dirty="0">
+                <a:solidFill>
+                  <a:srgbClr val="6A9955"/>
+                </a:solidFill>
+                <a:effectLst/>
+                <a:latin typeface="Consolas" panose="020B0609020204030204" pitchFamily="49" charset="0"/>
+              </a:rPr>
+              <a:t>Hint1: Remember to read in chunks of the OG files by defining a buffer size in bytes</a:t>
+            </a:r>
+          </a:p>
+          <a:p>
+            <a:r>
+              <a:rPr lang="en-US" dirty="0">
+                <a:solidFill>
+                  <a:srgbClr val="6A9955"/>
+                </a:solidFill>
+                <a:latin typeface="Consolas" panose="020B0609020204030204" pitchFamily="49" charset="0"/>
+              </a:rPr>
+              <a:t>       100 would be good, loop through reading the file until there a no more bytes      </a:t>
+            </a:r>
+          </a:p>
+          <a:p>
+            <a:r>
+              <a:rPr lang="en-US" dirty="0">
+                <a:solidFill>
+                  <a:srgbClr val="6A9955"/>
+                </a:solidFill>
+                <a:latin typeface="Consolas" panose="020B0609020204030204" pitchFamily="49" charset="0"/>
+              </a:rPr>
+              <a:t>       to read</a:t>
+            </a:r>
+            <a:endParaRPr lang="en-US" b="0" dirty="0">
+              <a:solidFill>
+                <a:srgbClr val="6A9955"/>
+              </a:solidFill>
+              <a:effectLst/>
+              <a:latin typeface="Consolas" panose="020B0609020204030204" pitchFamily="49" charset="0"/>
+            </a:endParaRPr>
+          </a:p>
+          <a:p>
+            <a:endParaRPr lang="en-US" b="0" dirty="0">
+              <a:solidFill>
+                <a:srgbClr val="6A9955"/>
+              </a:solidFill>
+              <a:effectLst/>
+              <a:latin typeface="Consolas" panose="020B0609020204030204" pitchFamily="49" charset="0"/>
+            </a:endParaRPr>
+          </a:p>
+          <a:p>
+            <a:r>
+              <a:rPr lang="en-US" dirty="0">
+                <a:solidFill>
+                  <a:srgbClr val="6A9955"/>
+                </a:solidFill>
+                <a:latin typeface="Consolas" panose="020B0609020204030204" pitchFamily="49" charset="0"/>
+              </a:rPr>
+              <a:t>Hint2: Remember to read and write the file in “</a:t>
+            </a:r>
+            <a:r>
+              <a:rPr lang="en-US" dirty="0" err="1">
+                <a:solidFill>
+                  <a:srgbClr val="6A9955"/>
+                </a:solidFill>
+                <a:latin typeface="Consolas" panose="020B0609020204030204" pitchFamily="49" charset="0"/>
+              </a:rPr>
+              <a:t>rb</a:t>
+            </a:r>
+            <a:r>
+              <a:rPr lang="en-US" dirty="0">
+                <a:solidFill>
+                  <a:srgbClr val="6A9955"/>
+                </a:solidFill>
+                <a:latin typeface="Consolas" panose="020B0609020204030204" pitchFamily="49" charset="0"/>
+              </a:rPr>
+              <a:t>” and “</a:t>
+            </a:r>
+            <a:r>
+              <a:rPr lang="en-US" dirty="0" err="1">
+                <a:solidFill>
+                  <a:srgbClr val="6A9955"/>
+                </a:solidFill>
+                <a:latin typeface="Consolas" panose="020B0609020204030204" pitchFamily="49" charset="0"/>
+              </a:rPr>
+              <a:t>wb</a:t>
+            </a:r>
+            <a:r>
+              <a:rPr lang="en-US" dirty="0">
+                <a:solidFill>
+                  <a:srgbClr val="6A9955"/>
+                </a:solidFill>
+                <a:latin typeface="Consolas" panose="020B0609020204030204" pitchFamily="49" charset="0"/>
+              </a:rPr>
+              <a:t>” byte mode respectively </a:t>
+            </a:r>
+          </a:p>
+          <a:p>
+            <a:endParaRPr lang="en-US" b="0" dirty="0">
+              <a:solidFill>
+                <a:srgbClr val="6A9955"/>
+              </a:solidFill>
+              <a:effectLst/>
+              <a:latin typeface="Consolas" panose="020B0609020204030204" pitchFamily="49" charset="0"/>
+            </a:endParaRPr>
+          </a:p>
+          <a:p>
+            <a:r>
+              <a:rPr lang="en-US" b="0" dirty="0">
+                <a:solidFill>
+                  <a:srgbClr val="6A9955"/>
+                </a:solidFill>
+                <a:effectLst/>
+                <a:latin typeface="Consolas" panose="020B0609020204030204" pitchFamily="49" charset="0"/>
+              </a:rPr>
+              <a:t>Hint3: split(“\n”)  but the is also </a:t>
+            </a:r>
+            <a:r>
+              <a:rPr lang="en-US" b="0" dirty="0" err="1">
+                <a:solidFill>
+                  <a:srgbClr val="6A9955"/>
+                </a:solidFill>
+                <a:effectLst/>
+                <a:latin typeface="Consolas" panose="020B0609020204030204" pitchFamily="49" charset="0"/>
+              </a:rPr>
+              <a:t>rsplit</a:t>
+            </a:r>
+            <a:r>
+              <a:rPr lang="en-US" b="0" dirty="0">
+                <a:solidFill>
+                  <a:srgbClr val="6A9955"/>
+                </a:solidFill>
+                <a:effectLst/>
+                <a:latin typeface="Consolas" panose="020B0609020204030204" pitchFamily="49" charset="0"/>
+              </a:rPr>
+              <a:t>(“\n”)</a:t>
+            </a:r>
+          </a:p>
+        </p:txBody>
+      </p:sp>
+    </p:spTree>
+    <p:extLst>
+      <p:ext uri="{BB962C8B-B14F-4D97-AF65-F5344CB8AC3E}">
+        <p14:creationId xmlns:p14="http://schemas.microsoft.com/office/powerpoint/2010/main" val="3407961621"/>
+      </p:ext>
+    </p:extLst>
+  </p:cSld>
+  <p:clrMapOvr>
+    <a:masterClrMapping/>
+  </p:clrMapOvr>
+</p:sld>
+</file>
+
+<file path=ppt/slides/slide11.xml><?xml version="1.0" encoding="utf-8"?>
+<p:sld xmlns:a="http://schemas.openxmlformats.org/drawingml/2006/main" xmlns:r="http://schemas.openxmlformats.org/officeDocument/2006/relationships" xmlns:p="http://schemas.openxmlformats.org/presentationml/2006/main">
+  <p:cSld>
+    <p:spTree>
+      <p:nvGrpSpPr>
+        <p:cNvPr id="1" name="Shape 876">
+          <a:extLst>
+            <a:ext uri="{FF2B5EF4-FFF2-40B4-BE49-F238E27FC236}">
+              <a16:creationId xmlns:a16="http://schemas.microsoft.com/office/drawing/2014/main" id="{59AA2DF2-86B2-E92B-1B14-DF2774F31DA9}"/>
+            </a:ext>
+          </a:extLst>
+        </p:cNvPr>
+        <p:cNvGrpSpPr/>
+        <p:nvPr/>
+      </p:nvGrpSpPr>
+      <p:grpSpPr>
+        <a:xfrm>
+          <a:off x="0" y="0"/>
+          <a:ext cx="0" cy="0"/>
+          <a:chOff x="0" y="0"/>
+          <a:chExt cx="0" cy="0"/>
+        </a:xfrm>
+      </p:grpSpPr>
+      <p:sp>
+        <p:nvSpPr>
+          <p:cNvPr id="877" name="Google Shape;877;p41">
+            <a:extLst>
+              <a:ext uri="{FF2B5EF4-FFF2-40B4-BE49-F238E27FC236}">
+                <a16:creationId xmlns:a16="http://schemas.microsoft.com/office/drawing/2014/main" id="{0BE75D26-21D0-F37D-CBE4-5E519EA261C2}"/>
+              </a:ext>
+            </a:extLst>
+          </p:cNvPr>
+          <p:cNvSpPr txBox="1">
+            <a:spLocks noGrp="1"/>
+          </p:cNvSpPr>
+          <p:nvPr>
+            <p:ph type="title"/>
+          </p:nvPr>
+        </p:nvSpPr>
+        <p:spPr>
+          <a:xfrm>
+            <a:off x="281335" y="383241"/>
+            <a:ext cx="7704000" cy="572700"/>
+          </a:xfrm>
+          <a:prstGeom prst="rect">
+            <a:avLst/>
+          </a:prstGeom>
+        </p:spPr>
+        <p:txBody>
+          <a:bodyPr spcFirstLastPara="1" wrap="square" lIns="91425" tIns="91425" rIns="91425" bIns="91425" anchor="t" anchorCtr="0">
+            <a:noAutofit/>
+          </a:bodyPr>
+          <a:lstStyle/>
+          <a:p>
+            <a:pPr marL="0" lvl="0" indent="0" rtl="0">
+              <a:spcBef>
+                <a:spcPts val="0"/>
+              </a:spcBef>
+              <a:spcAft>
+                <a:spcPts val="0"/>
+              </a:spcAft>
+              <a:buNone/>
+            </a:pPr>
+            <a:r>
+              <a:rPr lang="en-CA" sz="3200" dirty="0">
+                <a:solidFill>
+                  <a:schemeClr val="hlink"/>
+                </a:solidFill>
+                <a:uFill>
+                  <a:noFill/>
+                </a:uFill>
+                <a:latin typeface="Anton"/>
+                <a:ea typeface="Anton"/>
+                <a:cs typeface="Anton"/>
+                <a:sym typeface="Anton"/>
+              </a:rPr>
+              <a:t>#10 Coding Warm-Up: Working </a:t>
+            </a:r>
+            <a:r>
+              <a:rPr lang="en-CA" sz="3200" dirty="0">
+                <a:solidFill>
+                  <a:schemeClr val="hlink"/>
+                </a:solidFill>
+                <a:uFill>
+                  <a:noFill/>
+                </a:uFill>
+              </a:rPr>
+              <a:t>CSV Data Files</a:t>
+            </a:r>
+            <a:endParaRPr lang="en-CA" sz="3200" dirty="0">
+              <a:solidFill>
+                <a:schemeClr val="dk1"/>
+              </a:solidFill>
+              <a:latin typeface="Anton"/>
+              <a:ea typeface="Anton"/>
+              <a:cs typeface="Anton"/>
+              <a:sym typeface="Anton"/>
+            </a:endParaRPr>
+          </a:p>
+        </p:txBody>
+      </p:sp>
+      <p:sp>
+        <p:nvSpPr>
+          <p:cNvPr id="4" name="TextBox 3">
+            <a:extLst>
+              <a:ext uri="{FF2B5EF4-FFF2-40B4-BE49-F238E27FC236}">
+                <a16:creationId xmlns:a16="http://schemas.microsoft.com/office/drawing/2014/main" id="{32A1448D-8968-AB9C-0965-EAE0EA4C9555}"/>
+              </a:ext>
+            </a:extLst>
+          </p:cNvPr>
+          <p:cNvSpPr txBox="1"/>
+          <p:nvPr/>
+        </p:nvSpPr>
+        <p:spPr>
+          <a:xfrm>
+            <a:off x="281334" y="1101336"/>
+            <a:ext cx="8459254" cy="1384995"/>
+          </a:xfrm>
+          <a:prstGeom prst="rect">
+            <a:avLst/>
+          </a:prstGeom>
+          <a:noFill/>
+        </p:spPr>
+        <p:txBody>
+          <a:bodyPr wrap="square">
+            <a:spAutoFit/>
+          </a:bodyPr>
+          <a:lstStyle/>
+          <a:p>
+            <a:r>
+              <a:rPr lang="en-US" b="0" dirty="0">
+                <a:solidFill>
+                  <a:srgbClr val="6A9955"/>
+                </a:solidFill>
+                <a:effectLst/>
+                <a:latin typeface="Consolas" panose="020B0609020204030204" pitchFamily="49" charset="0"/>
+              </a:rPr>
+              <a:t>#Q:Write a python that takes the LHHS staff list and rewrite the file in a new format contains the following columns: First Name, Last Name, Email and includes ONLY TEACHERS – No VPs, principal </a:t>
+            </a:r>
+            <a:r>
+              <a:rPr lang="en-US" b="0" dirty="0" err="1">
+                <a:solidFill>
+                  <a:srgbClr val="6A9955"/>
+                </a:solidFill>
+                <a:effectLst/>
+                <a:latin typeface="Consolas" panose="020B0609020204030204" pitchFamily="49" charset="0"/>
+              </a:rPr>
+              <a:t>etc</a:t>
+            </a:r>
+            <a:r>
+              <a:rPr lang="en-US" b="0" dirty="0">
+                <a:solidFill>
+                  <a:srgbClr val="6A9955"/>
+                </a:solidFill>
+                <a:effectLst/>
+                <a:latin typeface="Consolas" panose="020B0609020204030204" pitchFamily="49" charset="0"/>
+              </a:rPr>
+              <a:t>…</a:t>
+            </a:r>
+          </a:p>
+          <a:p>
+            <a:endParaRPr lang="en-US" dirty="0">
+              <a:solidFill>
+                <a:srgbClr val="6A9955"/>
+              </a:solidFill>
+              <a:latin typeface="Consolas" panose="020B0609020204030204" pitchFamily="49" charset="0"/>
+            </a:endParaRPr>
+          </a:p>
+          <a:p>
+            <a:r>
+              <a:rPr lang="en-US" dirty="0">
+                <a:solidFill>
+                  <a:srgbClr val="6A9955"/>
+                </a:solidFill>
+                <a:latin typeface="Consolas" panose="020B0609020204030204" pitchFamily="49" charset="0"/>
+              </a:rPr>
+              <a:t>HINT: Use </a:t>
+            </a:r>
+            <a:r>
+              <a:rPr lang="en-US" dirty="0" err="1">
+                <a:solidFill>
+                  <a:srgbClr val="6A9955"/>
+                </a:solidFill>
+                <a:latin typeface="Consolas" panose="020B0609020204030204" pitchFamily="49" charset="0"/>
+              </a:rPr>
+              <a:t>DictReader</a:t>
+            </a:r>
+            <a:r>
+              <a:rPr lang="en-US" dirty="0">
+                <a:solidFill>
+                  <a:srgbClr val="6A9955"/>
+                </a:solidFill>
+                <a:latin typeface="Consolas" panose="020B0609020204030204" pitchFamily="49" charset="0"/>
+              </a:rPr>
+              <a:t> and </a:t>
+            </a:r>
+            <a:r>
+              <a:rPr lang="en-US" dirty="0" err="1">
+                <a:solidFill>
+                  <a:srgbClr val="6A9955"/>
+                </a:solidFill>
+                <a:latin typeface="Consolas" panose="020B0609020204030204" pitchFamily="49" charset="0"/>
+              </a:rPr>
+              <a:t>DictWriter</a:t>
+            </a:r>
+            <a:r>
+              <a:rPr lang="en-US" dirty="0">
+                <a:solidFill>
+                  <a:srgbClr val="6A9955"/>
+                </a:solidFill>
+                <a:latin typeface="Consolas" panose="020B0609020204030204" pitchFamily="49" charset="0"/>
+              </a:rPr>
+              <a:t> methods</a:t>
+            </a:r>
+          </a:p>
+          <a:p>
+            <a:r>
+              <a:rPr lang="en-US" b="0" dirty="0">
+                <a:solidFill>
+                  <a:srgbClr val="6A9955"/>
+                </a:solidFill>
+                <a:effectLst/>
+                <a:latin typeface="Consolas" panose="020B0609020204030204" pitchFamily="49" charset="0"/>
+              </a:rPr>
+              <a:t>HINT: Use an if…else statement determine if Position contains the string “teacher”  </a:t>
+            </a:r>
+          </a:p>
+        </p:txBody>
+      </p:sp>
+    </p:spTree>
+    <p:extLst>
+      <p:ext uri="{BB962C8B-B14F-4D97-AF65-F5344CB8AC3E}">
+        <p14:creationId xmlns:p14="http://schemas.microsoft.com/office/powerpoint/2010/main" val="3025138811"/>
+      </p:ext>
+    </p:extLst>
+  </p:cSld>
+  <p:clrMapOvr>
+    <a:masterClrMapping/>
+  </p:clrMapOvr>
+</p:sld>
+</file>
+
 <file path=ppt/slides/slide2.xml><?xml version="1.0" encoding="utf-8"?>
 <p:sld xmlns:a="http://schemas.openxmlformats.org/drawingml/2006/main" xmlns:r="http://schemas.openxmlformats.org/officeDocument/2006/relationships" xmlns:p="http://schemas.openxmlformats.org/presentationml/2006/main">
   <p:cSld>

--- a/002_Course_Exercises/01_Warmup_Exercises/01_CS110_Warmup_Exercises.pptx
+++ b/002_Course_Exercises/01_Warmup_Exercises/01_CS110_Warmup_Exercises.pptx
@@ -4394,7 +4394,7 @@
         <p:spPr>
           <a:xfrm>
             <a:off x="281334" y="1101336"/>
-            <a:ext cx="8459254" cy="2246769"/>
+            <a:ext cx="8459254" cy="2031325"/>
           </a:xfrm>
           <a:prstGeom prst="rect">
             <a:avLst/>
@@ -4531,38 +4531,6 @@
               <a:effectLst/>
               <a:latin typeface="Consolas" panose="020B0609020204030204" pitchFamily="49" charset="0"/>
             </a:endParaRPr>
-          </a:p>
-          <a:p>
-            <a:r>
-              <a:rPr lang="en-US" b="0" dirty="0">
-                <a:solidFill>
-                  <a:srgbClr val="6A9955"/>
-                </a:solidFill>
-                <a:effectLst/>
-                <a:latin typeface="Consolas" panose="020B0609020204030204" pitchFamily="49" charset="0"/>
-              </a:rPr>
-              <a:t>Hint3: split(“\n”)  but the is also </a:t>
-            </a:r>
-            <a:r>
-              <a:rPr lang="en-US" b="0" dirty="0" err="1">
-                <a:solidFill>
-                  <a:srgbClr val="6A9955"/>
-                </a:solidFill>
-                <a:effectLst/>
-                <a:latin typeface="Consolas" panose="020B0609020204030204" pitchFamily="49" charset="0"/>
-              </a:rPr>
-              <a:t>rsplit</a:t>
-            </a:r>
-            <a:r>
-              <a:rPr lang="en-US" b="0" dirty="0">
-                <a:solidFill>
-                  <a:srgbClr val="6A9955"/>
-                </a:solidFill>
-                <a:effectLst/>
-                <a:latin typeface="Consolas" panose="020B0609020204030204" pitchFamily="49" charset="0"/>
-              </a:rPr>
-              <a:t>(“\n”)</a:t>
-            </a:r>
           </a:p>
         </p:txBody>
       </p:sp>

--- a/002_Course_Exercises/01_Warmup_Exercises/01_CS110_Warmup_Exercises.pptx
+++ b/002_Course_Exercises/01_Warmup_Exercises/01_CS110_Warmup_Exercises.pptx
@@ -5,44 +5,47 @@
     <p:sldMasterId id="2147483681" r:id="rId1"/>
   </p:sldMasterIdLst>
   <p:notesMasterIdLst>
-    <p:notesMasterId r:id="rId13"/>
+    <p:notesMasterId r:id="rId16"/>
   </p:notesMasterIdLst>
   <p:sldIdLst>
     <p:sldId id="343" r:id="rId2"/>
-    <p:sldId id="335" r:id="rId3"/>
-    <p:sldId id="336" r:id="rId4"/>
-    <p:sldId id="337" r:id="rId5"/>
-    <p:sldId id="338" r:id="rId6"/>
-    <p:sldId id="339" r:id="rId7"/>
-    <p:sldId id="340" r:id="rId8"/>
-    <p:sldId id="341" r:id="rId9"/>
-    <p:sldId id="342" r:id="rId10"/>
-    <p:sldId id="344" r:id="rId11"/>
-    <p:sldId id="345" r:id="rId12"/>
+    <p:sldId id="347" r:id="rId3"/>
+    <p:sldId id="348" r:id="rId4"/>
+    <p:sldId id="335" r:id="rId5"/>
+    <p:sldId id="336" r:id="rId6"/>
+    <p:sldId id="337" r:id="rId7"/>
+    <p:sldId id="338" r:id="rId8"/>
+    <p:sldId id="339" r:id="rId9"/>
+    <p:sldId id="340" r:id="rId10"/>
+    <p:sldId id="341" r:id="rId11"/>
+    <p:sldId id="342" r:id="rId12"/>
+    <p:sldId id="344" r:id="rId13"/>
+    <p:sldId id="345" r:id="rId14"/>
+    <p:sldId id="346" r:id="rId15"/>
   </p:sldIdLst>
   <p:sldSz cx="9144000" cy="5143500" type="screen16x9"/>
   <p:notesSz cx="6858000" cy="9144000"/>
   <p:embeddedFontLst>
     <p:embeddedFont>
       <p:font typeface="Anton" pitchFamily="2" charset="0"/>
-      <p:regular r:id="rId14"/>
+      <p:regular r:id="rId17"/>
     </p:embeddedFont>
     <p:embeddedFont>
       <p:font typeface="Catamaran" panose="020B0604020202020204" charset="0"/>
-      <p:regular r:id="rId15"/>
-      <p:bold r:id="rId16"/>
+      <p:regular r:id="rId18"/>
+      <p:bold r:id="rId19"/>
     </p:embeddedFont>
     <p:embeddedFont>
       <p:font typeface="Consolas" panose="020B0609020204030204" pitchFamily="49" charset="0"/>
-      <p:regular r:id="rId17"/>
-      <p:bold r:id="rId18"/>
-      <p:italic r:id="rId19"/>
-      <p:boldItalic r:id="rId20"/>
+      <p:regular r:id="rId20"/>
+      <p:bold r:id="rId21"/>
+      <p:italic r:id="rId22"/>
+      <p:boldItalic r:id="rId23"/>
     </p:embeddedFont>
     <p:embeddedFont>
       <p:font typeface="Nunito Light" pitchFamily="2" charset="0"/>
-      <p:regular r:id="rId21"/>
-      <p:italic r:id="rId22"/>
+      <p:regular r:id="rId24"/>
+      <p:italic r:id="rId25"/>
     </p:embeddedFont>
   </p:embeddedFontLst>
   <p:defaultTextStyle>
@@ -968,6 +971,133 @@
     <p:extLst>
       <p:ext uri="{BB962C8B-B14F-4D97-AF65-F5344CB8AC3E}">
         <p14:creationId xmlns:p14="http://schemas.microsoft.com/office/powerpoint/2010/main" val="3977941587"/>
+      </p:ext>
+    </p:extLst>
+  </p:cSld>
+  <p:clrMapOvr>
+    <a:masterClrMapping/>
+  </p:clrMapOvr>
+</p:notes>
+</file>
+
+<file path=ppt/notesSlides/notesSlide11.xml><?xml version="1.0" encoding="utf-8"?>
+<p:notes xmlns:a="http://schemas.openxmlformats.org/drawingml/2006/main" xmlns:r="http://schemas.openxmlformats.org/officeDocument/2006/relationships" xmlns:p="http://schemas.openxmlformats.org/presentationml/2006/main" showMasterSp="0" showMasterPhAnim="0">
+  <p:cSld>
+    <p:spTree>
+      <p:nvGrpSpPr>
+        <p:cNvPr id="1" name="Shape 873">
+          <a:extLst>
+            <a:ext uri="{FF2B5EF4-FFF2-40B4-BE49-F238E27FC236}">
+              <a16:creationId xmlns:a16="http://schemas.microsoft.com/office/drawing/2014/main" id="{208ADCB1-5531-918B-3D85-47B78F1A8E9D}"/>
+            </a:ext>
+          </a:extLst>
+        </p:cNvPr>
+        <p:cNvGrpSpPr/>
+        <p:nvPr/>
+      </p:nvGrpSpPr>
+      <p:grpSpPr>
+        <a:xfrm>
+          <a:off x="0" y="0"/>
+          <a:ext cx="0" cy="0"/>
+          <a:chOff x="0" y="0"/>
+          <a:chExt cx="0" cy="0"/>
+        </a:xfrm>
+      </p:grpSpPr>
+      <p:sp>
+        <p:nvSpPr>
+          <p:cNvPr id="874" name="Google Shape;874;g1de1b5658bb_0_38:notes">
+            <a:extLst>
+              <a:ext uri="{FF2B5EF4-FFF2-40B4-BE49-F238E27FC236}">
+                <a16:creationId xmlns:a16="http://schemas.microsoft.com/office/drawing/2014/main" id="{5C4B7706-D1EB-350B-9B5C-D9F7653AFF7A}"/>
+              </a:ext>
+            </a:extLst>
+          </p:cNvPr>
+          <p:cNvSpPr>
+            <a:spLocks noGrp="1" noRot="1" noChangeAspect="1"/>
+          </p:cNvSpPr>
+          <p:nvPr>
+            <p:ph type="sldImg" idx="2"/>
+          </p:nvPr>
+        </p:nvSpPr>
+        <p:spPr>
+          <a:xfrm>
+            <a:off x="381000" y="685800"/>
+            <a:ext cx="6096000" cy="3429000"/>
+          </a:xfrm>
+          <a:custGeom>
+            <a:avLst/>
+            <a:gdLst/>
+            <a:ahLst/>
+            <a:cxnLst/>
+            <a:rect l="l" t="t" r="r" b="b"/>
+            <a:pathLst>
+              <a:path w="120000" h="120000" extrusionOk="0">
+                <a:moveTo>
+                  <a:pt x="0" y="0"/>
+                </a:moveTo>
+                <a:lnTo>
+                  <a:pt x="120000" y="0"/>
+                </a:lnTo>
+                <a:lnTo>
+                  <a:pt x="120000" y="120000"/>
+                </a:lnTo>
+                <a:lnTo>
+                  <a:pt x="0" y="120000"/>
+                </a:lnTo>
+                <a:close/>
+              </a:path>
+            </a:pathLst>
+          </a:custGeom>
+        </p:spPr>
+      </p:sp>
+      <p:sp>
+        <p:nvSpPr>
+          <p:cNvPr id="875" name="Google Shape;875;g1de1b5658bb_0_38:notes">
+            <a:extLst>
+              <a:ext uri="{FF2B5EF4-FFF2-40B4-BE49-F238E27FC236}">
+                <a16:creationId xmlns:a16="http://schemas.microsoft.com/office/drawing/2014/main" id="{D535456E-DAA8-90C1-EB14-68B4D6718FEF}"/>
+              </a:ext>
+            </a:extLst>
+          </p:cNvPr>
+          <p:cNvSpPr txBox="1">
+            <a:spLocks noGrp="1"/>
+          </p:cNvSpPr>
+          <p:nvPr>
+            <p:ph type="body" idx="1"/>
+          </p:nvPr>
+        </p:nvSpPr>
+        <p:spPr>
+          <a:xfrm>
+            <a:off x="685800" y="4343400"/>
+            <a:ext cx="5486400" cy="4114800"/>
+          </a:xfrm>
+          <a:prstGeom prst="rect">
+            <a:avLst/>
+          </a:prstGeom>
+        </p:spPr>
+        <p:txBody>
+          <a:bodyPr spcFirstLastPara="1" wrap="square" lIns="91425" tIns="91425" rIns="91425" bIns="91425" anchor="t" anchorCtr="0">
+            <a:noAutofit/>
+          </a:bodyPr>
+          <a:lstStyle/>
+          <a:p>
+            <a:pPr marL="0" lvl="0" indent="0" algn="l" rtl="0">
+              <a:spcBef>
+                <a:spcPts val="0"/>
+              </a:spcBef>
+              <a:spcAft>
+                <a:spcPts val="0"/>
+              </a:spcAft>
+              <a:buNone/>
+            </a:pPr>
+            <a:endParaRPr dirty="0"/>
+          </a:p>
+        </p:txBody>
+      </p:sp>
+    </p:spTree>
+    <p:extLst>
+      <p:ext uri="{BB962C8B-B14F-4D97-AF65-F5344CB8AC3E}">
+        <p14:creationId xmlns:p14="http://schemas.microsoft.com/office/powerpoint/2010/main" val="1759944804"/>
       </p:ext>
     </p:extLst>
   </p:cSld>
@@ -4365,7 +4495,7 @@
                 <a:cs typeface="Anton"/>
                 <a:sym typeface="Anton"/>
               </a:rPr>
-              <a:t>#9 Coding Warm-Up: Working With Images</a:t>
+              <a:t>#7 Coding Warm-Up: Inheriting a Class</a:t>
             </a:r>
             <a:endParaRPr lang="en-CA" sz="3200" dirty="0">
               <a:solidFill>
@@ -4394,7 +4524,7 @@
         <p:spPr>
           <a:xfrm>
             <a:off x="281334" y="1101336"/>
-            <a:ext cx="8459254" cy="2031325"/>
+            <a:ext cx="4111493" cy="2462213"/>
           </a:xfrm>
           <a:prstGeom prst="rect">
             <a:avLst/>
@@ -4415,7 +4545,35 @@
                 <a:effectLst/>
                 <a:latin typeface="Consolas" panose="020B0609020204030204" pitchFamily="49" charset="0"/>
               </a:rPr>
-              <a:t>#Q:Write a python program that copies a text file named “input.txt” with a list of ten items and saves it as “output.txt” with list in reverse order</a:t>
+              <a:t>#Q: Write a </a:t>
+            </a:r>
+            <a:r>
+              <a:rPr lang="en-US" dirty="0">
+                <a:solidFill>
+                  <a:srgbClr val="6A9955"/>
+                </a:solidFill>
+                <a:latin typeface="Consolas" panose="020B0609020204030204" pitchFamily="49" charset="0"/>
+              </a:rPr>
+              <a:t>python</a:t>
+            </a:r>
+            <a:r>
+              <a:rPr lang="en-US" b="0" dirty="0">
+                <a:solidFill>
+                  <a:srgbClr val="6A9955"/>
+                </a:solidFill>
+                <a:effectLst/>
+                <a:latin typeface="Consolas" panose="020B0609020204030204" pitchFamily="49" charset="0"/>
+              </a:rPr>
+              <a:t> program that </a:t>
+            </a:r>
+            <a:r>
+              <a:rPr lang="en-US" dirty="0">
+                <a:solidFill>
+                  <a:srgbClr val="6A9955"/>
+                </a:solidFill>
+                <a:latin typeface="Consolas" panose="020B0609020204030204" pitchFamily="49" charset="0"/>
+              </a:rPr>
+              <a:t>inherits from the ‘Student’ Class and adds a unique attribute or method.</a:t>
             </a:r>
           </a:p>
           <a:p>
@@ -4428,14 +4586,13 @@
           </a:p>
           <a:p>
             <a:r>
-              <a:rPr lang="en-US" b="0" dirty="0">
+              <a:rPr lang="en-US" dirty="0">
                 <a:solidFill>
                   <a:srgbClr val="6A9955"/>
                 </a:solidFill>
-                <a:effectLst/>
-                <a:latin typeface="Consolas" panose="020B0609020204030204" pitchFamily="49" charset="0"/>
-              </a:rPr>
-              <a:t>Hint1: Remember to read in chunks of the OG files by defining a buffer size in bytes</a:t>
+                <a:latin typeface="Consolas" panose="020B0609020204030204" pitchFamily="49" charset="0"/>
+              </a:rPr>
+              <a:t>HINT: In our school database example,</a:t>
             </a:r>
           </a:p>
           <a:p>
@@ -4446,8 +4603,16 @@
                 </a:solidFill>
                 <a:latin typeface="Consolas" panose="020B0609020204030204" pitchFamily="49" charset="0"/>
               </a:rPr>
-              <a:t>       100 would be good, loop through reading the file until there a no more bytes      </a:t>
-            </a:r>
+              <a:t>This might be an Admin, Librarian, Bus Driver</a:t>
+            </a:r>
+          </a:p>
+          <a:p>
+            <a:endParaRPr lang="en-US" dirty="0">
+              <a:solidFill>
+                <a:srgbClr val="6A9955"/>
+              </a:solidFill>
+              <a:latin typeface="Consolas" panose="020B0609020204030204" pitchFamily="49" charset="0"/>
+            </a:endParaRPr>
           </a:p>
           <a:p>
             <a:r>
@@ -4457,8 +4622,28 @@
                 </a:solidFill>
                 <a:latin typeface="Consolas" panose="020B0609020204030204" pitchFamily="49" charset="0"/>
               </a:rPr>
-              <a:t>       to read</a:t>
-            </a:r>
+              <a:t>Bus Driver could have an attribute like ‘</a:t>
+            </a:r>
+            <a:r>
+              <a:rPr lang="en-US" dirty="0" err="1">
+                <a:solidFill>
+                  <a:srgbClr val="6A9955"/>
+                </a:solidFill>
+                <a:latin typeface="Consolas" panose="020B0609020204030204" pitchFamily="49" charset="0"/>
+              </a:rPr>
+              <a:t>bus_num</a:t>
+            </a:r>
+            <a:r>
+              <a:rPr lang="en-US" dirty="0">
+                <a:solidFill>
+                  <a:srgbClr val="6A9955"/>
+                </a:solidFill>
+                <a:latin typeface="Consolas" panose="020B0609020204030204" pitchFamily="49" charset="0"/>
+              </a:rPr>
+              <a:t>’</a:t>
+            </a:r>
+          </a:p>
+          <a:p>
             <a:endParaRPr lang="en-US" b="0" dirty="0">
               <a:solidFill>
                 <a:srgbClr val="6A9955"/>
@@ -4467,10 +4652,101 @@
               <a:latin typeface="Consolas" panose="020B0609020204030204" pitchFamily="49" charset="0"/>
             </a:endParaRPr>
           </a:p>
-          <a:p>
-            <a:endParaRPr lang="en-US" b="0" dirty="0">
+        </p:txBody>
+      </p:sp>
+      <p:sp>
+        <p:nvSpPr>
+          <p:cNvPr id="6" name="TextBox 5">
+            <a:extLst>
+              <a:ext uri="{FF2B5EF4-FFF2-40B4-BE49-F238E27FC236}">
+                <a16:creationId xmlns:a16="http://schemas.microsoft.com/office/drawing/2014/main" id="{9CCBCADC-6D80-7DF3-B766-6CC83517046C}"/>
+              </a:ext>
+            </a:extLst>
+          </p:cNvPr>
+          <p:cNvSpPr txBox="1"/>
+          <p:nvPr/>
+        </p:nvSpPr>
+        <p:spPr>
+          <a:xfrm>
+            <a:off x="4250762" y="1113460"/>
+            <a:ext cx="5101667" cy="3554819"/>
+          </a:xfrm>
+          <a:prstGeom prst="rect">
+            <a:avLst/>
+          </a:prstGeom>
+          <a:noFill/>
+        </p:spPr>
+        <p:txBody>
+          <a:bodyPr wrap="square">
+            <a:spAutoFit/>
+          </a:bodyPr>
+          <a:lstStyle/>
+          <a:p>
+            <a:r>
+              <a:rPr lang="en-US" sz="900" b="0" dirty="0">
+                <a:solidFill>
+                  <a:srgbClr val="569CD6"/>
+                </a:solidFill>
+                <a:effectLst/>
+                <a:latin typeface="Consolas" panose="020B0609020204030204" pitchFamily="49" charset="0"/>
+              </a:rPr>
+              <a:t>class</a:t>
+            </a:r>
+            <a:r>
+              <a:rPr lang="en-US" sz="900" b="0" dirty="0">
+                <a:solidFill>
+                  <a:srgbClr val="CCCCCC"/>
+                </a:solidFill>
+                <a:effectLst/>
+                <a:latin typeface="Consolas" panose="020B0609020204030204" pitchFamily="49" charset="0"/>
+              </a:rPr>
+              <a:t> </a:t>
+            </a:r>
+            <a:r>
+              <a:rPr lang="en-US" sz="900" b="0" dirty="0">
+                <a:solidFill>
+                  <a:srgbClr val="4EC9B0"/>
+                </a:solidFill>
+                <a:effectLst/>
+                <a:latin typeface="Consolas" panose="020B0609020204030204" pitchFamily="49" charset="0"/>
+              </a:rPr>
+              <a:t>Student</a:t>
+            </a:r>
+            <a:r>
+              <a:rPr lang="en-US" sz="900" b="0" dirty="0">
+                <a:solidFill>
+                  <a:srgbClr val="CCCCCC"/>
+                </a:solidFill>
+                <a:effectLst/>
+                <a:latin typeface="Consolas" panose="020B0609020204030204" pitchFamily="49" charset="0"/>
+              </a:rPr>
+              <a:t>:</a:t>
+            </a:r>
+          </a:p>
+          <a:p>
+            <a:r>
+              <a:rPr lang="en-US" sz="900" b="0" dirty="0">
+                <a:solidFill>
+                  <a:srgbClr val="CCCCCC"/>
+                </a:solidFill>
+                <a:effectLst/>
+                <a:latin typeface="Consolas" panose="020B0609020204030204" pitchFamily="49" charset="0"/>
+              </a:rPr>
+              <a:t>    </a:t>
+            </a:r>
+            <a:r>
+              <a:rPr lang="en-US" sz="900" b="0" dirty="0">
+                <a:solidFill>
+                  <a:srgbClr val="6A9955"/>
+                </a:solidFill>
+                <a:effectLst/>
+                <a:latin typeface="Consolas" panose="020B0609020204030204" pitchFamily="49" charset="0"/>
+              </a:rPr>
+              <a:t>#Instance Variable</a:t>
+            </a:r>
+            <a:endParaRPr lang="en-US" sz="900" b="0" dirty="0">
               <a:solidFill>
-                <a:srgbClr val="6A9955"/>
+                <a:srgbClr val="CCCCCC"/>
               </a:solidFill>
               <a:effectLst/>
               <a:latin typeface="Consolas" panose="020B0609020204030204" pitchFamily="49" charset="0"/>
@@ -4478,66 +4754,1682 @@
           </a:p>
           <a:p>
             <a:r>
-              <a:rPr lang="en-US" dirty="0">
-                <a:solidFill>
-                  <a:srgbClr val="6A9955"/>
-                </a:solidFill>
-                <a:latin typeface="Consolas" panose="020B0609020204030204" pitchFamily="49" charset="0"/>
-              </a:rPr>
-              <a:t>Hint2: Remember to read and write the file in “</a:t>
-            </a:r>
-            <a:r>
-              <a:rPr lang="en-US" dirty="0" err="1">
-                <a:solidFill>
-                  <a:srgbClr val="6A9955"/>
-                </a:solidFill>
-                <a:latin typeface="Consolas" panose="020B0609020204030204" pitchFamily="49" charset="0"/>
-              </a:rPr>
-              <a:t>rb</a:t>
-            </a:r>
-            <a:r>
-              <a:rPr lang="en-US" dirty="0">
-                <a:solidFill>
-                  <a:srgbClr val="6A9955"/>
-                </a:solidFill>
-                <a:latin typeface="Consolas" panose="020B0609020204030204" pitchFamily="49" charset="0"/>
-              </a:rPr>
-              <a:t>” and “</a:t>
-            </a:r>
-            <a:r>
-              <a:rPr lang="en-US" dirty="0" err="1">
-                <a:solidFill>
-                  <a:srgbClr val="6A9955"/>
-                </a:solidFill>
-                <a:latin typeface="Consolas" panose="020B0609020204030204" pitchFamily="49" charset="0"/>
-              </a:rPr>
-              <a:t>wb</a:t>
-            </a:r>
-            <a:r>
-              <a:rPr lang="en-US" dirty="0">
-                <a:solidFill>
-                  <a:srgbClr val="6A9955"/>
-                </a:solidFill>
-                <a:latin typeface="Consolas" panose="020B0609020204030204" pitchFamily="49" charset="0"/>
-              </a:rPr>
-              <a:t>” byte mode respectively </a:t>
-            </a:r>
-          </a:p>
-          <a:p>
-            <a:endParaRPr lang="en-US" b="0" dirty="0">
+              <a:rPr lang="en-US" sz="900" b="0" dirty="0">
+                <a:solidFill>
+                  <a:srgbClr val="CCCCCC"/>
+                </a:solidFill>
+                <a:effectLst/>
+                <a:latin typeface="Consolas" panose="020B0609020204030204" pitchFamily="49" charset="0"/>
+              </a:rPr>
+              <a:t>    </a:t>
+            </a:r>
+            <a:r>
+              <a:rPr lang="en-US" sz="900" b="0" dirty="0" err="1">
+                <a:solidFill>
+                  <a:srgbClr val="9CDCFE"/>
+                </a:solidFill>
+                <a:effectLst/>
+                <a:latin typeface="Consolas" panose="020B0609020204030204" pitchFamily="49" charset="0"/>
+              </a:rPr>
+              <a:t>schoolName</a:t>
+            </a:r>
+            <a:r>
+              <a:rPr lang="en-US" sz="900" b="0" dirty="0">
+                <a:solidFill>
+                  <a:srgbClr val="CCCCCC"/>
+                </a:solidFill>
+                <a:effectLst/>
+                <a:latin typeface="Consolas" panose="020B0609020204030204" pitchFamily="49" charset="0"/>
+              </a:rPr>
+              <a:t> </a:t>
+            </a:r>
+            <a:r>
+              <a:rPr lang="en-US" sz="900" b="0" dirty="0">
+                <a:solidFill>
+                  <a:srgbClr val="D4D4D4"/>
+                </a:solidFill>
+                <a:effectLst/>
+                <a:latin typeface="Consolas" panose="020B0609020204030204" pitchFamily="49" charset="0"/>
+              </a:rPr>
+              <a:t>=</a:t>
+            </a:r>
+            <a:r>
+              <a:rPr lang="en-US" sz="900" b="0" dirty="0">
+                <a:solidFill>
+                  <a:srgbClr val="CCCCCC"/>
+                </a:solidFill>
+                <a:effectLst/>
+                <a:latin typeface="Consolas" panose="020B0609020204030204" pitchFamily="49" charset="0"/>
+              </a:rPr>
+              <a:t> </a:t>
+            </a:r>
+            <a:r>
+              <a:rPr lang="en-US" sz="900" b="0" dirty="0">
+                <a:solidFill>
+                  <a:srgbClr val="CE9178"/>
+                </a:solidFill>
+                <a:effectLst/>
+                <a:latin typeface="Consolas" panose="020B0609020204030204" pitchFamily="49" charset="0"/>
+              </a:rPr>
+              <a:t>"Leo Hayes High School"</a:t>
+            </a:r>
+            <a:endParaRPr lang="en-US" sz="900" b="0" dirty="0">
               <a:solidFill>
-                <a:srgbClr val="6A9955"/>
+                <a:srgbClr val="CCCCCC"/>
               </a:solidFill>
               <a:effectLst/>
               <a:latin typeface="Consolas" panose="020B0609020204030204" pitchFamily="49" charset="0"/>
             </a:endParaRPr>
+          </a:p>
+          <a:p>
+            <a:r>
+              <a:rPr lang="en-US" sz="900" b="0" dirty="0">
+                <a:solidFill>
+                  <a:srgbClr val="CCCCCC"/>
+                </a:solidFill>
+                <a:effectLst/>
+                <a:latin typeface="Consolas" panose="020B0609020204030204" pitchFamily="49" charset="0"/>
+              </a:rPr>
+              <a:t>    </a:t>
+            </a:r>
+            <a:r>
+              <a:rPr lang="en-US" sz="900" b="0" dirty="0" err="1">
+                <a:solidFill>
+                  <a:srgbClr val="9CDCFE"/>
+                </a:solidFill>
+                <a:effectLst/>
+                <a:latin typeface="Consolas" panose="020B0609020204030204" pitchFamily="49" charset="0"/>
+              </a:rPr>
+              <a:t>numSchoolDays</a:t>
+            </a:r>
+            <a:r>
+              <a:rPr lang="en-US" sz="900" b="0" dirty="0">
+                <a:solidFill>
+                  <a:srgbClr val="CCCCCC"/>
+                </a:solidFill>
+                <a:effectLst/>
+                <a:latin typeface="Consolas" panose="020B0609020204030204" pitchFamily="49" charset="0"/>
+              </a:rPr>
+              <a:t> </a:t>
+            </a:r>
+            <a:r>
+              <a:rPr lang="en-US" sz="900" b="0" dirty="0">
+                <a:solidFill>
+                  <a:srgbClr val="D4D4D4"/>
+                </a:solidFill>
+                <a:effectLst/>
+                <a:latin typeface="Consolas" panose="020B0609020204030204" pitchFamily="49" charset="0"/>
+              </a:rPr>
+              <a:t>=</a:t>
+            </a:r>
+            <a:r>
+              <a:rPr lang="en-US" sz="900" b="0" dirty="0">
+                <a:solidFill>
+                  <a:srgbClr val="CCCCCC"/>
+                </a:solidFill>
+                <a:effectLst/>
+                <a:latin typeface="Consolas" panose="020B0609020204030204" pitchFamily="49" charset="0"/>
+              </a:rPr>
+              <a:t> </a:t>
+            </a:r>
+            <a:r>
+              <a:rPr lang="en-US" sz="900" b="0" dirty="0">
+                <a:solidFill>
+                  <a:srgbClr val="B5CEA8"/>
+                </a:solidFill>
+                <a:effectLst/>
+                <a:latin typeface="Consolas" panose="020B0609020204030204" pitchFamily="49" charset="0"/>
+              </a:rPr>
+              <a:t>216</a:t>
+            </a:r>
+            <a:endParaRPr lang="en-US" sz="900" b="0" dirty="0">
+              <a:solidFill>
+                <a:srgbClr val="CCCCCC"/>
+              </a:solidFill>
+              <a:effectLst/>
+              <a:latin typeface="Consolas" panose="020B0609020204030204" pitchFamily="49" charset="0"/>
+            </a:endParaRPr>
+          </a:p>
+          <a:p>
+            <a:br>
+              <a:rPr lang="en-US" sz="900" b="0" dirty="0">
+                <a:solidFill>
+                  <a:srgbClr val="CCCCCC"/>
+                </a:solidFill>
+                <a:effectLst/>
+                <a:latin typeface="Consolas" panose="020B0609020204030204" pitchFamily="49" charset="0"/>
+              </a:rPr>
+            </a:br>
+            <a:r>
+              <a:rPr lang="en-US" sz="900" b="0" dirty="0">
+                <a:solidFill>
+                  <a:srgbClr val="CCCCCC"/>
+                </a:solidFill>
+                <a:effectLst/>
+                <a:latin typeface="Consolas" panose="020B0609020204030204" pitchFamily="49" charset="0"/>
+              </a:rPr>
+              <a:t>    </a:t>
+            </a:r>
+            <a:r>
+              <a:rPr lang="en-US" sz="900" b="0" dirty="0">
+                <a:solidFill>
+                  <a:srgbClr val="569CD6"/>
+                </a:solidFill>
+                <a:effectLst/>
+                <a:latin typeface="Consolas" panose="020B0609020204030204" pitchFamily="49" charset="0"/>
+              </a:rPr>
+              <a:t>def</a:t>
+            </a:r>
+            <a:r>
+              <a:rPr lang="en-US" sz="900" b="0" dirty="0">
+                <a:solidFill>
+                  <a:srgbClr val="CCCCCC"/>
+                </a:solidFill>
+                <a:effectLst/>
+                <a:latin typeface="Consolas" panose="020B0609020204030204" pitchFamily="49" charset="0"/>
+              </a:rPr>
+              <a:t> </a:t>
+            </a:r>
+            <a:r>
+              <a:rPr lang="en-US" sz="900" b="0" dirty="0">
+                <a:solidFill>
+                  <a:srgbClr val="DCDCAA"/>
+                </a:solidFill>
+                <a:effectLst/>
+                <a:latin typeface="Consolas" panose="020B0609020204030204" pitchFamily="49" charset="0"/>
+              </a:rPr>
+              <a:t>__</a:t>
+            </a:r>
+            <a:r>
+              <a:rPr lang="en-US" sz="900" b="0" dirty="0" err="1">
+                <a:solidFill>
+                  <a:srgbClr val="DCDCAA"/>
+                </a:solidFill>
+                <a:effectLst/>
+                <a:latin typeface="Consolas" panose="020B0609020204030204" pitchFamily="49" charset="0"/>
+              </a:rPr>
+              <a:t>init</a:t>
+            </a:r>
+            <a:r>
+              <a:rPr lang="en-US" sz="900" b="0" dirty="0">
+                <a:solidFill>
+                  <a:srgbClr val="DCDCAA"/>
+                </a:solidFill>
+                <a:effectLst/>
+                <a:latin typeface="Consolas" panose="020B0609020204030204" pitchFamily="49" charset="0"/>
+              </a:rPr>
+              <a:t>__</a:t>
+            </a:r>
+            <a:r>
+              <a:rPr lang="en-US" sz="900" b="0" dirty="0">
+                <a:solidFill>
+                  <a:srgbClr val="CCCCCC"/>
+                </a:solidFill>
+                <a:effectLst/>
+                <a:latin typeface="Consolas" panose="020B0609020204030204" pitchFamily="49" charset="0"/>
+              </a:rPr>
+              <a:t>(</a:t>
+            </a:r>
+            <a:r>
+              <a:rPr lang="en-US" sz="900" b="0" dirty="0">
+                <a:solidFill>
+                  <a:srgbClr val="9CDCFE"/>
+                </a:solidFill>
+                <a:effectLst/>
+                <a:latin typeface="Consolas" panose="020B0609020204030204" pitchFamily="49" charset="0"/>
+              </a:rPr>
+              <a:t>self</a:t>
+            </a:r>
+            <a:r>
+              <a:rPr lang="en-US" sz="900" b="0" dirty="0">
+                <a:solidFill>
+                  <a:srgbClr val="CCCCCC"/>
+                </a:solidFill>
+                <a:effectLst/>
+                <a:latin typeface="Consolas" panose="020B0609020204030204" pitchFamily="49" charset="0"/>
+              </a:rPr>
+              <a:t>, </a:t>
+            </a:r>
+            <a:r>
+              <a:rPr lang="en-US" sz="900" b="0" dirty="0" err="1">
+                <a:solidFill>
+                  <a:srgbClr val="9CDCFE"/>
+                </a:solidFill>
+                <a:effectLst/>
+                <a:latin typeface="Consolas" panose="020B0609020204030204" pitchFamily="49" charset="0"/>
+              </a:rPr>
+              <a:t>first_name</a:t>
+            </a:r>
+            <a:r>
+              <a:rPr lang="en-US" sz="900" b="0" dirty="0">
+                <a:solidFill>
+                  <a:srgbClr val="CCCCCC"/>
+                </a:solidFill>
+                <a:effectLst/>
+                <a:latin typeface="Consolas" panose="020B0609020204030204" pitchFamily="49" charset="0"/>
+              </a:rPr>
+              <a:t>, </a:t>
+            </a:r>
+            <a:r>
+              <a:rPr lang="en-US" sz="900" b="0" dirty="0" err="1">
+                <a:solidFill>
+                  <a:srgbClr val="9CDCFE"/>
+                </a:solidFill>
+                <a:effectLst/>
+                <a:latin typeface="Consolas" panose="020B0609020204030204" pitchFamily="49" charset="0"/>
+              </a:rPr>
+              <a:t>last_name</a:t>
+            </a:r>
+            <a:r>
+              <a:rPr lang="en-US" sz="900" b="0" dirty="0">
+                <a:solidFill>
+                  <a:srgbClr val="CCCCCC"/>
+                </a:solidFill>
+                <a:effectLst/>
+                <a:latin typeface="Consolas" panose="020B0609020204030204" pitchFamily="49" charset="0"/>
+              </a:rPr>
+              <a:t>):</a:t>
+            </a:r>
+          </a:p>
+          <a:p>
+            <a:r>
+              <a:rPr lang="en-US" sz="900" b="0" dirty="0">
+                <a:solidFill>
+                  <a:srgbClr val="CCCCCC"/>
+                </a:solidFill>
+                <a:effectLst/>
+                <a:latin typeface="Consolas" panose="020B0609020204030204" pitchFamily="49" charset="0"/>
+              </a:rPr>
+              <a:t>        </a:t>
+            </a:r>
+            <a:r>
+              <a:rPr lang="en-US" sz="900" b="0" dirty="0" err="1">
+                <a:solidFill>
+                  <a:srgbClr val="9CDCFE"/>
+                </a:solidFill>
+                <a:effectLst/>
+                <a:latin typeface="Consolas" panose="020B0609020204030204" pitchFamily="49" charset="0"/>
+              </a:rPr>
+              <a:t>self</a:t>
+            </a:r>
+            <a:r>
+              <a:rPr lang="en-US" sz="900" b="0" dirty="0" err="1">
+                <a:solidFill>
+                  <a:srgbClr val="CCCCCC"/>
+                </a:solidFill>
+                <a:effectLst/>
+                <a:latin typeface="Consolas" panose="020B0609020204030204" pitchFamily="49" charset="0"/>
+              </a:rPr>
+              <a:t>.</a:t>
+            </a:r>
+            <a:r>
+              <a:rPr lang="en-US" sz="900" b="0" dirty="0" err="1">
+                <a:solidFill>
+                  <a:srgbClr val="9CDCFE"/>
+                </a:solidFill>
+                <a:effectLst/>
+                <a:latin typeface="Consolas" panose="020B0609020204030204" pitchFamily="49" charset="0"/>
+              </a:rPr>
+              <a:t>first_name</a:t>
+            </a:r>
+            <a:r>
+              <a:rPr lang="en-US" sz="900" b="0" dirty="0">
+                <a:solidFill>
+                  <a:srgbClr val="CCCCCC"/>
+                </a:solidFill>
+                <a:effectLst/>
+                <a:latin typeface="Consolas" panose="020B0609020204030204" pitchFamily="49" charset="0"/>
+              </a:rPr>
+              <a:t> </a:t>
+            </a:r>
+            <a:r>
+              <a:rPr lang="en-US" sz="900" b="0" dirty="0">
+                <a:solidFill>
+                  <a:srgbClr val="D4D4D4"/>
+                </a:solidFill>
+                <a:effectLst/>
+                <a:latin typeface="Consolas" panose="020B0609020204030204" pitchFamily="49" charset="0"/>
+              </a:rPr>
+              <a:t>=</a:t>
+            </a:r>
+            <a:r>
+              <a:rPr lang="en-US" sz="900" b="0" dirty="0">
+                <a:solidFill>
+                  <a:srgbClr val="CCCCCC"/>
+                </a:solidFill>
+                <a:effectLst/>
+                <a:latin typeface="Consolas" panose="020B0609020204030204" pitchFamily="49" charset="0"/>
+              </a:rPr>
+              <a:t> </a:t>
+            </a:r>
+            <a:r>
+              <a:rPr lang="en-US" sz="900" b="0" dirty="0" err="1">
+                <a:solidFill>
+                  <a:srgbClr val="9CDCFE"/>
+                </a:solidFill>
+                <a:effectLst/>
+                <a:latin typeface="Consolas" panose="020B0609020204030204" pitchFamily="49" charset="0"/>
+              </a:rPr>
+              <a:t>first_name</a:t>
+            </a:r>
+            <a:endParaRPr lang="en-US" sz="900" b="0" dirty="0">
+              <a:solidFill>
+                <a:srgbClr val="CCCCCC"/>
+              </a:solidFill>
+              <a:effectLst/>
+              <a:latin typeface="Consolas" panose="020B0609020204030204" pitchFamily="49" charset="0"/>
+            </a:endParaRPr>
+          </a:p>
+          <a:p>
+            <a:r>
+              <a:rPr lang="en-US" sz="900" b="0" dirty="0">
+                <a:solidFill>
+                  <a:srgbClr val="CCCCCC"/>
+                </a:solidFill>
+                <a:effectLst/>
+                <a:latin typeface="Consolas" panose="020B0609020204030204" pitchFamily="49" charset="0"/>
+              </a:rPr>
+              <a:t>        </a:t>
+            </a:r>
+            <a:r>
+              <a:rPr lang="en-US" sz="900" b="0" dirty="0" err="1">
+                <a:solidFill>
+                  <a:srgbClr val="9CDCFE"/>
+                </a:solidFill>
+                <a:effectLst/>
+                <a:latin typeface="Consolas" panose="020B0609020204030204" pitchFamily="49" charset="0"/>
+              </a:rPr>
+              <a:t>self</a:t>
+            </a:r>
+            <a:r>
+              <a:rPr lang="en-US" sz="900" b="0" dirty="0" err="1">
+                <a:solidFill>
+                  <a:srgbClr val="CCCCCC"/>
+                </a:solidFill>
+                <a:effectLst/>
+                <a:latin typeface="Consolas" panose="020B0609020204030204" pitchFamily="49" charset="0"/>
+              </a:rPr>
+              <a:t>.</a:t>
+            </a:r>
+            <a:r>
+              <a:rPr lang="en-US" sz="900" b="0" dirty="0" err="1">
+                <a:solidFill>
+                  <a:srgbClr val="9CDCFE"/>
+                </a:solidFill>
+                <a:effectLst/>
+                <a:latin typeface="Consolas" panose="020B0609020204030204" pitchFamily="49" charset="0"/>
+              </a:rPr>
+              <a:t>last_name</a:t>
+            </a:r>
+            <a:r>
+              <a:rPr lang="en-US" sz="900" b="0" dirty="0">
+                <a:solidFill>
+                  <a:srgbClr val="CCCCCC"/>
+                </a:solidFill>
+                <a:effectLst/>
+                <a:latin typeface="Consolas" panose="020B0609020204030204" pitchFamily="49" charset="0"/>
+              </a:rPr>
+              <a:t> </a:t>
+            </a:r>
+            <a:r>
+              <a:rPr lang="en-US" sz="900" b="0" dirty="0">
+                <a:solidFill>
+                  <a:srgbClr val="D4D4D4"/>
+                </a:solidFill>
+                <a:effectLst/>
+                <a:latin typeface="Consolas" panose="020B0609020204030204" pitchFamily="49" charset="0"/>
+              </a:rPr>
+              <a:t>=</a:t>
+            </a:r>
+            <a:r>
+              <a:rPr lang="en-US" sz="900" b="0" dirty="0">
+                <a:solidFill>
+                  <a:srgbClr val="CCCCCC"/>
+                </a:solidFill>
+                <a:effectLst/>
+                <a:latin typeface="Consolas" panose="020B0609020204030204" pitchFamily="49" charset="0"/>
+              </a:rPr>
+              <a:t> </a:t>
+            </a:r>
+            <a:r>
+              <a:rPr lang="en-US" sz="900" b="0" dirty="0" err="1">
+                <a:solidFill>
+                  <a:srgbClr val="9CDCFE"/>
+                </a:solidFill>
+                <a:effectLst/>
+                <a:latin typeface="Consolas" panose="020B0609020204030204" pitchFamily="49" charset="0"/>
+              </a:rPr>
+              <a:t>last_name</a:t>
+            </a:r>
+            <a:endParaRPr lang="en-US" sz="900" b="0" dirty="0">
+              <a:solidFill>
+                <a:srgbClr val="CCCCCC"/>
+              </a:solidFill>
+              <a:effectLst/>
+              <a:latin typeface="Consolas" panose="020B0609020204030204" pitchFamily="49" charset="0"/>
+            </a:endParaRPr>
+          </a:p>
+          <a:p>
+            <a:r>
+              <a:rPr lang="en-US" sz="900" b="0" dirty="0">
+                <a:solidFill>
+                  <a:srgbClr val="CCCCCC"/>
+                </a:solidFill>
+                <a:effectLst/>
+                <a:latin typeface="Consolas" panose="020B0609020204030204" pitchFamily="49" charset="0"/>
+              </a:rPr>
+              <a:t>        </a:t>
+            </a:r>
+            <a:r>
+              <a:rPr lang="en-US" sz="900" b="0" dirty="0" err="1">
+                <a:solidFill>
+                  <a:srgbClr val="9CDCFE"/>
+                </a:solidFill>
+                <a:effectLst/>
+                <a:latin typeface="Consolas" panose="020B0609020204030204" pitchFamily="49" charset="0"/>
+              </a:rPr>
+              <a:t>self</a:t>
+            </a:r>
+            <a:r>
+              <a:rPr lang="en-US" sz="900" b="0" dirty="0" err="1">
+                <a:solidFill>
+                  <a:srgbClr val="CCCCCC"/>
+                </a:solidFill>
+                <a:effectLst/>
+                <a:latin typeface="Consolas" panose="020B0609020204030204" pitchFamily="49" charset="0"/>
+              </a:rPr>
+              <a:t>.</a:t>
+            </a:r>
+            <a:r>
+              <a:rPr lang="en-US" sz="900" b="0" dirty="0" err="1">
+                <a:solidFill>
+                  <a:srgbClr val="9CDCFE"/>
+                </a:solidFill>
+                <a:effectLst/>
+                <a:latin typeface="Consolas" panose="020B0609020204030204" pitchFamily="49" charset="0"/>
+              </a:rPr>
+              <a:t>email</a:t>
+            </a:r>
+            <a:r>
+              <a:rPr lang="en-US" sz="900" b="0" dirty="0">
+                <a:solidFill>
+                  <a:srgbClr val="CCCCCC"/>
+                </a:solidFill>
+                <a:effectLst/>
+                <a:latin typeface="Consolas" panose="020B0609020204030204" pitchFamily="49" charset="0"/>
+              </a:rPr>
+              <a:t> </a:t>
+            </a:r>
+            <a:r>
+              <a:rPr lang="en-US" sz="900" b="0" dirty="0">
+                <a:solidFill>
+                  <a:srgbClr val="D4D4D4"/>
+                </a:solidFill>
+                <a:effectLst/>
+                <a:latin typeface="Consolas" panose="020B0609020204030204" pitchFamily="49" charset="0"/>
+              </a:rPr>
+              <a:t>=</a:t>
+            </a:r>
+            <a:r>
+              <a:rPr lang="en-US" sz="900" b="0" dirty="0">
+                <a:solidFill>
+                  <a:srgbClr val="CCCCCC"/>
+                </a:solidFill>
+                <a:effectLst/>
+                <a:latin typeface="Consolas" panose="020B0609020204030204" pitchFamily="49" charset="0"/>
+              </a:rPr>
+              <a:t> </a:t>
+            </a:r>
+            <a:r>
+              <a:rPr lang="en-US" sz="900" b="0" dirty="0" err="1">
+                <a:solidFill>
+                  <a:srgbClr val="9CDCFE"/>
+                </a:solidFill>
+                <a:effectLst/>
+                <a:latin typeface="Consolas" panose="020B0609020204030204" pitchFamily="49" charset="0"/>
+              </a:rPr>
+              <a:t>first_name</a:t>
+            </a:r>
+            <a:r>
+              <a:rPr lang="en-US" sz="900" b="0" dirty="0">
+                <a:solidFill>
+                  <a:srgbClr val="CCCCCC"/>
+                </a:solidFill>
+                <a:effectLst/>
+                <a:latin typeface="Consolas" panose="020B0609020204030204" pitchFamily="49" charset="0"/>
+              </a:rPr>
+              <a:t> </a:t>
+            </a:r>
+            <a:r>
+              <a:rPr lang="en-US" sz="900" b="0" dirty="0">
+                <a:solidFill>
+                  <a:srgbClr val="D4D4D4"/>
+                </a:solidFill>
+                <a:effectLst/>
+                <a:latin typeface="Consolas" panose="020B0609020204030204" pitchFamily="49" charset="0"/>
+              </a:rPr>
+              <a:t>+</a:t>
+            </a:r>
+            <a:r>
+              <a:rPr lang="en-US" sz="900" b="0" dirty="0">
+                <a:solidFill>
+                  <a:srgbClr val="CCCCCC"/>
+                </a:solidFill>
+                <a:effectLst/>
+                <a:latin typeface="Consolas" panose="020B0609020204030204" pitchFamily="49" charset="0"/>
+              </a:rPr>
+              <a:t> </a:t>
+            </a:r>
+            <a:r>
+              <a:rPr lang="en-US" sz="900" b="0" dirty="0">
+                <a:solidFill>
+                  <a:srgbClr val="CE9178"/>
+                </a:solidFill>
+                <a:effectLst/>
+                <a:latin typeface="Consolas" panose="020B0609020204030204" pitchFamily="49" charset="0"/>
+              </a:rPr>
+              <a:t>"."</a:t>
+            </a:r>
+            <a:r>
+              <a:rPr lang="en-US" sz="900" b="0" dirty="0">
+                <a:solidFill>
+                  <a:srgbClr val="CCCCCC"/>
+                </a:solidFill>
+                <a:effectLst/>
+                <a:latin typeface="Consolas" panose="020B0609020204030204" pitchFamily="49" charset="0"/>
+              </a:rPr>
+              <a:t> </a:t>
+            </a:r>
+            <a:r>
+              <a:rPr lang="en-US" sz="900" b="0" dirty="0">
+                <a:solidFill>
+                  <a:srgbClr val="D4D4D4"/>
+                </a:solidFill>
+                <a:effectLst/>
+                <a:latin typeface="Consolas" panose="020B0609020204030204" pitchFamily="49" charset="0"/>
+              </a:rPr>
+              <a:t>+</a:t>
+            </a:r>
+            <a:r>
+              <a:rPr lang="en-US" sz="900" b="0" dirty="0">
+                <a:solidFill>
+                  <a:srgbClr val="CCCCCC"/>
+                </a:solidFill>
+                <a:effectLst/>
+                <a:latin typeface="Consolas" panose="020B0609020204030204" pitchFamily="49" charset="0"/>
+              </a:rPr>
+              <a:t> </a:t>
+            </a:r>
+            <a:r>
+              <a:rPr lang="en-US" sz="900" b="0" dirty="0" err="1">
+                <a:solidFill>
+                  <a:srgbClr val="9CDCFE"/>
+                </a:solidFill>
+                <a:effectLst/>
+                <a:latin typeface="Consolas" panose="020B0609020204030204" pitchFamily="49" charset="0"/>
+              </a:rPr>
+              <a:t>last_name</a:t>
+            </a:r>
+            <a:r>
+              <a:rPr lang="en-US" sz="900" b="0" dirty="0">
+                <a:solidFill>
+                  <a:srgbClr val="CCCCCC"/>
+                </a:solidFill>
+                <a:effectLst/>
+                <a:latin typeface="Consolas" panose="020B0609020204030204" pitchFamily="49" charset="0"/>
+              </a:rPr>
+              <a:t> </a:t>
+            </a:r>
+            <a:r>
+              <a:rPr lang="en-US" sz="900" b="0" dirty="0">
+                <a:solidFill>
+                  <a:srgbClr val="D4D4D4"/>
+                </a:solidFill>
+                <a:effectLst/>
+                <a:latin typeface="Consolas" panose="020B0609020204030204" pitchFamily="49" charset="0"/>
+              </a:rPr>
+              <a:t>+</a:t>
+            </a:r>
+            <a:r>
+              <a:rPr lang="en-US" sz="900" b="0" dirty="0">
+                <a:solidFill>
+                  <a:srgbClr val="CCCCCC"/>
+                </a:solidFill>
+                <a:effectLst/>
+                <a:latin typeface="Consolas" panose="020B0609020204030204" pitchFamily="49" charset="0"/>
+              </a:rPr>
+              <a:t> </a:t>
+            </a:r>
+            <a:r>
+              <a:rPr lang="en-US" sz="900" b="0" dirty="0">
+                <a:solidFill>
+                  <a:srgbClr val="CE9178"/>
+                </a:solidFill>
+                <a:effectLst/>
+                <a:latin typeface="Consolas" panose="020B0609020204030204" pitchFamily="49" charset="0"/>
+              </a:rPr>
+              <a:t>"@school-email.com"</a:t>
+            </a:r>
+            <a:r>
+              <a:rPr lang="en-US" sz="900" b="0" dirty="0">
+                <a:solidFill>
+                  <a:srgbClr val="CCCCCC"/>
+                </a:solidFill>
+                <a:effectLst/>
+                <a:latin typeface="Consolas" panose="020B0609020204030204" pitchFamily="49" charset="0"/>
+              </a:rPr>
+              <a:t>   </a:t>
+            </a:r>
+          </a:p>
+          <a:p>
+            <a:br>
+              <a:rPr lang="en-US" sz="900" b="0" dirty="0">
+                <a:solidFill>
+                  <a:srgbClr val="CCCCCC"/>
+                </a:solidFill>
+                <a:effectLst/>
+                <a:latin typeface="Consolas" panose="020B0609020204030204" pitchFamily="49" charset="0"/>
+              </a:rPr>
+            </a:br>
+            <a:r>
+              <a:rPr lang="en-US" sz="900" b="0" dirty="0">
+                <a:solidFill>
+                  <a:srgbClr val="CCCCCC"/>
+                </a:solidFill>
+                <a:effectLst/>
+                <a:latin typeface="Consolas" panose="020B0609020204030204" pitchFamily="49" charset="0"/>
+              </a:rPr>
+              <a:t>    </a:t>
+            </a:r>
+            <a:r>
+              <a:rPr lang="en-US" sz="900" b="0" dirty="0">
+                <a:solidFill>
+                  <a:srgbClr val="569CD6"/>
+                </a:solidFill>
+                <a:effectLst/>
+                <a:latin typeface="Consolas" panose="020B0609020204030204" pitchFamily="49" charset="0"/>
+              </a:rPr>
+              <a:t>def</a:t>
+            </a:r>
+            <a:r>
+              <a:rPr lang="en-US" sz="900" b="0" dirty="0">
+                <a:solidFill>
+                  <a:srgbClr val="CCCCCC"/>
+                </a:solidFill>
+                <a:effectLst/>
+                <a:latin typeface="Consolas" panose="020B0609020204030204" pitchFamily="49" charset="0"/>
+              </a:rPr>
+              <a:t> </a:t>
+            </a:r>
+            <a:r>
+              <a:rPr lang="en-US" sz="900" b="0" dirty="0" err="1">
+                <a:solidFill>
+                  <a:srgbClr val="DCDCAA"/>
+                </a:solidFill>
+                <a:effectLst/>
+                <a:latin typeface="Consolas" panose="020B0609020204030204" pitchFamily="49" charset="0"/>
+              </a:rPr>
+              <a:t>full_name</a:t>
+            </a:r>
+            <a:r>
+              <a:rPr lang="en-US" sz="900" b="0" dirty="0">
+                <a:solidFill>
+                  <a:srgbClr val="CCCCCC"/>
+                </a:solidFill>
+                <a:effectLst/>
+                <a:latin typeface="Consolas" panose="020B0609020204030204" pitchFamily="49" charset="0"/>
+              </a:rPr>
+              <a:t>(</a:t>
+            </a:r>
+            <a:r>
+              <a:rPr lang="en-US" sz="900" b="0" dirty="0">
+                <a:solidFill>
+                  <a:srgbClr val="9CDCFE"/>
+                </a:solidFill>
+                <a:effectLst/>
+                <a:latin typeface="Consolas" panose="020B0609020204030204" pitchFamily="49" charset="0"/>
+              </a:rPr>
+              <a:t>self</a:t>
+            </a:r>
+            <a:r>
+              <a:rPr lang="en-US" sz="900" b="0" dirty="0">
+                <a:solidFill>
+                  <a:srgbClr val="CCCCCC"/>
+                </a:solidFill>
+                <a:effectLst/>
+                <a:latin typeface="Consolas" panose="020B0609020204030204" pitchFamily="49" charset="0"/>
+              </a:rPr>
+              <a:t>):</a:t>
+            </a:r>
+          </a:p>
+          <a:p>
+            <a:r>
+              <a:rPr lang="en-US" sz="900" b="0" dirty="0">
+                <a:solidFill>
+                  <a:srgbClr val="CCCCCC"/>
+                </a:solidFill>
+                <a:effectLst/>
+                <a:latin typeface="Consolas" panose="020B0609020204030204" pitchFamily="49" charset="0"/>
+              </a:rPr>
+              <a:t>        </a:t>
+            </a:r>
+            <a:r>
+              <a:rPr lang="en-US" sz="900" b="0" dirty="0">
+                <a:solidFill>
+                  <a:srgbClr val="C586C0"/>
+                </a:solidFill>
+                <a:effectLst/>
+                <a:latin typeface="Consolas" panose="020B0609020204030204" pitchFamily="49" charset="0"/>
+              </a:rPr>
+              <a:t>return</a:t>
+            </a:r>
+            <a:r>
+              <a:rPr lang="en-US" sz="900" b="0" dirty="0">
+                <a:solidFill>
+                  <a:srgbClr val="CCCCCC"/>
+                </a:solidFill>
+                <a:effectLst/>
+                <a:latin typeface="Consolas" panose="020B0609020204030204" pitchFamily="49" charset="0"/>
+              </a:rPr>
+              <a:t> </a:t>
+            </a:r>
+            <a:r>
+              <a:rPr lang="en-US" sz="900" b="0" dirty="0" err="1">
+                <a:solidFill>
+                  <a:srgbClr val="9CDCFE"/>
+                </a:solidFill>
+                <a:effectLst/>
+                <a:latin typeface="Consolas" panose="020B0609020204030204" pitchFamily="49" charset="0"/>
+              </a:rPr>
+              <a:t>self</a:t>
+            </a:r>
+            <a:r>
+              <a:rPr lang="en-US" sz="900" b="0" dirty="0" err="1">
+                <a:solidFill>
+                  <a:srgbClr val="CCCCCC"/>
+                </a:solidFill>
+                <a:effectLst/>
+                <a:latin typeface="Consolas" panose="020B0609020204030204" pitchFamily="49" charset="0"/>
+              </a:rPr>
+              <a:t>.</a:t>
+            </a:r>
+            <a:r>
+              <a:rPr lang="en-US" sz="900" b="0" dirty="0" err="1">
+                <a:solidFill>
+                  <a:srgbClr val="9CDCFE"/>
+                </a:solidFill>
+                <a:effectLst/>
+                <a:latin typeface="Consolas" panose="020B0609020204030204" pitchFamily="49" charset="0"/>
+              </a:rPr>
+              <a:t>first_name</a:t>
+            </a:r>
+            <a:r>
+              <a:rPr lang="en-US" sz="900" b="0" dirty="0">
+                <a:solidFill>
+                  <a:srgbClr val="CCCCCC"/>
+                </a:solidFill>
+                <a:effectLst/>
+                <a:latin typeface="Consolas" panose="020B0609020204030204" pitchFamily="49" charset="0"/>
+              </a:rPr>
+              <a:t> </a:t>
+            </a:r>
+            <a:r>
+              <a:rPr lang="en-US" sz="900" b="0" dirty="0">
+                <a:solidFill>
+                  <a:srgbClr val="D4D4D4"/>
+                </a:solidFill>
+                <a:effectLst/>
+                <a:latin typeface="Consolas" panose="020B0609020204030204" pitchFamily="49" charset="0"/>
+              </a:rPr>
+              <a:t>+</a:t>
+            </a:r>
+            <a:r>
+              <a:rPr lang="en-US" sz="900" b="0" dirty="0">
+                <a:solidFill>
+                  <a:srgbClr val="CCCCCC"/>
+                </a:solidFill>
+                <a:effectLst/>
+                <a:latin typeface="Consolas" panose="020B0609020204030204" pitchFamily="49" charset="0"/>
+              </a:rPr>
+              <a:t> </a:t>
+            </a:r>
+            <a:r>
+              <a:rPr lang="en-US" sz="900" b="0" dirty="0">
+                <a:solidFill>
+                  <a:srgbClr val="CE9178"/>
+                </a:solidFill>
+                <a:effectLst/>
+                <a:latin typeface="Consolas" panose="020B0609020204030204" pitchFamily="49" charset="0"/>
+              </a:rPr>
+              <a:t>" "</a:t>
+            </a:r>
+            <a:r>
+              <a:rPr lang="en-US" sz="900" b="0" dirty="0">
+                <a:solidFill>
+                  <a:srgbClr val="CCCCCC"/>
+                </a:solidFill>
+                <a:effectLst/>
+                <a:latin typeface="Consolas" panose="020B0609020204030204" pitchFamily="49" charset="0"/>
+              </a:rPr>
+              <a:t> </a:t>
+            </a:r>
+            <a:r>
+              <a:rPr lang="en-US" sz="900" b="0" dirty="0">
+                <a:solidFill>
+                  <a:srgbClr val="D4D4D4"/>
+                </a:solidFill>
+                <a:effectLst/>
+                <a:latin typeface="Consolas" panose="020B0609020204030204" pitchFamily="49" charset="0"/>
+              </a:rPr>
+              <a:t>+</a:t>
+            </a:r>
+            <a:r>
+              <a:rPr lang="en-US" sz="900" b="0" dirty="0">
+                <a:solidFill>
+                  <a:srgbClr val="CCCCCC"/>
+                </a:solidFill>
+                <a:effectLst/>
+                <a:latin typeface="Consolas" panose="020B0609020204030204" pitchFamily="49" charset="0"/>
+              </a:rPr>
+              <a:t> </a:t>
+            </a:r>
+            <a:r>
+              <a:rPr lang="en-US" sz="900" b="0" dirty="0" err="1">
+                <a:solidFill>
+                  <a:srgbClr val="9CDCFE"/>
+                </a:solidFill>
+                <a:effectLst/>
+                <a:latin typeface="Consolas" panose="020B0609020204030204" pitchFamily="49" charset="0"/>
+              </a:rPr>
+              <a:t>self</a:t>
+            </a:r>
+            <a:r>
+              <a:rPr lang="en-US" sz="900" b="0" dirty="0" err="1">
+                <a:solidFill>
+                  <a:srgbClr val="CCCCCC"/>
+                </a:solidFill>
+                <a:effectLst/>
+                <a:latin typeface="Consolas" panose="020B0609020204030204" pitchFamily="49" charset="0"/>
+              </a:rPr>
+              <a:t>.</a:t>
+            </a:r>
+            <a:r>
+              <a:rPr lang="en-US" sz="900" b="0" dirty="0" err="1">
+                <a:solidFill>
+                  <a:srgbClr val="9CDCFE"/>
+                </a:solidFill>
+                <a:effectLst/>
+                <a:latin typeface="Consolas" panose="020B0609020204030204" pitchFamily="49" charset="0"/>
+              </a:rPr>
+              <a:t>last_name</a:t>
+            </a:r>
+            <a:endParaRPr lang="en-US" sz="900" b="0" dirty="0">
+              <a:solidFill>
+                <a:srgbClr val="CCCCCC"/>
+              </a:solidFill>
+              <a:effectLst/>
+              <a:latin typeface="Consolas" panose="020B0609020204030204" pitchFamily="49" charset="0"/>
+            </a:endParaRPr>
+          </a:p>
+          <a:p>
+            <a:r>
+              <a:rPr lang="en-US" sz="900" b="0" dirty="0">
+                <a:solidFill>
+                  <a:srgbClr val="CCCCCC"/>
+                </a:solidFill>
+                <a:effectLst/>
+                <a:latin typeface="Consolas" panose="020B0609020204030204" pitchFamily="49" charset="0"/>
+              </a:rPr>
+              <a:t>    </a:t>
+            </a:r>
+          </a:p>
+          <a:p>
+            <a:r>
+              <a:rPr lang="en-US" sz="900" dirty="0">
+                <a:solidFill>
+                  <a:srgbClr val="CCCCCC"/>
+                </a:solidFill>
+                <a:latin typeface="Consolas" panose="020B0609020204030204" pitchFamily="49" charset="0"/>
+              </a:rPr>
+              <a:t>    </a:t>
+            </a:r>
+            <a:r>
+              <a:rPr lang="en-US" sz="900" b="0" dirty="0">
+                <a:solidFill>
+                  <a:srgbClr val="6A9955"/>
+                </a:solidFill>
+                <a:effectLst/>
+                <a:latin typeface="Consolas" panose="020B0609020204030204" pitchFamily="49" charset="0"/>
+              </a:rPr>
+              <a:t>#Static Method, doesn't depend class or instance variables</a:t>
+            </a:r>
+            <a:br>
+              <a:rPr lang="en-US" sz="900" b="0" dirty="0">
+                <a:solidFill>
+                  <a:srgbClr val="CCCCCC"/>
+                </a:solidFill>
+                <a:effectLst/>
+                <a:latin typeface="Consolas" panose="020B0609020204030204" pitchFamily="49" charset="0"/>
+              </a:rPr>
+            </a:br>
+            <a:r>
+              <a:rPr lang="en-US" sz="900" b="0" dirty="0">
+                <a:solidFill>
+                  <a:srgbClr val="CCCCCC"/>
+                </a:solidFill>
+                <a:effectLst/>
+                <a:latin typeface="Consolas" panose="020B0609020204030204" pitchFamily="49" charset="0"/>
+              </a:rPr>
+              <a:t>    </a:t>
+            </a:r>
+            <a:r>
+              <a:rPr lang="en-US" sz="900" b="0" dirty="0">
+                <a:solidFill>
+                  <a:srgbClr val="DCDCAA"/>
+                </a:solidFill>
+                <a:effectLst/>
+                <a:latin typeface="Consolas" panose="020B0609020204030204" pitchFamily="49" charset="0"/>
+              </a:rPr>
+              <a:t>@</a:t>
+            </a:r>
+            <a:r>
+              <a:rPr lang="en-US" sz="900" b="0" dirty="0">
+                <a:solidFill>
+                  <a:srgbClr val="4EC9B0"/>
+                </a:solidFill>
+                <a:effectLst/>
+                <a:latin typeface="Consolas" panose="020B0609020204030204" pitchFamily="49" charset="0"/>
+              </a:rPr>
+              <a:t>staticmethod</a:t>
+            </a:r>
+            <a:r>
+              <a:rPr lang="en-US" sz="900" b="0" dirty="0">
+                <a:solidFill>
+                  <a:srgbClr val="CCCCCC"/>
+                </a:solidFill>
+                <a:effectLst/>
+                <a:latin typeface="Consolas" panose="020B0609020204030204" pitchFamily="49" charset="0"/>
+              </a:rPr>
+              <a:t>    </a:t>
+            </a:r>
+          </a:p>
+          <a:p>
+            <a:r>
+              <a:rPr lang="en-US" sz="900" b="0" dirty="0">
+                <a:solidFill>
+                  <a:srgbClr val="CCCCCC"/>
+                </a:solidFill>
+                <a:effectLst/>
+                <a:latin typeface="Consolas" panose="020B0609020204030204" pitchFamily="49" charset="0"/>
+              </a:rPr>
+              <a:t>    </a:t>
+            </a:r>
+            <a:r>
+              <a:rPr lang="en-US" sz="900" b="0" dirty="0">
+                <a:solidFill>
+                  <a:srgbClr val="569CD6"/>
+                </a:solidFill>
+                <a:effectLst/>
+                <a:latin typeface="Consolas" panose="020B0609020204030204" pitchFamily="49" charset="0"/>
+              </a:rPr>
+              <a:t>def</a:t>
+            </a:r>
+            <a:r>
+              <a:rPr lang="en-US" sz="900" b="0" dirty="0">
+                <a:solidFill>
+                  <a:srgbClr val="CCCCCC"/>
+                </a:solidFill>
+                <a:effectLst/>
+                <a:latin typeface="Consolas" panose="020B0609020204030204" pitchFamily="49" charset="0"/>
+              </a:rPr>
+              <a:t> </a:t>
+            </a:r>
+            <a:r>
+              <a:rPr lang="en-US" sz="900" b="0" dirty="0" err="1">
+                <a:solidFill>
+                  <a:srgbClr val="DCDCAA"/>
+                </a:solidFill>
+                <a:effectLst/>
+                <a:latin typeface="Consolas" panose="020B0609020204030204" pitchFamily="49" charset="0"/>
+              </a:rPr>
+              <a:t>is_schoolDay</a:t>
+            </a:r>
+            <a:r>
+              <a:rPr lang="en-US" sz="900" b="0" dirty="0">
+                <a:solidFill>
+                  <a:srgbClr val="CCCCCC"/>
+                </a:solidFill>
+                <a:effectLst/>
+                <a:latin typeface="Consolas" panose="020B0609020204030204" pitchFamily="49" charset="0"/>
+              </a:rPr>
+              <a:t>(</a:t>
+            </a:r>
+            <a:r>
+              <a:rPr lang="en-US" sz="900" b="0" dirty="0">
+                <a:solidFill>
+                  <a:srgbClr val="9CDCFE"/>
+                </a:solidFill>
+                <a:effectLst/>
+                <a:latin typeface="Consolas" panose="020B0609020204030204" pitchFamily="49" charset="0"/>
+              </a:rPr>
+              <a:t>day</a:t>
+            </a:r>
+            <a:r>
+              <a:rPr lang="en-US" sz="900" b="0" dirty="0">
+                <a:solidFill>
+                  <a:srgbClr val="CCCCCC"/>
+                </a:solidFill>
+                <a:effectLst/>
+                <a:latin typeface="Consolas" panose="020B0609020204030204" pitchFamily="49" charset="0"/>
+              </a:rPr>
+              <a:t>):</a:t>
+            </a:r>
+          </a:p>
+          <a:p>
+            <a:r>
+              <a:rPr lang="en-US" sz="900" b="0" dirty="0">
+                <a:solidFill>
+                  <a:srgbClr val="CCCCCC"/>
+                </a:solidFill>
+                <a:effectLst/>
+                <a:latin typeface="Consolas" panose="020B0609020204030204" pitchFamily="49" charset="0"/>
+              </a:rPr>
+              <a:t>        </a:t>
+            </a:r>
+            <a:r>
+              <a:rPr lang="en-US" sz="900" b="0" dirty="0">
+                <a:solidFill>
+                  <a:srgbClr val="C586C0"/>
+                </a:solidFill>
+                <a:effectLst/>
+                <a:latin typeface="Consolas" panose="020B0609020204030204" pitchFamily="49" charset="0"/>
+              </a:rPr>
+              <a:t>if</a:t>
+            </a:r>
+            <a:r>
+              <a:rPr lang="en-US" sz="900" b="0" dirty="0">
+                <a:solidFill>
+                  <a:srgbClr val="CCCCCC"/>
+                </a:solidFill>
+                <a:effectLst/>
+                <a:latin typeface="Consolas" panose="020B0609020204030204" pitchFamily="49" charset="0"/>
+              </a:rPr>
+              <a:t> </a:t>
+            </a:r>
+            <a:r>
+              <a:rPr lang="en-US" sz="900" b="0" dirty="0">
+                <a:solidFill>
+                  <a:srgbClr val="9CDCFE"/>
+                </a:solidFill>
+                <a:effectLst/>
+                <a:latin typeface="Consolas" panose="020B0609020204030204" pitchFamily="49" charset="0"/>
+              </a:rPr>
+              <a:t>day</a:t>
+            </a:r>
+            <a:r>
+              <a:rPr lang="en-US" sz="900" b="0" dirty="0">
+                <a:solidFill>
+                  <a:srgbClr val="CCCCCC"/>
+                </a:solidFill>
+                <a:effectLst/>
+                <a:latin typeface="Consolas" panose="020B0609020204030204" pitchFamily="49" charset="0"/>
+              </a:rPr>
+              <a:t> </a:t>
+            </a:r>
+            <a:r>
+              <a:rPr lang="en-US" sz="900" b="0" dirty="0">
+                <a:solidFill>
+                  <a:srgbClr val="D4D4D4"/>
+                </a:solidFill>
+                <a:effectLst/>
+                <a:latin typeface="Consolas" panose="020B0609020204030204" pitchFamily="49" charset="0"/>
+              </a:rPr>
+              <a:t>==</a:t>
+            </a:r>
+            <a:r>
+              <a:rPr lang="en-US" sz="900" b="0" dirty="0">
+                <a:solidFill>
+                  <a:srgbClr val="CCCCCC"/>
+                </a:solidFill>
+                <a:effectLst/>
+                <a:latin typeface="Consolas" panose="020B0609020204030204" pitchFamily="49" charset="0"/>
+              </a:rPr>
+              <a:t> </a:t>
+            </a:r>
+            <a:r>
+              <a:rPr lang="en-US" sz="900" b="0" dirty="0">
+                <a:solidFill>
+                  <a:srgbClr val="CE9178"/>
+                </a:solidFill>
+                <a:effectLst/>
+                <a:latin typeface="Consolas" panose="020B0609020204030204" pitchFamily="49" charset="0"/>
+              </a:rPr>
+              <a:t>"</a:t>
+            </a:r>
+            <a:r>
+              <a:rPr lang="en-US" sz="900" b="0" dirty="0" err="1">
+                <a:solidFill>
+                  <a:srgbClr val="CE9178"/>
+                </a:solidFill>
+                <a:effectLst/>
+                <a:latin typeface="Consolas" panose="020B0609020204030204" pitchFamily="49" charset="0"/>
+              </a:rPr>
+              <a:t>saturday</a:t>
+            </a:r>
+            <a:r>
+              <a:rPr lang="en-US" sz="900" b="0" dirty="0">
+                <a:solidFill>
+                  <a:srgbClr val="CE9178"/>
+                </a:solidFill>
+                <a:effectLst/>
+                <a:latin typeface="Consolas" panose="020B0609020204030204" pitchFamily="49" charset="0"/>
+              </a:rPr>
+              <a:t>"</a:t>
+            </a:r>
+            <a:r>
+              <a:rPr lang="en-US" sz="900" b="0" dirty="0">
+                <a:solidFill>
+                  <a:srgbClr val="CCCCCC"/>
+                </a:solidFill>
+                <a:effectLst/>
+                <a:latin typeface="Consolas" panose="020B0609020204030204" pitchFamily="49" charset="0"/>
+              </a:rPr>
+              <a:t> </a:t>
+            </a:r>
+            <a:r>
+              <a:rPr lang="en-US" sz="900" b="0" dirty="0">
+                <a:solidFill>
+                  <a:srgbClr val="569CD6"/>
+                </a:solidFill>
+                <a:effectLst/>
+                <a:latin typeface="Consolas" panose="020B0609020204030204" pitchFamily="49" charset="0"/>
+              </a:rPr>
+              <a:t>or</a:t>
+            </a:r>
+            <a:r>
+              <a:rPr lang="en-US" sz="900" b="0" dirty="0">
+                <a:solidFill>
+                  <a:srgbClr val="CCCCCC"/>
+                </a:solidFill>
+                <a:effectLst/>
+                <a:latin typeface="Consolas" panose="020B0609020204030204" pitchFamily="49" charset="0"/>
+              </a:rPr>
+              <a:t> </a:t>
+            </a:r>
+            <a:r>
+              <a:rPr lang="en-US" sz="900" b="0" dirty="0">
+                <a:solidFill>
+                  <a:srgbClr val="9CDCFE"/>
+                </a:solidFill>
+                <a:effectLst/>
+                <a:latin typeface="Consolas" panose="020B0609020204030204" pitchFamily="49" charset="0"/>
+              </a:rPr>
+              <a:t>day</a:t>
+            </a:r>
+            <a:r>
+              <a:rPr lang="en-US" sz="900" b="0" dirty="0">
+                <a:solidFill>
+                  <a:srgbClr val="CCCCCC"/>
+                </a:solidFill>
+                <a:effectLst/>
+                <a:latin typeface="Consolas" panose="020B0609020204030204" pitchFamily="49" charset="0"/>
+              </a:rPr>
+              <a:t> </a:t>
+            </a:r>
+            <a:r>
+              <a:rPr lang="en-US" sz="900" b="0" dirty="0">
+                <a:solidFill>
+                  <a:srgbClr val="D4D4D4"/>
+                </a:solidFill>
+                <a:effectLst/>
+                <a:latin typeface="Consolas" panose="020B0609020204030204" pitchFamily="49" charset="0"/>
+              </a:rPr>
+              <a:t>==</a:t>
+            </a:r>
+            <a:r>
+              <a:rPr lang="en-US" sz="900" b="0" dirty="0">
+                <a:solidFill>
+                  <a:srgbClr val="CCCCCC"/>
+                </a:solidFill>
+                <a:effectLst/>
+                <a:latin typeface="Consolas" panose="020B0609020204030204" pitchFamily="49" charset="0"/>
+              </a:rPr>
+              <a:t> </a:t>
+            </a:r>
+            <a:r>
+              <a:rPr lang="en-US" sz="900" b="0" dirty="0">
+                <a:solidFill>
+                  <a:srgbClr val="CE9178"/>
+                </a:solidFill>
+                <a:effectLst/>
+                <a:latin typeface="Consolas" panose="020B0609020204030204" pitchFamily="49" charset="0"/>
+              </a:rPr>
+              <a:t>"</a:t>
+            </a:r>
+            <a:r>
+              <a:rPr lang="en-US" sz="900" b="0" dirty="0" err="1">
+                <a:solidFill>
+                  <a:srgbClr val="CE9178"/>
+                </a:solidFill>
+                <a:effectLst/>
+                <a:latin typeface="Consolas" panose="020B0609020204030204" pitchFamily="49" charset="0"/>
+              </a:rPr>
+              <a:t>sunday</a:t>
+            </a:r>
+            <a:r>
+              <a:rPr lang="en-US" sz="900" b="0" dirty="0">
+                <a:solidFill>
+                  <a:srgbClr val="CE9178"/>
+                </a:solidFill>
+                <a:effectLst/>
+                <a:latin typeface="Consolas" panose="020B0609020204030204" pitchFamily="49" charset="0"/>
+              </a:rPr>
+              <a:t>"</a:t>
+            </a:r>
+            <a:r>
+              <a:rPr lang="en-US" sz="900" b="0" dirty="0">
+                <a:solidFill>
+                  <a:srgbClr val="CCCCCC"/>
+                </a:solidFill>
+                <a:effectLst/>
+                <a:latin typeface="Consolas" panose="020B0609020204030204" pitchFamily="49" charset="0"/>
+              </a:rPr>
+              <a:t>:</a:t>
+            </a:r>
+          </a:p>
+          <a:p>
+            <a:r>
+              <a:rPr lang="en-US" sz="900" b="0" dirty="0">
+                <a:solidFill>
+                  <a:srgbClr val="CCCCCC"/>
+                </a:solidFill>
+                <a:effectLst/>
+                <a:latin typeface="Consolas" panose="020B0609020204030204" pitchFamily="49" charset="0"/>
+              </a:rPr>
+              <a:t>            </a:t>
+            </a:r>
+            <a:r>
+              <a:rPr lang="en-US" sz="900" b="0" dirty="0">
+                <a:solidFill>
+                  <a:srgbClr val="C586C0"/>
+                </a:solidFill>
+                <a:effectLst/>
+                <a:latin typeface="Consolas" panose="020B0609020204030204" pitchFamily="49" charset="0"/>
+              </a:rPr>
+              <a:t>return</a:t>
+            </a:r>
+            <a:r>
+              <a:rPr lang="en-US" sz="900" b="0" dirty="0">
+                <a:solidFill>
+                  <a:srgbClr val="CCCCCC"/>
+                </a:solidFill>
+                <a:effectLst/>
+                <a:latin typeface="Consolas" panose="020B0609020204030204" pitchFamily="49" charset="0"/>
+              </a:rPr>
+              <a:t> </a:t>
+            </a:r>
+            <a:r>
+              <a:rPr lang="en-US" sz="900" b="0" dirty="0">
+                <a:solidFill>
+                  <a:srgbClr val="CE9178"/>
+                </a:solidFill>
+                <a:effectLst/>
+                <a:latin typeface="Consolas" panose="020B0609020204030204" pitchFamily="49" charset="0"/>
+              </a:rPr>
+              <a:t>"not a school day"</a:t>
+            </a:r>
+            <a:endParaRPr lang="en-US" sz="900" b="0" dirty="0">
+              <a:solidFill>
+                <a:srgbClr val="CCCCCC"/>
+              </a:solidFill>
+              <a:effectLst/>
+              <a:latin typeface="Consolas" panose="020B0609020204030204" pitchFamily="49" charset="0"/>
+            </a:endParaRPr>
+          </a:p>
+          <a:p>
+            <a:r>
+              <a:rPr lang="en-US" sz="900" b="0" dirty="0">
+                <a:solidFill>
+                  <a:srgbClr val="CCCCCC"/>
+                </a:solidFill>
+                <a:effectLst/>
+                <a:latin typeface="Consolas" panose="020B0609020204030204" pitchFamily="49" charset="0"/>
+              </a:rPr>
+              <a:t>        </a:t>
+            </a:r>
+            <a:r>
+              <a:rPr lang="en-US" sz="900" b="0" dirty="0">
+                <a:solidFill>
+                  <a:srgbClr val="C586C0"/>
+                </a:solidFill>
+                <a:effectLst/>
+                <a:latin typeface="Consolas" panose="020B0609020204030204" pitchFamily="49" charset="0"/>
+              </a:rPr>
+              <a:t>else</a:t>
+            </a:r>
+            <a:r>
+              <a:rPr lang="en-US" sz="900" b="0" dirty="0">
+                <a:solidFill>
+                  <a:srgbClr val="CCCCCC"/>
+                </a:solidFill>
+                <a:effectLst/>
+                <a:latin typeface="Consolas" panose="020B0609020204030204" pitchFamily="49" charset="0"/>
+              </a:rPr>
+              <a:t>:</a:t>
+            </a:r>
+          </a:p>
+          <a:p>
+            <a:r>
+              <a:rPr lang="en-US" sz="900" b="0" dirty="0">
+                <a:solidFill>
+                  <a:srgbClr val="CCCCCC"/>
+                </a:solidFill>
+                <a:effectLst/>
+                <a:latin typeface="Consolas" panose="020B0609020204030204" pitchFamily="49" charset="0"/>
+              </a:rPr>
+              <a:t>            </a:t>
+            </a:r>
+            <a:r>
+              <a:rPr lang="en-US" sz="900" b="0" dirty="0">
+                <a:solidFill>
+                  <a:srgbClr val="C586C0"/>
+                </a:solidFill>
+                <a:effectLst/>
+                <a:latin typeface="Consolas" panose="020B0609020204030204" pitchFamily="49" charset="0"/>
+              </a:rPr>
+              <a:t>return</a:t>
+            </a:r>
+            <a:r>
+              <a:rPr lang="en-US" sz="900" b="0" dirty="0">
+                <a:solidFill>
+                  <a:srgbClr val="CCCCCC"/>
+                </a:solidFill>
+                <a:effectLst/>
+                <a:latin typeface="Consolas" panose="020B0609020204030204" pitchFamily="49" charset="0"/>
+              </a:rPr>
+              <a:t> </a:t>
+            </a:r>
+            <a:r>
+              <a:rPr lang="en-US" sz="900" b="0" dirty="0">
+                <a:solidFill>
+                  <a:srgbClr val="CE9178"/>
+                </a:solidFill>
+                <a:effectLst/>
+                <a:latin typeface="Consolas" panose="020B0609020204030204" pitchFamily="49" charset="0"/>
+              </a:rPr>
+              <a:t>"go to class“</a:t>
+            </a:r>
+          </a:p>
+          <a:p>
+            <a:endParaRPr lang="en-US" sz="900" b="0" dirty="0">
+              <a:solidFill>
+                <a:srgbClr val="CCCCCC"/>
+              </a:solidFill>
+              <a:effectLst/>
+              <a:latin typeface="Consolas" panose="020B0609020204030204" pitchFamily="49" charset="0"/>
+            </a:endParaRPr>
+          </a:p>
+          <a:p>
+            <a:r>
+              <a:rPr lang="en-US" sz="900" b="0" dirty="0">
+                <a:solidFill>
+                  <a:srgbClr val="CCCCCC"/>
+                </a:solidFill>
+                <a:effectLst/>
+                <a:latin typeface="Consolas" panose="020B0609020204030204" pitchFamily="49" charset="0"/>
+              </a:rPr>
+              <a:t>    </a:t>
+            </a:r>
+            <a:r>
+              <a:rPr lang="en-US" sz="900" b="0" dirty="0">
+                <a:solidFill>
+                  <a:srgbClr val="6A9955"/>
+                </a:solidFill>
+                <a:effectLst/>
+                <a:latin typeface="Consolas" panose="020B0609020204030204" pitchFamily="49" charset="0"/>
+              </a:rPr>
+              <a:t>#Class Method, takes the class as the first argument</a:t>
+            </a:r>
+            <a:endParaRPr lang="en-US" sz="900" b="0" dirty="0">
+              <a:solidFill>
+                <a:srgbClr val="CCCCCC"/>
+              </a:solidFill>
+              <a:effectLst/>
+              <a:latin typeface="Consolas" panose="020B0609020204030204" pitchFamily="49" charset="0"/>
+            </a:endParaRPr>
+          </a:p>
+          <a:p>
+            <a:r>
+              <a:rPr lang="en-US" sz="900" b="0" dirty="0">
+                <a:solidFill>
+                  <a:srgbClr val="CCCCCC"/>
+                </a:solidFill>
+                <a:effectLst/>
+                <a:latin typeface="Consolas" panose="020B0609020204030204" pitchFamily="49" charset="0"/>
+              </a:rPr>
+              <a:t>    </a:t>
+            </a:r>
+            <a:r>
+              <a:rPr lang="en-US" sz="900" b="0" dirty="0">
+                <a:solidFill>
+                  <a:srgbClr val="DCDCAA"/>
+                </a:solidFill>
+                <a:effectLst/>
+                <a:latin typeface="Consolas" panose="020B0609020204030204" pitchFamily="49" charset="0"/>
+              </a:rPr>
+              <a:t>@</a:t>
+            </a:r>
+            <a:r>
+              <a:rPr lang="en-US" sz="900" b="0" dirty="0">
+                <a:solidFill>
+                  <a:srgbClr val="4EC9B0"/>
+                </a:solidFill>
+                <a:effectLst/>
+                <a:latin typeface="Consolas" panose="020B0609020204030204" pitchFamily="49" charset="0"/>
+              </a:rPr>
+              <a:t>classmethod</a:t>
+            </a:r>
+            <a:r>
+              <a:rPr lang="en-US" sz="900" b="0" dirty="0">
+                <a:solidFill>
+                  <a:srgbClr val="CCCCCC"/>
+                </a:solidFill>
+                <a:effectLst/>
+                <a:latin typeface="Consolas" panose="020B0609020204030204" pitchFamily="49" charset="0"/>
+              </a:rPr>
+              <a:t>  </a:t>
+            </a:r>
+          </a:p>
+          <a:p>
+            <a:r>
+              <a:rPr lang="en-US" sz="900" b="0" dirty="0">
+                <a:solidFill>
+                  <a:srgbClr val="CCCCCC"/>
+                </a:solidFill>
+                <a:effectLst/>
+                <a:latin typeface="Consolas" panose="020B0609020204030204" pitchFamily="49" charset="0"/>
+              </a:rPr>
+              <a:t>    </a:t>
+            </a:r>
+            <a:r>
+              <a:rPr lang="en-US" sz="900" b="0" dirty="0">
+                <a:solidFill>
+                  <a:srgbClr val="569CD6"/>
+                </a:solidFill>
+                <a:effectLst/>
+                <a:latin typeface="Consolas" panose="020B0609020204030204" pitchFamily="49" charset="0"/>
+              </a:rPr>
+              <a:t>def</a:t>
+            </a:r>
+            <a:r>
+              <a:rPr lang="en-US" sz="900" b="0" dirty="0">
+                <a:solidFill>
+                  <a:srgbClr val="CCCCCC"/>
+                </a:solidFill>
+                <a:effectLst/>
+                <a:latin typeface="Consolas" panose="020B0609020204030204" pitchFamily="49" charset="0"/>
+              </a:rPr>
+              <a:t> </a:t>
+            </a:r>
+            <a:r>
+              <a:rPr lang="en-US" sz="900" b="0" dirty="0" err="1">
+                <a:solidFill>
+                  <a:srgbClr val="DCDCAA"/>
+                </a:solidFill>
+                <a:effectLst/>
+                <a:latin typeface="Consolas" panose="020B0609020204030204" pitchFamily="49" charset="0"/>
+              </a:rPr>
+              <a:t>set_schoolDays</a:t>
+            </a:r>
+            <a:r>
+              <a:rPr lang="en-US" sz="900" b="0" dirty="0">
+                <a:solidFill>
+                  <a:srgbClr val="CCCCCC"/>
+                </a:solidFill>
+                <a:effectLst/>
+                <a:latin typeface="Consolas" panose="020B0609020204030204" pitchFamily="49" charset="0"/>
+              </a:rPr>
+              <a:t>(</a:t>
+            </a:r>
+            <a:r>
+              <a:rPr lang="en-US" sz="900" b="0" dirty="0" err="1">
+                <a:solidFill>
+                  <a:srgbClr val="9CDCFE"/>
+                </a:solidFill>
+                <a:effectLst/>
+                <a:latin typeface="Consolas" panose="020B0609020204030204" pitchFamily="49" charset="0"/>
+              </a:rPr>
+              <a:t>cls</a:t>
+            </a:r>
+            <a:r>
+              <a:rPr lang="en-US" sz="900" b="0" dirty="0">
+                <a:solidFill>
+                  <a:srgbClr val="CCCCCC"/>
+                </a:solidFill>
+                <a:effectLst/>
+                <a:latin typeface="Consolas" panose="020B0609020204030204" pitchFamily="49" charset="0"/>
+              </a:rPr>
+              <a:t>, </a:t>
+            </a:r>
+            <a:r>
+              <a:rPr lang="en-US" sz="900" b="0" dirty="0">
+                <a:solidFill>
+                  <a:srgbClr val="9CDCFE"/>
+                </a:solidFill>
+                <a:effectLst/>
+                <a:latin typeface="Consolas" panose="020B0609020204030204" pitchFamily="49" charset="0"/>
+              </a:rPr>
+              <a:t>days</a:t>
+            </a:r>
+            <a:r>
+              <a:rPr lang="en-US" sz="900" b="0" dirty="0">
+                <a:solidFill>
+                  <a:srgbClr val="CCCCCC"/>
+                </a:solidFill>
+                <a:effectLst/>
+                <a:latin typeface="Consolas" panose="020B0609020204030204" pitchFamily="49" charset="0"/>
+              </a:rPr>
+              <a:t>):</a:t>
+            </a:r>
+          </a:p>
+          <a:p>
+            <a:r>
+              <a:rPr lang="en-US" sz="900" b="0" dirty="0">
+                <a:solidFill>
+                  <a:srgbClr val="CCCCCC"/>
+                </a:solidFill>
+                <a:effectLst/>
+                <a:latin typeface="Consolas" panose="020B0609020204030204" pitchFamily="49" charset="0"/>
+              </a:rPr>
+              <a:t>        </a:t>
+            </a:r>
+            <a:r>
+              <a:rPr lang="en-US" sz="900" b="0" dirty="0" err="1">
+                <a:solidFill>
+                  <a:srgbClr val="9CDCFE"/>
+                </a:solidFill>
+                <a:effectLst/>
+                <a:latin typeface="Consolas" panose="020B0609020204030204" pitchFamily="49" charset="0"/>
+              </a:rPr>
+              <a:t>cls</a:t>
+            </a:r>
+            <a:r>
+              <a:rPr lang="en-US" sz="900" b="0" dirty="0" err="1">
+                <a:solidFill>
+                  <a:srgbClr val="CCCCCC"/>
+                </a:solidFill>
+                <a:effectLst/>
+                <a:latin typeface="Consolas" panose="020B0609020204030204" pitchFamily="49" charset="0"/>
+              </a:rPr>
+              <a:t>.</a:t>
+            </a:r>
+            <a:r>
+              <a:rPr lang="en-US" sz="900" b="0" dirty="0" err="1">
+                <a:solidFill>
+                  <a:srgbClr val="9CDCFE"/>
+                </a:solidFill>
+                <a:effectLst/>
+                <a:latin typeface="Consolas" panose="020B0609020204030204" pitchFamily="49" charset="0"/>
+              </a:rPr>
+              <a:t>numSchoolDays</a:t>
+            </a:r>
+            <a:r>
+              <a:rPr lang="en-US" sz="900" b="0" dirty="0">
+                <a:solidFill>
+                  <a:srgbClr val="CCCCCC"/>
+                </a:solidFill>
+                <a:effectLst/>
+                <a:latin typeface="Consolas" panose="020B0609020204030204" pitchFamily="49" charset="0"/>
+              </a:rPr>
+              <a:t> </a:t>
+            </a:r>
+            <a:r>
+              <a:rPr lang="en-US" sz="900" b="0" dirty="0">
+                <a:solidFill>
+                  <a:srgbClr val="D4D4D4"/>
+                </a:solidFill>
+                <a:effectLst/>
+                <a:latin typeface="Consolas" panose="020B0609020204030204" pitchFamily="49" charset="0"/>
+              </a:rPr>
+              <a:t>=</a:t>
+            </a:r>
+            <a:r>
+              <a:rPr lang="en-US" sz="900" b="0" dirty="0">
+                <a:solidFill>
+                  <a:srgbClr val="CCCCCC"/>
+                </a:solidFill>
+                <a:effectLst/>
+                <a:latin typeface="Consolas" panose="020B0609020204030204" pitchFamily="49" charset="0"/>
+              </a:rPr>
+              <a:t> </a:t>
+            </a:r>
+            <a:r>
+              <a:rPr lang="en-US" sz="900" b="0" dirty="0">
+                <a:solidFill>
+                  <a:srgbClr val="9CDCFE"/>
+                </a:solidFill>
+                <a:effectLst/>
+                <a:latin typeface="Consolas" panose="020B0609020204030204" pitchFamily="49" charset="0"/>
+              </a:rPr>
+              <a:t>days</a:t>
+            </a:r>
+            <a:r>
+              <a:rPr lang="en-US" sz="900" b="0" dirty="0">
+                <a:solidFill>
+                  <a:srgbClr val="CCCCCC"/>
+                </a:solidFill>
+                <a:effectLst/>
+                <a:latin typeface="Consolas" panose="020B0609020204030204" pitchFamily="49" charset="0"/>
+              </a:rPr>
+              <a:t> </a:t>
+            </a:r>
           </a:p>
         </p:txBody>
       </p:sp>
     </p:spTree>
     <p:extLst>
       <p:ext uri="{BB962C8B-B14F-4D97-AF65-F5344CB8AC3E}">
-        <p14:creationId xmlns:p14="http://schemas.microsoft.com/office/powerpoint/2010/main" val="3407961621"/>
+        <p14:creationId xmlns:p14="http://schemas.microsoft.com/office/powerpoint/2010/main" val="3402386679"/>
       </p:ext>
     </p:extLst>
   </p:cSld>
@@ -4623,18 +6515,7 @@
                 <a:cs typeface="Anton"/>
                 <a:sym typeface="Anton"/>
               </a:rPr>
-              <a:t>#10 Coding Warm-Up: Working </a:t>
-            </a:r>
-            <a:r>
-              <a:rPr lang="en-CA" sz="3200" dirty="0">
-                <a:solidFill>
-                  <a:schemeClr val="hlink"/>
-                </a:solidFill>
-                <a:uFill>
-                  <a:noFill/>
-                </a:uFill>
-              </a:rPr>
-              <a:t>CSV Data Files</a:t>
+              <a:t>#8 Coding Warm-Up: Working With Files</a:t>
             </a:r>
             <a:endParaRPr lang="en-CA" sz="3200" dirty="0">
               <a:solidFill>
@@ -4663,7 +6544,7 @@
         <p:spPr>
           <a:xfrm>
             <a:off x="281334" y="1101336"/>
-            <a:ext cx="8459254" cy="1384995"/>
+            <a:ext cx="8459254" cy="1815882"/>
           </a:xfrm>
           <a:prstGeom prst="rect">
             <a:avLst/>
@@ -4684,27 +6565,7 @@
                 <a:effectLst/>
                 <a:latin typeface="Consolas" panose="020B0609020204030204" pitchFamily="49" charset="0"/>
               </a:rPr>
-              <a:t>#Q:Write a python that takes the LHHS staff list and rewrite the file in a new format contains the following columns: First Name, Last Name, Email and includes ONLY TEACHERS – No VPs, principal </a:t>
-            </a:r>
-            <a:r>
-              <a:rPr lang="en-US" b="0" dirty="0" err="1">
-                <a:solidFill>
-                  <a:srgbClr val="6A9955"/>
-                </a:solidFill>
-                <a:effectLst/>
-                <a:latin typeface="Consolas" panose="020B0609020204030204" pitchFamily="49" charset="0"/>
-              </a:rPr>
-              <a:t>etc</a:t>
-            </a:r>
-            <a:r>
-              <a:rPr lang="en-US" b="0" dirty="0">
-                <a:solidFill>
-                  <a:srgbClr val="6A9955"/>
-                </a:solidFill>
-                <a:effectLst/>
-                <a:latin typeface="Consolas" panose="020B0609020204030204" pitchFamily="49" charset="0"/>
-              </a:rPr>
-              <a:t>…</a:t>
+              <a:t>#Q:Write a python program that copies a text file named “input.txt” with a list of ten items and saves it as “output.txt” with list in reverse order</a:t>
             </a:r>
           </a:p>
           <a:p>
@@ -4717,12 +6578,546 @@
           </a:p>
           <a:p>
             <a:r>
+              <a:rPr lang="en-US" b="0" dirty="0">
+                <a:solidFill>
+                  <a:srgbClr val="6A9955"/>
+                </a:solidFill>
+                <a:effectLst/>
+                <a:latin typeface="Consolas" panose="020B0609020204030204" pitchFamily="49" charset="0"/>
+              </a:rPr>
+              <a:t>Hint1: </a:t>
+            </a:r>
+            <a:r>
+              <a:rPr lang="en-US" b="0" dirty="0" err="1">
+                <a:solidFill>
+                  <a:srgbClr val="6A9955"/>
+                </a:solidFill>
+                <a:effectLst/>
+                <a:latin typeface="Consolas" panose="020B0609020204030204" pitchFamily="49" charset="0"/>
+              </a:rPr>
+              <a:t>readlines</a:t>
+            </a:r>
+            <a:r>
+              <a:rPr lang="en-US" b="0" dirty="0">
+                <a:solidFill>
+                  <a:srgbClr val="6A9955"/>
+                </a:solidFill>
+                <a:effectLst/>
+                <a:latin typeface="Consolas" panose="020B0609020204030204" pitchFamily="49" charset="0"/>
+              </a:rPr>
+              <a:t>() #Returns an list with one item for each line</a:t>
+            </a:r>
+          </a:p>
+          <a:p>
+            <a:endParaRPr lang="en-US" b="0" dirty="0">
+              <a:solidFill>
+                <a:srgbClr val="6A9955"/>
+              </a:solidFill>
+              <a:effectLst/>
+              <a:latin typeface="Consolas" panose="020B0609020204030204" pitchFamily="49" charset="0"/>
+            </a:endParaRPr>
+          </a:p>
+          <a:p>
+            <a:r>
               <a:rPr lang="en-US" dirty="0">
                 <a:solidFill>
                   <a:srgbClr val="6A9955"/>
                 </a:solidFill>
                 <a:latin typeface="Consolas" panose="020B0609020204030204" pitchFamily="49" charset="0"/>
               </a:rPr>
+              <a:t>Hint2: list method call reverse()</a:t>
+            </a:r>
+          </a:p>
+          <a:p>
+            <a:endParaRPr lang="en-US" b="0" dirty="0">
+              <a:solidFill>
+                <a:srgbClr val="6A9955"/>
+              </a:solidFill>
+              <a:effectLst/>
+              <a:latin typeface="Consolas" panose="020B0609020204030204" pitchFamily="49" charset="0"/>
+            </a:endParaRPr>
+          </a:p>
+          <a:p>
+            <a:r>
+              <a:rPr lang="en-US" b="0" dirty="0">
+                <a:solidFill>
+                  <a:srgbClr val="6A9955"/>
+                </a:solidFill>
+                <a:effectLst/>
+                <a:latin typeface="Consolas" panose="020B0609020204030204" pitchFamily="49" charset="0"/>
+              </a:rPr>
+              <a:t>Hint3: split(“\n”)  but the is also </a:t>
+            </a:r>
+            <a:r>
+              <a:rPr lang="en-US" b="0" dirty="0" err="1">
+                <a:solidFill>
+                  <a:srgbClr val="6A9955"/>
+                </a:solidFill>
+                <a:effectLst/>
+                <a:latin typeface="Consolas" panose="020B0609020204030204" pitchFamily="49" charset="0"/>
+              </a:rPr>
+              <a:t>rsplit</a:t>
+            </a:r>
+            <a:r>
+              <a:rPr lang="en-US" b="0" dirty="0">
+                <a:solidFill>
+                  <a:srgbClr val="6A9955"/>
+                </a:solidFill>
+                <a:effectLst/>
+                <a:latin typeface="Consolas" panose="020B0609020204030204" pitchFamily="49" charset="0"/>
+              </a:rPr>
+              <a:t>(“\n”)</a:t>
+            </a:r>
+          </a:p>
+        </p:txBody>
+      </p:sp>
+    </p:spTree>
+    <p:extLst>
+      <p:ext uri="{BB962C8B-B14F-4D97-AF65-F5344CB8AC3E}">
+        <p14:creationId xmlns:p14="http://schemas.microsoft.com/office/powerpoint/2010/main" val="191993436"/>
+      </p:ext>
+    </p:extLst>
+  </p:cSld>
+  <p:clrMapOvr>
+    <a:masterClrMapping/>
+  </p:clrMapOvr>
+</p:sld>
+</file>
+
+<file path=ppt/slides/slide12.xml><?xml version="1.0" encoding="utf-8"?>
+<p:sld xmlns:a="http://schemas.openxmlformats.org/drawingml/2006/main" xmlns:r="http://schemas.openxmlformats.org/officeDocument/2006/relationships" xmlns:p="http://schemas.openxmlformats.org/presentationml/2006/main">
+  <p:cSld>
+    <p:spTree>
+      <p:nvGrpSpPr>
+        <p:cNvPr id="1" name="Shape 876">
+          <a:extLst>
+            <a:ext uri="{FF2B5EF4-FFF2-40B4-BE49-F238E27FC236}">
+              <a16:creationId xmlns:a16="http://schemas.microsoft.com/office/drawing/2014/main" id="{59AA2DF2-86B2-E92B-1B14-DF2774F31DA9}"/>
+            </a:ext>
+          </a:extLst>
+        </p:cNvPr>
+        <p:cNvGrpSpPr/>
+        <p:nvPr/>
+      </p:nvGrpSpPr>
+      <p:grpSpPr>
+        <a:xfrm>
+          <a:off x="0" y="0"/>
+          <a:ext cx="0" cy="0"/>
+          <a:chOff x="0" y="0"/>
+          <a:chExt cx="0" cy="0"/>
+        </a:xfrm>
+      </p:grpSpPr>
+      <p:sp>
+        <p:nvSpPr>
+          <p:cNvPr id="877" name="Google Shape;877;p41">
+            <a:extLst>
+              <a:ext uri="{FF2B5EF4-FFF2-40B4-BE49-F238E27FC236}">
+                <a16:creationId xmlns:a16="http://schemas.microsoft.com/office/drawing/2014/main" id="{0BE75D26-21D0-F37D-CBE4-5E519EA261C2}"/>
+              </a:ext>
+            </a:extLst>
+          </p:cNvPr>
+          <p:cNvSpPr txBox="1">
+            <a:spLocks noGrp="1"/>
+          </p:cNvSpPr>
+          <p:nvPr>
+            <p:ph type="title"/>
+          </p:nvPr>
+        </p:nvSpPr>
+        <p:spPr>
+          <a:xfrm>
+            <a:off x="281335" y="383241"/>
+            <a:ext cx="7704000" cy="572700"/>
+          </a:xfrm>
+          <a:prstGeom prst="rect">
+            <a:avLst/>
+          </a:prstGeom>
+        </p:spPr>
+        <p:txBody>
+          <a:bodyPr spcFirstLastPara="1" wrap="square" lIns="91425" tIns="91425" rIns="91425" bIns="91425" anchor="t" anchorCtr="0">
+            <a:noAutofit/>
+          </a:bodyPr>
+          <a:lstStyle/>
+          <a:p>
+            <a:pPr marL="0" lvl="0" indent="0" rtl="0">
+              <a:spcBef>
+                <a:spcPts val="0"/>
+              </a:spcBef>
+              <a:spcAft>
+                <a:spcPts val="0"/>
+              </a:spcAft>
+              <a:buNone/>
+            </a:pPr>
+            <a:r>
+              <a:rPr lang="en-CA" sz="3200" dirty="0">
+                <a:solidFill>
+                  <a:schemeClr val="hlink"/>
+                </a:solidFill>
+                <a:uFill>
+                  <a:noFill/>
+                </a:uFill>
+                <a:latin typeface="Anton"/>
+                <a:ea typeface="Anton"/>
+                <a:cs typeface="Anton"/>
+                <a:sym typeface="Anton"/>
+              </a:rPr>
+              <a:t>#9 Coding Warm-Up: Working With Images</a:t>
+            </a:r>
+            <a:endParaRPr lang="en-CA" sz="3200" dirty="0">
+              <a:solidFill>
+                <a:schemeClr val="dk1"/>
+              </a:solidFill>
+              <a:latin typeface="Anton"/>
+              <a:ea typeface="Anton"/>
+              <a:cs typeface="Anton"/>
+              <a:sym typeface="Anton"/>
+            </a:endParaRPr>
+          </a:p>
+        </p:txBody>
+      </p:sp>
+      <p:sp>
+        <p:nvSpPr>
+          <p:cNvPr id="4" name="TextBox 3">
+            <a:extLst>
+              <a:ext uri="{FF2B5EF4-FFF2-40B4-BE49-F238E27FC236}">
+                <a16:creationId xmlns:a16="http://schemas.microsoft.com/office/drawing/2014/main" id="{32A1448D-8968-AB9C-0965-EAE0EA4C9555}"/>
+              </a:ext>
+            </a:extLst>
+          </p:cNvPr>
+          <p:cNvSpPr txBox="1"/>
+          <p:nvPr/>
+        </p:nvSpPr>
+        <p:spPr>
+          <a:xfrm>
+            <a:off x="281334" y="1101336"/>
+            <a:ext cx="8459254" cy="2031325"/>
+          </a:xfrm>
+          <a:prstGeom prst="rect">
+            <a:avLst/>
+          </a:prstGeom>
+          <a:noFill/>
+        </p:spPr>
+        <p:txBody>
+          <a:bodyPr wrap="square">
+            <a:spAutoFit/>
+          </a:bodyPr>
+          <a:lstStyle/>
+          <a:p>
+            <a:r>
+              <a:rPr lang="en-US" b="0" dirty="0">
+                <a:solidFill>
+                  <a:srgbClr val="6A9955"/>
+                </a:solidFill>
+                <a:effectLst/>
+                <a:latin typeface="Consolas" panose="020B0609020204030204" pitchFamily="49" charset="0"/>
+              </a:rPr>
+              <a:t>#Q:Write a python program that copies a text file named “input.txt” with a list of ten items and saves it as “output.txt” with list in reverse order</a:t>
+            </a:r>
+          </a:p>
+          <a:p>
+            <a:endParaRPr lang="en-US" dirty="0">
+              <a:solidFill>
+                <a:srgbClr val="6A9955"/>
+              </a:solidFill>
+              <a:latin typeface="Consolas" panose="020B0609020204030204" pitchFamily="49" charset="0"/>
+            </a:endParaRPr>
+          </a:p>
+          <a:p>
+            <a:r>
+              <a:rPr lang="en-US" b="0" dirty="0">
+                <a:solidFill>
+                  <a:srgbClr val="6A9955"/>
+                </a:solidFill>
+                <a:effectLst/>
+                <a:latin typeface="Consolas" panose="020B0609020204030204" pitchFamily="49" charset="0"/>
+              </a:rPr>
+              <a:t>Hint1: Remember to read in chunks of the OG files by defining a buffer size in bytes</a:t>
+            </a:r>
+          </a:p>
+          <a:p>
+            <a:r>
+              <a:rPr lang="en-US" dirty="0">
+                <a:solidFill>
+                  <a:srgbClr val="6A9955"/>
+                </a:solidFill>
+                <a:latin typeface="Consolas" panose="020B0609020204030204" pitchFamily="49" charset="0"/>
+              </a:rPr>
+              <a:t>       100 would be good, loop through reading the file until there a no more bytes      </a:t>
+            </a:r>
+          </a:p>
+          <a:p>
+            <a:r>
+              <a:rPr lang="en-US" dirty="0">
+                <a:solidFill>
+                  <a:srgbClr val="6A9955"/>
+                </a:solidFill>
+                <a:latin typeface="Consolas" panose="020B0609020204030204" pitchFamily="49" charset="0"/>
+              </a:rPr>
+              <a:t>       to read</a:t>
+            </a:r>
+            <a:endParaRPr lang="en-US" b="0" dirty="0">
+              <a:solidFill>
+                <a:srgbClr val="6A9955"/>
+              </a:solidFill>
+              <a:effectLst/>
+              <a:latin typeface="Consolas" panose="020B0609020204030204" pitchFamily="49" charset="0"/>
+            </a:endParaRPr>
+          </a:p>
+          <a:p>
+            <a:endParaRPr lang="en-US" b="0" dirty="0">
+              <a:solidFill>
+                <a:srgbClr val="6A9955"/>
+              </a:solidFill>
+              <a:effectLst/>
+              <a:latin typeface="Consolas" panose="020B0609020204030204" pitchFamily="49" charset="0"/>
+            </a:endParaRPr>
+          </a:p>
+          <a:p>
+            <a:r>
+              <a:rPr lang="en-US" dirty="0">
+                <a:solidFill>
+                  <a:srgbClr val="6A9955"/>
+                </a:solidFill>
+                <a:latin typeface="Consolas" panose="020B0609020204030204" pitchFamily="49" charset="0"/>
+              </a:rPr>
+              <a:t>Hint2: Remember to read and write the file in “</a:t>
+            </a:r>
+            <a:r>
+              <a:rPr lang="en-US" dirty="0" err="1">
+                <a:solidFill>
+                  <a:srgbClr val="6A9955"/>
+                </a:solidFill>
+                <a:latin typeface="Consolas" panose="020B0609020204030204" pitchFamily="49" charset="0"/>
+              </a:rPr>
+              <a:t>rb</a:t>
+            </a:r>
+            <a:r>
+              <a:rPr lang="en-US" dirty="0">
+                <a:solidFill>
+                  <a:srgbClr val="6A9955"/>
+                </a:solidFill>
+                <a:latin typeface="Consolas" panose="020B0609020204030204" pitchFamily="49" charset="0"/>
+              </a:rPr>
+              <a:t>” and “</a:t>
+            </a:r>
+            <a:r>
+              <a:rPr lang="en-US" dirty="0" err="1">
+                <a:solidFill>
+                  <a:srgbClr val="6A9955"/>
+                </a:solidFill>
+                <a:latin typeface="Consolas" panose="020B0609020204030204" pitchFamily="49" charset="0"/>
+              </a:rPr>
+              <a:t>wb</a:t>
+            </a:r>
+            <a:r>
+              <a:rPr lang="en-US" dirty="0">
+                <a:solidFill>
+                  <a:srgbClr val="6A9955"/>
+                </a:solidFill>
+                <a:latin typeface="Consolas" panose="020B0609020204030204" pitchFamily="49" charset="0"/>
+              </a:rPr>
+              <a:t>” byte mode respectively </a:t>
+            </a:r>
+          </a:p>
+          <a:p>
+            <a:endParaRPr lang="en-US" b="0" dirty="0">
+              <a:solidFill>
+                <a:srgbClr val="6A9955"/>
+              </a:solidFill>
+              <a:effectLst/>
+              <a:latin typeface="Consolas" panose="020B0609020204030204" pitchFamily="49" charset="0"/>
+            </a:endParaRPr>
+          </a:p>
+        </p:txBody>
+      </p:sp>
+    </p:spTree>
+    <p:extLst>
+      <p:ext uri="{BB962C8B-B14F-4D97-AF65-F5344CB8AC3E}">
+        <p14:creationId xmlns:p14="http://schemas.microsoft.com/office/powerpoint/2010/main" val="3407961621"/>
+      </p:ext>
+    </p:extLst>
+  </p:cSld>
+  <p:clrMapOvr>
+    <a:masterClrMapping/>
+  </p:clrMapOvr>
+</p:sld>
+</file>
+
+<file path=ppt/slides/slide13.xml><?xml version="1.0" encoding="utf-8"?>
+<p:sld xmlns:a="http://schemas.openxmlformats.org/drawingml/2006/main" xmlns:r="http://schemas.openxmlformats.org/officeDocument/2006/relationships" xmlns:p="http://schemas.openxmlformats.org/presentationml/2006/main">
+  <p:cSld>
+    <p:spTree>
+      <p:nvGrpSpPr>
+        <p:cNvPr id="1" name="Shape 876">
+          <a:extLst>
+            <a:ext uri="{FF2B5EF4-FFF2-40B4-BE49-F238E27FC236}">
+              <a16:creationId xmlns:a16="http://schemas.microsoft.com/office/drawing/2014/main" id="{59AA2DF2-86B2-E92B-1B14-DF2774F31DA9}"/>
+            </a:ext>
+          </a:extLst>
+        </p:cNvPr>
+        <p:cNvGrpSpPr/>
+        <p:nvPr/>
+      </p:nvGrpSpPr>
+      <p:grpSpPr>
+        <a:xfrm>
+          <a:off x="0" y="0"/>
+          <a:ext cx="0" cy="0"/>
+          <a:chOff x="0" y="0"/>
+          <a:chExt cx="0" cy="0"/>
+        </a:xfrm>
+      </p:grpSpPr>
+      <p:sp>
+        <p:nvSpPr>
+          <p:cNvPr id="877" name="Google Shape;877;p41">
+            <a:extLst>
+              <a:ext uri="{FF2B5EF4-FFF2-40B4-BE49-F238E27FC236}">
+                <a16:creationId xmlns:a16="http://schemas.microsoft.com/office/drawing/2014/main" id="{0BE75D26-21D0-F37D-CBE4-5E519EA261C2}"/>
+              </a:ext>
+            </a:extLst>
+          </p:cNvPr>
+          <p:cNvSpPr txBox="1">
+            <a:spLocks noGrp="1"/>
+          </p:cNvSpPr>
+          <p:nvPr>
+            <p:ph type="title"/>
+          </p:nvPr>
+        </p:nvSpPr>
+        <p:spPr>
+          <a:xfrm>
+            <a:off x="281335" y="383241"/>
+            <a:ext cx="7704000" cy="572700"/>
+          </a:xfrm>
+          <a:prstGeom prst="rect">
+            <a:avLst/>
+          </a:prstGeom>
+        </p:spPr>
+        <p:txBody>
+          <a:bodyPr spcFirstLastPara="1" wrap="square" lIns="91425" tIns="91425" rIns="91425" bIns="91425" anchor="t" anchorCtr="0">
+            <a:noAutofit/>
+          </a:bodyPr>
+          <a:lstStyle/>
+          <a:p>
+            <a:pPr marL="0" lvl="0" indent="0" rtl="0">
+              <a:spcBef>
+                <a:spcPts val="0"/>
+              </a:spcBef>
+              <a:spcAft>
+                <a:spcPts val="0"/>
+              </a:spcAft>
+              <a:buNone/>
+            </a:pPr>
+            <a:r>
+              <a:rPr lang="en-CA" sz="3200" dirty="0">
+                <a:solidFill>
+                  <a:schemeClr val="hlink"/>
+                </a:solidFill>
+                <a:uFill>
+                  <a:noFill/>
+                </a:uFill>
+                <a:latin typeface="Anton"/>
+                <a:ea typeface="Anton"/>
+                <a:cs typeface="Anton"/>
+                <a:sym typeface="Anton"/>
+              </a:rPr>
+              <a:t>#10 Coding Warm-Up: Working </a:t>
+            </a:r>
+            <a:r>
+              <a:rPr lang="en-CA" sz="3200" dirty="0">
+                <a:solidFill>
+                  <a:schemeClr val="hlink"/>
+                </a:solidFill>
+                <a:uFill>
+                  <a:noFill/>
+                </a:uFill>
+              </a:rPr>
+              <a:t>CSV Data Files</a:t>
+            </a:r>
+            <a:endParaRPr lang="en-CA" sz="3200" dirty="0">
+              <a:solidFill>
+                <a:schemeClr val="dk1"/>
+              </a:solidFill>
+              <a:latin typeface="Anton"/>
+              <a:ea typeface="Anton"/>
+              <a:cs typeface="Anton"/>
+              <a:sym typeface="Anton"/>
+            </a:endParaRPr>
+          </a:p>
+        </p:txBody>
+      </p:sp>
+      <p:sp>
+        <p:nvSpPr>
+          <p:cNvPr id="4" name="TextBox 3">
+            <a:extLst>
+              <a:ext uri="{FF2B5EF4-FFF2-40B4-BE49-F238E27FC236}">
+                <a16:creationId xmlns:a16="http://schemas.microsoft.com/office/drawing/2014/main" id="{32A1448D-8968-AB9C-0965-EAE0EA4C9555}"/>
+              </a:ext>
+            </a:extLst>
+          </p:cNvPr>
+          <p:cNvSpPr txBox="1"/>
+          <p:nvPr/>
+        </p:nvSpPr>
+        <p:spPr>
+          <a:xfrm>
+            <a:off x="281334" y="1101336"/>
+            <a:ext cx="8459254" cy="1600438"/>
+          </a:xfrm>
+          <a:prstGeom prst="rect">
+            <a:avLst/>
+          </a:prstGeom>
+          <a:noFill/>
+        </p:spPr>
+        <p:txBody>
+          <a:bodyPr wrap="square">
+            <a:spAutoFit/>
+          </a:bodyPr>
+          <a:lstStyle/>
+          <a:p>
+            <a:r>
+              <a:rPr lang="en-US" b="0" dirty="0">
+                <a:solidFill>
+                  <a:srgbClr val="6A9955"/>
+                </a:solidFill>
+                <a:effectLst/>
+                <a:latin typeface="Consolas" panose="020B0609020204030204" pitchFamily="49" charset="0"/>
+              </a:rPr>
+              <a:t>#Q:Write a python that takes the LHHS staff list and rewrite the file in a new format contains the following columns: First Name, Last Name, Email and includes ONLY TEACHERS – No VPs, principal </a:t>
+            </a:r>
+            <a:r>
+              <a:rPr lang="en-US" b="0" dirty="0" err="1">
+                <a:solidFill>
+                  <a:srgbClr val="6A9955"/>
+                </a:solidFill>
+                <a:effectLst/>
+                <a:latin typeface="Consolas" panose="020B0609020204030204" pitchFamily="49" charset="0"/>
+              </a:rPr>
+              <a:t>etc</a:t>
+            </a:r>
+            <a:r>
+              <a:rPr lang="en-US" b="0" dirty="0">
+                <a:solidFill>
+                  <a:srgbClr val="6A9955"/>
+                </a:solidFill>
+                <a:effectLst/>
+                <a:latin typeface="Consolas" panose="020B0609020204030204" pitchFamily="49" charset="0"/>
+              </a:rPr>
+              <a:t>…</a:t>
+            </a:r>
+          </a:p>
+          <a:p>
+            <a:endParaRPr lang="en-US" dirty="0">
+              <a:solidFill>
+                <a:srgbClr val="6A9955"/>
+              </a:solidFill>
+              <a:latin typeface="Consolas" panose="020B0609020204030204" pitchFamily="49" charset="0"/>
+            </a:endParaRPr>
+          </a:p>
+          <a:p>
+            <a:r>
+              <a:rPr lang="en-US" dirty="0">
+                <a:solidFill>
+                  <a:srgbClr val="6A9955"/>
+                </a:solidFill>
+                <a:latin typeface="Consolas" panose="020B0609020204030204" pitchFamily="49" charset="0"/>
+              </a:rPr>
               <a:t>HINT: Use </a:t>
             </a:r>
             <a:r>
@@ -4760,6 +7155,17 @@
                 <a:latin typeface="Consolas" panose="020B0609020204030204" pitchFamily="49" charset="0"/>
               </a:rPr>
               <a:t> methods</a:t>
+            </a:r>
+          </a:p>
+          <a:p>
+            <a:r>
+              <a:rPr lang="en-US" dirty="0">
+                <a:solidFill>
+                  <a:srgbClr val="6A9955"/>
+                </a:solidFill>
+                <a:latin typeface="Consolas" panose="020B0609020204030204" pitchFamily="49" charset="0"/>
+              </a:rPr>
+              <a:t>HINT: Use find() method to find “Teacher” (returns -1 if not found)</a:t>
             </a:r>
           </a:p>
           <a:p>
@@ -4789,7 +7195,1203 @@
 </p:sld>
 </file>
 
+<file path=ppt/slides/slide14.xml><?xml version="1.0" encoding="utf-8"?>
+<p:sld xmlns:a="http://schemas.openxmlformats.org/drawingml/2006/main" xmlns:r="http://schemas.openxmlformats.org/officeDocument/2006/relationships" xmlns:p="http://schemas.openxmlformats.org/presentationml/2006/main">
+  <p:cSld>
+    <p:spTree>
+      <p:nvGrpSpPr>
+        <p:cNvPr id="1" name="Shape 876">
+          <a:extLst>
+            <a:ext uri="{FF2B5EF4-FFF2-40B4-BE49-F238E27FC236}">
+              <a16:creationId xmlns:a16="http://schemas.microsoft.com/office/drawing/2014/main" id="{59AA2DF2-86B2-E92B-1B14-DF2774F31DA9}"/>
+            </a:ext>
+          </a:extLst>
+        </p:cNvPr>
+        <p:cNvGrpSpPr/>
+        <p:nvPr/>
+      </p:nvGrpSpPr>
+      <p:grpSpPr>
+        <a:xfrm>
+          <a:off x="0" y="0"/>
+          <a:ext cx="0" cy="0"/>
+          <a:chOff x="0" y="0"/>
+          <a:chExt cx="0" cy="0"/>
+        </a:xfrm>
+      </p:grpSpPr>
+      <p:sp>
+        <p:nvSpPr>
+          <p:cNvPr id="877" name="Google Shape;877;p41">
+            <a:extLst>
+              <a:ext uri="{FF2B5EF4-FFF2-40B4-BE49-F238E27FC236}">
+                <a16:creationId xmlns:a16="http://schemas.microsoft.com/office/drawing/2014/main" id="{0BE75D26-21D0-F37D-CBE4-5E519EA261C2}"/>
+              </a:ext>
+            </a:extLst>
+          </p:cNvPr>
+          <p:cNvSpPr txBox="1">
+            <a:spLocks noGrp="1"/>
+          </p:cNvSpPr>
+          <p:nvPr>
+            <p:ph type="title"/>
+          </p:nvPr>
+        </p:nvSpPr>
+        <p:spPr>
+          <a:xfrm>
+            <a:off x="281335" y="383241"/>
+            <a:ext cx="7704000" cy="572700"/>
+          </a:xfrm>
+          <a:prstGeom prst="rect">
+            <a:avLst/>
+          </a:prstGeom>
+        </p:spPr>
+        <p:txBody>
+          <a:bodyPr spcFirstLastPara="1" wrap="square" lIns="91425" tIns="91425" rIns="91425" bIns="91425" anchor="t" anchorCtr="0">
+            <a:noAutofit/>
+          </a:bodyPr>
+          <a:lstStyle/>
+          <a:p>
+            <a:pPr marL="0" lvl="0" indent="0" rtl="0">
+              <a:spcBef>
+                <a:spcPts val="0"/>
+              </a:spcBef>
+              <a:spcAft>
+                <a:spcPts val="0"/>
+              </a:spcAft>
+              <a:buNone/>
+            </a:pPr>
+            <a:r>
+              <a:rPr lang="en-CA" sz="3200" dirty="0">
+                <a:solidFill>
+                  <a:schemeClr val="hlink"/>
+                </a:solidFill>
+                <a:uFill>
+                  <a:noFill/>
+                </a:uFill>
+                <a:latin typeface="Anton"/>
+                <a:ea typeface="Anton"/>
+                <a:cs typeface="Anton"/>
+                <a:sym typeface="Anton"/>
+              </a:rPr>
+              <a:t>#11 Coding Warm-Up: Create A </a:t>
+            </a:r>
+            <a:r>
+              <a:rPr lang="en-CA" sz="3200" dirty="0" err="1">
+                <a:solidFill>
+                  <a:schemeClr val="hlink"/>
+                </a:solidFill>
+                <a:uFill>
+                  <a:noFill/>
+                </a:uFill>
+                <a:latin typeface="Anton"/>
+                <a:ea typeface="Anton"/>
+                <a:cs typeface="Anton"/>
+                <a:sym typeface="Anton"/>
+              </a:rPr>
+              <a:t>Tkinter</a:t>
+            </a:r>
+            <a:r>
+              <a:rPr lang="en-CA" sz="3200" dirty="0">
+                <a:solidFill>
+                  <a:schemeClr val="hlink"/>
+                </a:solidFill>
+                <a:uFill>
+                  <a:noFill/>
+                </a:uFill>
+                <a:latin typeface="Anton"/>
+                <a:ea typeface="Anton"/>
+                <a:cs typeface="Anton"/>
+                <a:sym typeface="Anton"/>
+              </a:rPr>
+              <a:t> GUI</a:t>
+            </a:r>
+            <a:endParaRPr lang="en-CA" sz="3200" dirty="0">
+              <a:solidFill>
+                <a:schemeClr val="dk1"/>
+              </a:solidFill>
+              <a:latin typeface="Anton"/>
+              <a:ea typeface="Anton"/>
+              <a:cs typeface="Anton"/>
+              <a:sym typeface="Anton"/>
+            </a:endParaRPr>
+          </a:p>
+        </p:txBody>
+      </p:sp>
+      <p:sp>
+        <p:nvSpPr>
+          <p:cNvPr id="4" name="TextBox 3">
+            <a:extLst>
+              <a:ext uri="{FF2B5EF4-FFF2-40B4-BE49-F238E27FC236}">
+                <a16:creationId xmlns:a16="http://schemas.microsoft.com/office/drawing/2014/main" id="{32A1448D-8968-AB9C-0965-EAE0EA4C9555}"/>
+              </a:ext>
+            </a:extLst>
+          </p:cNvPr>
+          <p:cNvSpPr txBox="1"/>
+          <p:nvPr/>
+        </p:nvSpPr>
+        <p:spPr>
+          <a:xfrm>
+            <a:off x="281334" y="1101336"/>
+            <a:ext cx="8459254" cy="738664"/>
+          </a:xfrm>
+          <a:prstGeom prst="rect">
+            <a:avLst/>
+          </a:prstGeom>
+          <a:noFill/>
+        </p:spPr>
+        <p:txBody>
+          <a:bodyPr wrap="square">
+            <a:spAutoFit/>
+          </a:bodyPr>
+          <a:lstStyle/>
+          <a:p>
+            <a:r>
+              <a:rPr lang="en-US" b="0" dirty="0">
+                <a:solidFill>
+                  <a:srgbClr val="6A9955"/>
+                </a:solidFill>
+                <a:effectLst/>
+                <a:latin typeface="Consolas" panose="020B0609020204030204" pitchFamily="49" charset="0"/>
+              </a:rPr>
+              <a:t>#Q:</a:t>
+            </a:r>
+            <a:r>
+              <a:rPr lang="en-US" dirty="0">
+                <a:solidFill>
+                  <a:srgbClr val="6A9955"/>
+                </a:solidFill>
+                <a:latin typeface="Consolas" panose="020B0609020204030204" pitchFamily="49" charset="0"/>
+              </a:rPr>
+              <a:t>Write a python program that uses </a:t>
+            </a:r>
+            <a:r>
+              <a:rPr lang="en-US" dirty="0" err="1">
+                <a:solidFill>
+                  <a:srgbClr val="6A9955"/>
+                </a:solidFill>
+                <a:latin typeface="Consolas" panose="020B0609020204030204" pitchFamily="49" charset="0"/>
+              </a:rPr>
+              <a:t>tkinter</a:t>
+            </a:r>
+            <a:r>
+              <a:rPr lang="en-US" dirty="0">
+                <a:solidFill>
+                  <a:srgbClr val="6A9955"/>
+                </a:solidFill>
+                <a:latin typeface="Consolas" panose="020B0609020204030204" pitchFamily="49" charset="0"/>
+              </a:rPr>
+              <a:t> and creates a form to submit data about a student. The for should have the following elements:</a:t>
+            </a:r>
+            <a:endParaRPr lang="en-US" b="0" dirty="0">
+              <a:solidFill>
+                <a:srgbClr val="6A9955"/>
+              </a:solidFill>
+              <a:effectLst/>
+              <a:latin typeface="Consolas" panose="020B0609020204030204" pitchFamily="49" charset="0"/>
+            </a:endParaRPr>
+          </a:p>
+          <a:p>
+            <a:endParaRPr lang="en-US" dirty="0">
+              <a:solidFill>
+                <a:srgbClr val="6A9955"/>
+              </a:solidFill>
+              <a:latin typeface="Consolas" panose="020B0609020204030204" pitchFamily="49" charset="0"/>
+            </a:endParaRPr>
+          </a:p>
+        </p:txBody>
+      </p:sp>
+      <p:sp>
+        <p:nvSpPr>
+          <p:cNvPr id="2" name="TextBox 1">
+            <a:extLst>
+              <a:ext uri="{FF2B5EF4-FFF2-40B4-BE49-F238E27FC236}">
+                <a16:creationId xmlns:a16="http://schemas.microsoft.com/office/drawing/2014/main" id="{C9DC50A4-87E1-AAF0-D12E-40D878CB22CF}"/>
+              </a:ext>
+            </a:extLst>
+          </p:cNvPr>
+          <p:cNvSpPr txBox="1"/>
+          <p:nvPr/>
+        </p:nvSpPr>
+        <p:spPr>
+          <a:xfrm>
+            <a:off x="376881" y="1933832"/>
+            <a:ext cx="8266670" cy="2677656"/>
+          </a:xfrm>
+          <a:prstGeom prst="rect">
+            <a:avLst/>
+          </a:prstGeom>
+          <a:noFill/>
+        </p:spPr>
+        <p:txBody>
+          <a:bodyPr wrap="square" rtlCol="0">
+            <a:spAutoFit/>
+          </a:bodyPr>
+          <a:lstStyle/>
+          <a:p>
+            <a:r>
+              <a:rPr lang="en-US" dirty="0">
+                <a:solidFill>
+                  <a:schemeClr val="tx1"/>
+                </a:solidFill>
+              </a:rPr>
+              <a:t>TOP FRAME</a:t>
+            </a:r>
+          </a:p>
+          <a:p>
+            <a:pPr marL="285750" indent="-285750">
+              <a:buFont typeface="Arial" panose="020B0604020202020204" pitchFamily="34" charset="0"/>
+              <a:buChar char="•"/>
+            </a:pPr>
+            <a:r>
+              <a:rPr lang="en-US" dirty="0">
+                <a:solidFill>
+                  <a:schemeClr val="tx1"/>
+                </a:solidFill>
+              </a:rPr>
+              <a:t>A title label called “Student Record Form”</a:t>
+            </a:r>
+          </a:p>
+          <a:p>
+            <a:r>
+              <a:rPr lang="en-US" dirty="0">
+                <a:solidFill>
+                  <a:schemeClr val="tx1"/>
+                </a:solidFill>
+              </a:rPr>
+              <a:t>MIDDLE FRAME (HINT: Use grid() not pack() )</a:t>
+            </a:r>
+          </a:p>
+          <a:p>
+            <a:pPr marL="285750" indent="-285750">
+              <a:buFont typeface="Arial" panose="020B0604020202020204" pitchFamily="34" charset="0"/>
+              <a:buChar char="•"/>
+            </a:pPr>
+            <a:r>
+              <a:rPr lang="en-US" dirty="0">
+                <a:solidFill>
+                  <a:schemeClr val="tx1"/>
+                </a:solidFill>
+              </a:rPr>
+              <a:t>Student Number label / entry field (Just make up a number here)</a:t>
+            </a:r>
+          </a:p>
+          <a:p>
+            <a:pPr marL="285750" indent="-285750">
+              <a:buFont typeface="Arial" panose="020B0604020202020204" pitchFamily="34" charset="0"/>
+              <a:buChar char="•"/>
+            </a:pPr>
+            <a:r>
+              <a:rPr lang="en-US" dirty="0">
+                <a:solidFill>
+                  <a:schemeClr val="tx1"/>
+                </a:solidFill>
+              </a:rPr>
+              <a:t>First name label / entry field</a:t>
+            </a:r>
+          </a:p>
+          <a:p>
+            <a:pPr marL="285750" indent="-285750">
+              <a:buFont typeface="Arial" panose="020B0604020202020204" pitchFamily="34" charset="0"/>
+              <a:buChar char="•"/>
+            </a:pPr>
+            <a:r>
+              <a:rPr lang="en-US" dirty="0">
+                <a:solidFill>
+                  <a:schemeClr val="tx1"/>
+                </a:solidFill>
+              </a:rPr>
+              <a:t>Last name label / entry field</a:t>
+            </a:r>
+          </a:p>
+          <a:p>
+            <a:pPr marL="285750" indent="-285750">
+              <a:buFont typeface="Arial" panose="020B0604020202020204" pitchFamily="34" charset="0"/>
+              <a:buChar char="•"/>
+            </a:pPr>
+            <a:r>
+              <a:rPr lang="en-US" dirty="0">
+                <a:solidFill>
+                  <a:schemeClr val="tx1"/>
+                </a:solidFill>
+              </a:rPr>
+              <a:t>Age label / entry field</a:t>
+            </a:r>
+          </a:p>
+          <a:p>
+            <a:pPr marL="285750" indent="-285750">
+              <a:buFont typeface="Arial" panose="020B0604020202020204" pitchFamily="34" charset="0"/>
+              <a:buChar char="•"/>
+            </a:pPr>
+            <a:r>
+              <a:rPr lang="en-US" dirty="0">
+                <a:solidFill>
+                  <a:schemeClr val="tx1"/>
+                </a:solidFill>
+              </a:rPr>
+              <a:t>Grade label / entry field</a:t>
+            </a:r>
+          </a:p>
+          <a:p>
+            <a:pPr marL="285750" indent="-285750">
+              <a:buFont typeface="Arial" panose="020B0604020202020204" pitchFamily="34" charset="0"/>
+              <a:buChar char="•"/>
+            </a:pPr>
+            <a:r>
+              <a:rPr lang="en-US" dirty="0">
+                <a:solidFill>
+                  <a:schemeClr val="tx1"/>
+                </a:solidFill>
+              </a:rPr>
+              <a:t>Current Grade label /entry field (out of 4)</a:t>
+            </a:r>
+          </a:p>
+          <a:p>
+            <a:r>
+              <a:rPr lang="en-US" dirty="0">
+                <a:solidFill>
+                  <a:schemeClr val="tx1"/>
+                </a:solidFill>
+              </a:rPr>
+              <a:t>BOTTOM FRAME </a:t>
+            </a:r>
+          </a:p>
+          <a:p>
+            <a:pPr marL="285750" indent="-285750">
+              <a:buFont typeface="Arial" panose="020B0604020202020204" pitchFamily="34" charset="0"/>
+              <a:buChar char="•"/>
+            </a:pPr>
+            <a:r>
+              <a:rPr lang="en-US" dirty="0">
+                <a:solidFill>
+                  <a:schemeClr val="tx1"/>
+                </a:solidFill>
+              </a:rPr>
+              <a:t>Submit Button – calls the submit() method that prints the text “Record Created” to the terminal</a:t>
+            </a:r>
+          </a:p>
+          <a:p>
+            <a:pPr marL="285750" indent="-285750">
+              <a:buFont typeface="Arial" panose="020B0604020202020204" pitchFamily="34" charset="0"/>
+              <a:buChar char="•"/>
+            </a:pPr>
+            <a:endParaRPr lang="en-CA" dirty="0">
+              <a:solidFill>
+                <a:schemeClr val="tx1"/>
+              </a:solidFill>
+            </a:endParaRPr>
+          </a:p>
+        </p:txBody>
+      </p:sp>
+    </p:spTree>
+    <p:extLst>
+      <p:ext uri="{BB962C8B-B14F-4D97-AF65-F5344CB8AC3E}">
+        <p14:creationId xmlns:p14="http://schemas.microsoft.com/office/powerpoint/2010/main" val="3776469332"/>
+      </p:ext>
+    </p:extLst>
+  </p:cSld>
+  <p:clrMapOvr>
+    <a:masterClrMapping/>
+  </p:clrMapOvr>
+</p:sld>
+</file>
+
 <file path=ppt/slides/slide2.xml><?xml version="1.0" encoding="utf-8"?>
+<p:sld xmlns:a="http://schemas.openxmlformats.org/drawingml/2006/main" xmlns:r="http://schemas.openxmlformats.org/officeDocument/2006/relationships" xmlns:p="http://schemas.openxmlformats.org/presentationml/2006/main">
+  <p:cSld>
+    <p:spTree>
+      <p:nvGrpSpPr>
+        <p:cNvPr id="1" name="">
+          <a:extLst>
+            <a:ext uri="{FF2B5EF4-FFF2-40B4-BE49-F238E27FC236}">
+              <a16:creationId xmlns:a16="http://schemas.microsoft.com/office/drawing/2014/main" id="{20C4F288-83AD-0D31-A821-90A8774C717C}"/>
+            </a:ext>
+          </a:extLst>
+        </p:cNvPr>
+        <p:cNvGrpSpPr/>
+        <p:nvPr/>
+      </p:nvGrpSpPr>
+      <p:grpSpPr>
+        <a:xfrm>
+          <a:off x="0" y="0"/>
+          <a:ext cx="0" cy="0"/>
+          <a:chOff x="0" y="0"/>
+          <a:chExt cx="0" cy="0"/>
+        </a:xfrm>
+      </p:grpSpPr>
+      <p:sp>
+        <p:nvSpPr>
+          <p:cNvPr id="2" name="Google Shape;877;p41">
+            <a:extLst>
+              <a:ext uri="{FF2B5EF4-FFF2-40B4-BE49-F238E27FC236}">
+                <a16:creationId xmlns:a16="http://schemas.microsoft.com/office/drawing/2014/main" id="{A5EAC2C4-B54C-99F1-0D3A-896E01EADD6F}"/>
+              </a:ext>
+            </a:extLst>
+          </p:cNvPr>
+          <p:cNvSpPr txBox="1">
+            <a:spLocks noGrp="1"/>
+          </p:cNvSpPr>
+          <p:nvPr>
+            <p:ph type="title"/>
+          </p:nvPr>
+        </p:nvSpPr>
+        <p:spPr>
+          <a:xfrm>
+            <a:off x="930064" y="352349"/>
+            <a:ext cx="7704000" cy="572700"/>
+          </a:xfrm>
+          <a:prstGeom prst="rect">
+            <a:avLst/>
+          </a:prstGeom>
+        </p:spPr>
+        <p:txBody>
+          <a:bodyPr spcFirstLastPara="1" wrap="square" lIns="91425" tIns="91425" rIns="91425" bIns="91425" anchor="t" anchorCtr="0">
+            <a:noAutofit/>
+          </a:bodyPr>
+          <a:lstStyle/>
+          <a:p>
+            <a:pPr marL="0" lvl="0" indent="0" rtl="0">
+              <a:spcBef>
+                <a:spcPts val="0"/>
+              </a:spcBef>
+              <a:spcAft>
+                <a:spcPts val="0"/>
+              </a:spcAft>
+              <a:buNone/>
+            </a:pPr>
+            <a:r>
+              <a:rPr lang="en-CA" sz="3200" dirty="0">
+                <a:solidFill>
+                  <a:schemeClr val="hlink"/>
+                </a:solidFill>
+                <a:uFill>
+                  <a:noFill/>
+                </a:uFill>
+                <a:latin typeface="Anton"/>
+                <a:ea typeface="Anton"/>
+                <a:cs typeface="Anton"/>
+                <a:sym typeface="Anton"/>
+              </a:rPr>
+              <a:t>CONFIGURING GIT and GIT BASH TO CLONE REPO</a:t>
+            </a:r>
+            <a:endParaRPr lang="en-CA" sz="3200" dirty="0">
+              <a:solidFill>
+                <a:schemeClr val="dk1"/>
+              </a:solidFill>
+              <a:latin typeface="Anton"/>
+              <a:ea typeface="Anton"/>
+              <a:cs typeface="Anton"/>
+              <a:sym typeface="Anton"/>
+            </a:endParaRPr>
+          </a:p>
+        </p:txBody>
+      </p:sp>
+      <p:sp>
+        <p:nvSpPr>
+          <p:cNvPr id="11" name="TextBox 10">
+            <a:extLst>
+              <a:ext uri="{FF2B5EF4-FFF2-40B4-BE49-F238E27FC236}">
+                <a16:creationId xmlns:a16="http://schemas.microsoft.com/office/drawing/2014/main" id="{56225C7E-50FA-43FB-EFB7-07A92BE87F78}"/>
+              </a:ext>
+            </a:extLst>
+          </p:cNvPr>
+          <p:cNvSpPr txBox="1"/>
+          <p:nvPr/>
+        </p:nvSpPr>
+        <p:spPr>
+          <a:xfrm>
+            <a:off x="1464276" y="1143000"/>
+            <a:ext cx="6091881" cy="3108543"/>
+          </a:xfrm>
+          <a:prstGeom prst="rect">
+            <a:avLst/>
+          </a:prstGeom>
+          <a:noFill/>
+        </p:spPr>
+        <p:txBody>
+          <a:bodyPr wrap="square" rtlCol="0">
+            <a:spAutoFit/>
+          </a:bodyPr>
+          <a:lstStyle/>
+          <a:p>
+            <a:r>
+              <a:rPr lang="en-US" dirty="0">
+                <a:solidFill>
+                  <a:schemeClr val="tx1"/>
+                </a:solidFill>
+              </a:rPr>
+              <a:t>Our secured network relies on Trust Certificates Signed By NBED to allow traffic via https. Git requires steps to use certificates on your computers:</a:t>
+            </a:r>
+          </a:p>
+          <a:p>
+            <a:endParaRPr lang="en-US" dirty="0">
+              <a:solidFill>
+                <a:schemeClr val="tx1"/>
+              </a:solidFill>
+            </a:endParaRPr>
+          </a:p>
+          <a:p>
+            <a:endParaRPr lang="en-US" dirty="0">
+              <a:solidFill>
+                <a:schemeClr val="tx1"/>
+              </a:solidFill>
+            </a:endParaRPr>
+          </a:p>
+          <a:p>
+            <a:r>
+              <a:rPr lang="en-US" dirty="0">
+                <a:solidFill>
+                  <a:schemeClr val="tx1"/>
+                </a:solidFill>
+              </a:rPr>
+              <a:t>OPEN GIT BASH -&gt; Right Click Anywhere on your desktop</a:t>
+            </a:r>
+          </a:p>
+          <a:p>
+            <a:endParaRPr lang="en-US" dirty="0">
+              <a:solidFill>
+                <a:schemeClr val="tx1"/>
+              </a:solidFill>
+            </a:endParaRPr>
+          </a:p>
+          <a:p>
+            <a:endParaRPr lang="en-US" dirty="0">
+              <a:solidFill>
+                <a:schemeClr val="tx1"/>
+              </a:solidFill>
+            </a:endParaRPr>
+          </a:p>
+          <a:p>
+            <a:r>
+              <a:rPr lang="en-US" dirty="0">
+                <a:solidFill>
+                  <a:schemeClr val="tx1"/>
+                </a:solidFill>
+              </a:rPr>
+              <a:t>TYPE:   </a:t>
+            </a:r>
+            <a:r>
+              <a:rPr lang="en-US" dirty="0">
+                <a:solidFill>
+                  <a:srgbClr val="00B050"/>
+                </a:solidFill>
+              </a:rPr>
+              <a:t>git config --global </a:t>
+            </a:r>
+            <a:r>
+              <a:rPr lang="en-US" dirty="0" err="1">
+                <a:solidFill>
+                  <a:srgbClr val="00B050"/>
+                </a:solidFill>
+              </a:rPr>
+              <a:t>http.sslbackend</a:t>
+            </a:r>
+            <a:r>
+              <a:rPr lang="en-US" dirty="0">
+                <a:solidFill>
+                  <a:srgbClr val="00B050"/>
+                </a:solidFill>
+              </a:rPr>
+              <a:t> </a:t>
+            </a:r>
+            <a:r>
+              <a:rPr lang="en-US" dirty="0" err="1">
+                <a:solidFill>
+                  <a:srgbClr val="00B050"/>
+                </a:solidFill>
+              </a:rPr>
+              <a:t>schannel</a:t>
+            </a:r>
+            <a:r>
+              <a:rPr lang="en-US" dirty="0">
+                <a:solidFill>
+                  <a:srgbClr val="00B050"/>
+                </a:solidFill>
+              </a:rPr>
+              <a:t> </a:t>
+            </a:r>
+          </a:p>
+          <a:p>
+            <a:endParaRPr lang="en-US" dirty="0">
+              <a:solidFill>
+                <a:schemeClr val="tx1"/>
+              </a:solidFill>
+            </a:endParaRPr>
+          </a:p>
+          <a:p>
+            <a:r>
+              <a:rPr lang="en-US" dirty="0">
+                <a:solidFill>
+                  <a:schemeClr val="tx1"/>
+                </a:solidFill>
+              </a:rPr>
+              <a:t>HIT ENTER</a:t>
+            </a:r>
+          </a:p>
+          <a:p>
+            <a:endParaRPr lang="en-US" dirty="0">
+              <a:solidFill>
+                <a:schemeClr val="tx1"/>
+              </a:solidFill>
+            </a:endParaRPr>
+          </a:p>
+          <a:p>
+            <a:r>
+              <a:rPr lang="en-US" dirty="0">
+                <a:solidFill>
+                  <a:schemeClr val="tx1"/>
+                </a:solidFill>
+              </a:rPr>
+              <a:t>TO CLONE THE CLASS GIT REPO, TYPE:</a:t>
+            </a:r>
+          </a:p>
+          <a:p>
+            <a:endParaRPr lang="en-US" dirty="0">
+              <a:solidFill>
+                <a:schemeClr val="tx1"/>
+              </a:solidFill>
+            </a:endParaRPr>
+          </a:p>
+          <a:p>
+            <a:r>
+              <a:rPr lang="en-US" dirty="0">
+                <a:solidFill>
+                  <a:srgbClr val="00B050"/>
+                </a:solidFill>
+              </a:rPr>
+              <a:t>git clone https://github.com/CompSci-110-LHHS/cs110mainclass.git</a:t>
+            </a:r>
+          </a:p>
+        </p:txBody>
+      </p:sp>
+      <p:sp>
+        <p:nvSpPr>
+          <p:cNvPr id="12" name="Rectangle 1">
+            <a:extLst>
+              <a:ext uri="{FF2B5EF4-FFF2-40B4-BE49-F238E27FC236}">
+                <a16:creationId xmlns:a16="http://schemas.microsoft.com/office/drawing/2014/main" id="{EB7330E4-DB5C-7EDB-0F3D-6D9FCAFC6EC6}"/>
+              </a:ext>
+            </a:extLst>
+          </p:cNvPr>
+          <p:cNvSpPr>
+            <a:spLocks noChangeArrowheads="1"/>
+          </p:cNvSpPr>
+          <p:nvPr/>
+        </p:nvSpPr>
+        <p:spPr bwMode="auto">
+          <a:xfrm>
+            <a:off x="0" y="0"/>
+            <a:ext cx="9144000" cy="457200"/>
+          </a:xfrm>
+          <a:prstGeom prst="rect">
+            <a:avLst/>
+          </a:prstGeom>
+          <a:noFill/>
+          <a:ln>
+            <a:noFill/>
+          </a:ln>
+          <a:effectLst/>
+          <a:extLst>
+            <a:ext uri="{909E8E84-426E-40DD-AFC4-6F175D3DCCD1}">
+              <a14:hiddenFill xmlns:a14="http://schemas.microsoft.com/office/drawing/2010/main">
+                <a:solidFill>
+                  <a:schemeClr val="accent1"/>
+                </a:solidFill>
+              </a14:hiddenFill>
+            </a:ext>
+            <a:ext uri="{91240B29-F687-4F45-9708-019B960494DF}">
+              <a14:hiddenLine xmlns:a14="http://schemas.microsoft.com/office/drawing/2010/main" w="9525">
+                <a:solidFill>
+                  <a:schemeClr val="tx1"/>
+                </a:solidFill>
+                <a:miter lim="800000"/>
+                <a:headEnd/>
+                <a:tailEnd/>
+              </a14:hiddenLine>
+            </a:ext>
+            <a:ext uri="{AF507438-7753-43E0-B8FC-AC1667EBCBE1}">
+              <a14:hiddenEffects xmlns:a14="http://schemas.microsoft.com/office/drawing/2010/main">
+                <a:effectLst>
+                  <a:outerShdw dist="35921" dir="2700000" algn="ctr" rotWithShape="0">
+                    <a:schemeClr val="bg2"/>
+                  </a:outerShdw>
+                </a:effectLst>
+              </a14:hiddenEffects>
+            </a:ext>
+          </a:extLst>
+        </p:spPr>
+        <p:txBody>
+          <a:bodyPr vert="horz" wrap="none" lIns="0" tIns="0" rIns="0" bIns="0" numCol="1" anchor="ctr" anchorCtr="0" compatLnSpc="1">
+            <a:prstTxWarp prst="textNoShape">
+              <a:avLst/>
+            </a:prstTxWarp>
+            <a:spAutoFit/>
+          </a:bodyPr>
+          <a:lstStyle/>
+          <a:p>
+            <a:pPr marL="0" marR="0" lvl="0" indent="0" algn="l" defTabSz="914400" rtl="0" eaLnBrk="0" fontAlgn="base" latinLnBrk="0" hangingPunct="0">
+              <a:lnSpc>
+                <a:spcPct val="100000"/>
+              </a:lnSpc>
+              <a:spcBef>
+                <a:spcPct val="0"/>
+              </a:spcBef>
+              <a:spcAft>
+                <a:spcPct val="0"/>
+              </a:spcAft>
+              <a:buClrTx/>
+              <a:buSzTx/>
+              <a:buFontTx/>
+              <a:buNone/>
+              <a:tabLst/>
+            </a:pPr>
+            <a:r>
+              <a:rPr kumimoji="0" lang="en-US" altLang="en-US" sz="1000" b="0" i="0" u="none" strike="noStrike" cap="none" normalizeH="0" baseline="0">
+                <a:ln>
+                  <a:noFill/>
+                </a:ln>
+                <a:solidFill>
+                  <a:srgbClr val="0C0D0E"/>
+                </a:solidFill>
+                <a:effectLst/>
+                <a:latin typeface="var(--ff-mono)"/>
+              </a:rPr>
+              <a:t>git config --global http.sslbackend schannel</a:t>
+            </a:r>
+            <a:r>
+              <a:rPr kumimoji="0" lang="en-US" altLang="en-US" sz="600" b="0" i="0" u="none" strike="noStrike" cap="none" normalizeH="0" baseline="0">
+                <a:ln>
+                  <a:noFill/>
+                </a:ln>
+                <a:solidFill>
+                  <a:schemeClr val="tx1"/>
+                </a:solidFill>
+                <a:effectLst/>
+              </a:rPr>
+              <a:t> </a:t>
+            </a:r>
+            <a:endParaRPr kumimoji="0" lang="en-US" altLang="en-US" sz="1800" b="0" i="0" u="none" strike="noStrike" cap="none" normalizeH="0" baseline="0">
+              <a:ln>
+                <a:noFill/>
+              </a:ln>
+              <a:solidFill>
+                <a:schemeClr val="tx1"/>
+              </a:solidFill>
+              <a:effectLst/>
+              <a:latin typeface="Arial" panose="020B0604020202020204" pitchFamily="34" charset="0"/>
+            </a:endParaRPr>
+          </a:p>
+        </p:txBody>
+      </p:sp>
+    </p:spTree>
+    <p:extLst>
+      <p:ext uri="{BB962C8B-B14F-4D97-AF65-F5344CB8AC3E}">
+        <p14:creationId xmlns:p14="http://schemas.microsoft.com/office/powerpoint/2010/main" val="2555175708"/>
+      </p:ext>
+    </p:extLst>
+  </p:cSld>
+  <p:clrMapOvr>
+    <a:masterClrMapping/>
+  </p:clrMapOvr>
+</p:sld>
+</file>
+
+<file path=ppt/slides/slide3.xml><?xml version="1.0" encoding="utf-8"?>
+<p:sld xmlns:a="http://schemas.openxmlformats.org/drawingml/2006/main" xmlns:r="http://schemas.openxmlformats.org/officeDocument/2006/relationships" xmlns:p="http://schemas.openxmlformats.org/presentationml/2006/main">
+  <p:cSld>
+    <p:spTree>
+      <p:nvGrpSpPr>
+        <p:cNvPr id="1" name="">
+          <a:extLst>
+            <a:ext uri="{FF2B5EF4-FFF2-40B4-BE49-F238E27FC236}">
+              <a16:creationId xmlns:a16="http://schemas.microsoft.com/office/drawing/2014/main" id="{20C4F288-83AD-0D31-A821-90A8774C717C}"/>
+            </a:ext>
+          </a:extLst>
+        </p:cNvPr>
+        <p:cNvGrpSpPr/>
+        <p:nvPr/>
+      </p:nvGrpSpPr>
+      <p:grpSpPr>
+        <a:xfrm>
+          <a:off x="0" y="0"/>
+          <a:ext cx="0" cy="0"/>
+          <a:chOff x="0" y="0"/>
+          <a:chExt cx="0" cy="0"/>
+        </a:xfrm>
+      </p:grpSpPr>
+      <p:sp>
+        <p:nvSpPr>
+          <p:cNvPr id="2" name="Google Shape;877;p41">
+            <a:extLst>
+              <a:ext uri="{FF2B5EF4-FFF2-40B4-BE49-F238E27FC236}">
+                <a16:creationId xmlns:a16="http://schemas.microsoft.com/office/drawing/2014/main" id="{A5EAC2C4-B54C-99F1-0D3A-896E01EADD6F}"/>
+              </a:ext>
+            </a:extLst>
+          </p:cNvPr>
+          <p:cNvSpPr txBox="1">
+            <a:spLocks noGrp="1"/>
+          </p:cNvSpPr>
+          <p:nvPr>
+            <p:ph type="title"/>
+          </p:nvPr>
+        </p:nvSpPr>
+        <p:spPr>
+          <a:xfrm>
+            <a:off x="930064" y="352349"/>
+            <a:ext cx="7704000" cy="572700"/>
+          </a:xfrm>
+          <a:prstGeom prst="rect">
+            <a:avLst/>
+          </a:prstGeom>
+        </p:spPr>
+        <p:txBody>
+          <a:bodyPr spcFirstLastPara="1" wrap="square" lIns="91425" tIns="91425" rIns="91425" bIns="91425" anchor="t" anchorCtr="0">
+            <a:noAutofit/>
+          </a:bodyPr>
+          <a:lstStyle/>
+          <a:p>
+            <a:pPr marL="0" lvl="0" indent="0" rtl="0">
+              <a:spcBef>
+                <a:spcPts val="0"/>
+              </a:spcBef>
+              <a:spcAft>
+                <a:spcPts val="0"/>
+              </a:spcAft>
+              <a:buNone/>
+            </a:pPr>
+            <a:r>
+              <a:rPr lang="en-CA" sz="3200" dirty="0">
+                <a:solidFill>
+                  <a:schemeClr val="hlink"/>
+                </a:solidFill>
+                <a:uFill>
+                  <a:noFill/>
+                </a:uFill>
+                <a:latin typeface="Anton"/>
+                <a:ea typeface="Anton"/>
+                <a:cs typeface="Anton"/>
+                <a:sym typeface="Anton"/>
+              </a:rPr>
+              <a:t>CONFIGURING PIP TO INSTALL PYTHON MODULES</a:t>
+            </a:r>
+            <a:endParaRPr lang="en-CA" sz="3200" dirty="0">
+              <a:solidFill>
+                <a:schemeClr val="dk1"/>
+              </a:solidFill>
+              <a:latin typeface="Anton"/>
+              <a:ea typeface="Anton"/>
+              <a:cs typeface="Anton"/>
+              <a:sym typeface="Anton"/>
+            </a:endParaRPr>
+          </a:p>
+        </p:txBody>
+      </p:sp>
+      <p:sp>
+        <p:nvSpPr>
+          <p:cNvPr id="11" name="TextBox 10">
+            <a:extLst>
+              <a:ext uri="{FF2B5EF4-FFF2-40B4-BE49-F238E27FC236}">
+                <a16:creationId xmlns:a16="http://schemas.microsoft.com/office/drawing/2014/main" id="{56225C7E-50FA-43FB-EFB7-07A92BE87F78}"/>
+              </a:ext>
+            </a:extLst>
+          </p:cNvPr>
+          <p:cNvSpPr txBox="1"/>
+          <p:nvPr/>
+        </p:nvSpPr>
+        <p:spPr>
+          <a:xfrm>
+            <a:off x="1464276" y="1143000"/>
+            <a:ext cx="6524367" cy="2462213"/>
+          </a:xfrm>
+          <a:prstGeom prst="rect">
+            <a:avLst/>
+          </a:prstGeom>
+          <a:noFill/>
+        </p:spPr>
+        <p:txBody>
+          <a:bodyPr wrap="square" rtlCol="0">
+            <a:spAutoFit/>
+          </a:bodyPr>
+          <a:lstStyle/>
+          <a:p>
+            <a:r>
+              <a:rPr lang="en-US" dirty="0">
+                <a:solidFill>
+                  <a:schemeClr val="tx1"/>
+                </a:solidFill>
+              </a:rPr>
+              <a:t>Our secured network relies on Trust Certificates Signed By NBED to allow traffic via https. pip requires steps to use certificates on your computers:</a:t>
+            </a:r>
+          </a:p>
+          <a:p>
+            <a:endParaRPr lang="en-US" dirty="0">
+              <a:solidFill>
+                <a:schemeClr val="tx1"/>
+              </a:solidFill>
+            </a:endParaRPr>
+          </a:p>
+          <a:p>
+            <a:endParaRPr lang="en-US" dirty="0">
+              <a:solidFill>
+                <a:schemeClr val="tx1"/>
+              </a:solidFill>
+            </a:endParaRPr>
+          </a:p>
+          <a:p>
+            <a:r>
+              <a:rPr lang="en-US" dirty="0">
+                <a:solidFill>
+                  <a:schemeClr val="tx1"/>
+                </a:solidFill>
+              </a:rPr>
+              <a:t>ON YOUR TERMINAL IN </a:t>
+            </a:r>
+            <a:r>
+              <a:rPr lang="en-US" dirty="0" err="1">
+                <a:solidFill>
+                  <a:schemeClr val="tx1"/>
+                </a:solidFill>
+              </a:rPr>
+              <a:t>VSCode</a:t>
+            </a:r>
+            <a:r>
+              <a:rPr lang="en-US" dirty="0">
+                <a:solidFill>
+                  <a:schemeClr val="tx1"/>
+                </a:solidFill>
+              </a:rPr>
+              <a:t>:</a:t>
+            </a:r>
+          </a:p>
+          <a:p>
+            <a:endParaRPr lang="en-US" dirty="0">
+              <a:solidFill>
+                <a:schemeClr val="tx1"/>
+              </a:solidFill>
+            </a:endParaRPr>
+          </a:p>
+          <a:p>
+            <a:r>
+              <a:rPr lang="en-US" dirty="0">
+                <a:solidFill>
+                  <a:schemeClr val="tx1"/>
+                </a:solidFill>
+              </a:rPr>
+              <a:t>TYPE:   </a:t>
+            </a:r>
+            <a:r>
+              <a:rPr lang="en-US" dirty="0">
+                <a:solidFill>
+                  <a:srgbClr val="00B050"/>
+                </a:solidFill>
+              </a:rPr>
+              <a:t>pip install --trusted-host pypi.org --trusted-host pypi.python.org --trusted-host files.pythonhosted.org &lt;</a:t>
+            </a:r>
+            <a:r>
+              <a:rPr lang="en-US" dirty="0" err="1">
+                <a:solidFill>
+                  <a:srgbClr val="00B050"/>
+                </a:solidFill>
+              </a:rPr>
+              <a:t>package_name</a:t>
+            </a:r>
+            <a:r>
+              <a:rPr lang="en-US" dirty="0">
+                <a:solidFill>
+                  <a:srgbClr val="00B050"/>
+                </a:solidFill>
+              </a:rPr>
+              <a:t>&gt;</a:t>
+            </a:r>
+          </a:p>
+          <a:p>
+            <a:endParaRPr lang="en-US" dirty="0">
+              <a:solidFill>
+                <a:schemeClr val="tx1"/>
+              </a:solidFill>
+            </a:endParaRPr>
+          </a:p>
+          <a:p>
+            <a:r>
+              <a:rPr lang="en-US" dirty="0">
+                <a:solidFill>
+                  <a:schemeClr val="tx1"/>
+                </a:solidFill>
+              </a:rPr>
+              <a:t>HIT ENTER (WHERE &lt;</a:t>
+            </a:r>
+            <a:r>
+              <a:rPr lang="en-US" dirty="0" err="1">
+                <a:solidFill>
+                  <a:schemeClr val="tx1"/>
+                </a:solidFill>
+              </a:rPr>
+              <a:t>package_name</a:t>
+            </a:r>
+            <a:r>
+              <a:rPr lang="en-US" dirty="0">
+                <a:solidFill>
+                  <a:schemeClr val="tx1"/>
+                </a:solidFill>
+              </a:rPr>
+              <a:t>&gt; is the module you want (like </a:t>
+            </a:r>
+            <a:r>
+              <a:rPr lang="en-US" dirty="0" err="1">
+                <a:solidFill>
+                  <a:schemeClr val="tx1"/>
+                </a:solidFill>
+              </a:rPr>
+              <a:t>pygame</a:t>
+            </a:r>
+            <a:r>
+              <a:rPr lang="en-US" dirty="0">
+                <a:solidFill>
+                  <a:schemeClr val="tx1"/>
+                </a:solidFill>
+              </a:rPr>
+              <a:t>)</a:t>
+            </a:r>
+          </a:p>
+          <a:p>
+            <a:endParaRPr lang="en-US" dirty="0">
+              <a:solidFill>
+                <a:schemeClr val="tx1"/>
+              </a:solidFill>
+            </a:endParaRPr>
+          </a:p>
+        </p:txBody>
+      </p:sp>
+      <p:sp>
+        <p:nvSpPr>
+          <p:cNvPr id="12" name="Rectangle 1">
+            <a:extLst>
+              <a:ext uri="{FF2B5EF4-FFF2-40B4-BE49-F238E27FC236}">
+                <a16:creationId xmlns:a16="http://schemas.microsoft.com/office/drawing/2014/main" id="{EB7330E4-DB5C-7EDB-0F3D-6D9FCAFC6EC6}"/>
+              </a:ext>
+            </a:extLst>
+          </p:cNvPr>
+          <p:cNvSpPr>
+            <a:spLocks noChangeArrowheads="1"/>
+          </p:cNvSpPr>
+          <p:nvPr/>
+        </p:nvSpPr>
+        <p:spPr bwMode="auto">
+          <a:xfrm>
+            <a:off x="0" y="0"/>
+            <a:ext cx="9144000" cy="457200"/>
+          </a:xfrm>
+          <a:prstGeom prst="rect">
+            <a:avLst/>
+          </a:prstGeom>
+          <a:noFill/>
+          <a:ln>
+            <a:noFill/>
+          </a:ln>
+          <a:effectLst/>
+          <a:extLst>
+            <a:ext uri="{909E8E84-426E-40DD-AFC4-6F175D3DCCD1}">
+              <a14:hiddenFill xmlns:a14="http://schemas.microsoft.com/office/drawing/2010/main">
+                <a:solidFill>
+                  <a:schemeClr val="accent1"/>
+                </a:solidFill>
+              </a14:hiddenFill>
+            </a:ext>
+            <a:ext uri="{91240B29-F687-4F45-9708-019B960494DF}">
+              <a14:hiddenLine xmlns:a14="http://schemas.microsoft.com/office/drawing/2010/main" w="9525">
+                <a:solidFill>
+                  <a:schemeClr val="tx1"/>
+                </a:solidFill>
+                <a:miter lim="800000"/>
+                <a:headEnd/>
+                <a:tailEnd/>
+              </a14:hiddenLine>
+            </a:ext>
+            <a:ext uri="{AF507438-7753-43E0-B8FC-AC1667EBCBE1}">
+              <a14:hiddenEffects xmlns:a14="http://schemas.microsoft.com/office/drawing/2010/main">
+                <a:effectLst>
+                  <a:outerShdw dist="35921" dir="2700000" algn="ctr" rotWithShape="0">
+                    <a:schemeClr val="bg2"/>
+                  </a:outerShdw>
+                </a:effectLst>
+              </a14:hiddenEffects>
+            </a:ext>
+          </a:extLst>
+        </p:spPr>
+        <p:txBody>
+          <a:bodyPr vert="horz" wrap="none" lIns="0" tIns="0" rIns="0" bIns="0" numCol="1" anchor="ctr" anchorCtr="0" compatLnSpc="1">
+            <a:prstTxWarp prst="textNoShape">
+              <a:avLst/>
+            </a:prstTxWarp>
+            <a:spAutoFit/>
+          </a:bodyPr>
+          <a:lstStyle/>
+          <a:p>
+            <a:pPr marL="0" marR="0" lvl="0" indent="0" algn="l" defTabSz="914400" rtl="0" eaLnBrk="0" fontAlgn="base" latinLnBrk="0" hangingPunct="0">
+              <a:lnSpc>
+                <a:spcPct val="100000"/>
+              </a:lnSpc>
+              <a:spcBef>
+                <a:spcPct val="0"/>
+              </a:spcBef>
+              <a:spcAft>
+                <a:spcPct val="0"/>
+              </a:spcAft>
+              <a:buClrTx/>
+              <a:buSzTx/>
+              <a:buFontTx/>
+              <a:buNone/>
+              <a:tabLst/>
+            </a:pPr>
+            <a:r>
+              <a:rPr kumimoji="0" lang="en-US" altLang="en-US" sz="1000" b="0" i="0" u="none" strike="noStrike" cap="none" normalizeH="0" baseline="0">
+                <a:ln>
+                  <a:noFill/>
+                </a:ln>
+                <a:solidFill>
+                  <a:srgbClr val="0C0D0E"/>
+                </a:solidFill>
+                <a:effectLst/>
+                <a:latin typeface="var(--ff-mono)"/>
+              </a:rPr>
+              <a:t>git config --global http.sslbackend schannel</a:t>
+            </a:r>
+            <a:r>
+              <a:rPr kumimoji="0" lang="en-US" altLang="en-US" sz="600" b="0" i="0" u="none" strike="noStrike" cap="none" normalizeH="0" baseline="0">
+                <a:ln>
+                  <a:noFill/>
+                </a:ln>
+                <a:solidFill>
+                  <a:schemeClr val="tx1"/>
+                </a:solidFill>
+                <a:effectLst/>
+              </a:rPr>
+              <a:t> </a:t>
+            </a:r>
+            <a:endParaRPr kumimoji="0" lang="en-US" altLang="en-US" sz="1800" b="0" i="0" u="none" strike="noStrike" cap="none" normalizeH="0" baseline="0">
+              <a:ln>
+                <a:noFill/>
+              </a:ln>
+              <a:solidFill>
+                <a:schemeClr val="tx1"/>
+              </a:solidFill>
+              <a:effectLst/>
+              <a:latin typeface="Arial" panose="020B0604020202020204" pitchFamily="34" charset="0"/>
+            </a:endParaRPr>
+          </a:p>
+        </p:txBody>
+      </p:sp>
+    </p:spTree>
+    <p:extLst>
+      <p:ext uri="{BB962C8B-B14F-4D97-AF65-F5344CB8AC3E}">
+        <p14:creationId xmlns:p14="http://schemas.microsoft.com/office/powerpoint/2010/main" val="4172226244"/>
+      </p:ext>
+    </p:extLst>
+  </p:cSld>
+  <p:clrMapOvr>
+    <a:masterClrMapping/>
+  </p:clrMapOvr>
+</p:sld>
+</file>
+
+<file path=ppt/slides/slide4.xml><?xml version="1.0" encoding="utf-8"?>
 <p:sld xmlns:a="http://schemas.openxmlformats.org/drawingml/2006/main" xmlns:r="http://schemas.openxmlformats.org/officeDocument/2006/relationships" xmlns:p="http://schemas.openxmlformats.org/presentationml/2006/main">
   <p:cSld>
     <p:spTree>
@@ -5099,7 +8701,7 @@
 </p:sld>
 </file>
 
-<file path=ppt/slides/slide3.xml><?xml version="1.0" encoding="utf-8"?>
+<file path=ppt/slides/slide5.xml><?xml version="1.0" encoding="utf-8"?>
 <p:sld xmlns:a="http://schemas.openxmlformats.org/drawingml/2006/main" xmlns:r="http://schemas.openxmlformats.org/officeDocument/2006/relationships" xmlns:p="http://schemas.openxmlformats.org/presentationml/2006/main">
   <p:cSld>
     <p:spTree>
@@ -5281,7 +8883,7 @@
 </p:sld>
 </file>
 
-<file path=ppt/slides/slide4.xml><?xml version="1.0" encoding="utf-8"?>
+<file path=ppt/slides/slide6.xml><?xml version="1.0" encoding="utf-8"?>
 <p:sld xmlns:a="http://schemas.openxmlformats.org/drawingml/2006/main" xmlns:r="http://schemas.openxmlformats.org/officeDocument/2006/relationships" xmlns:p="http://schemas.openxmlformats.org/presentationml/2006/main">
   <p:cSld>
     <p:spTree>
@@ -5492,7 +9094,7 @@
 </p:sld>
 </file>
 
-<file path=ppt/slides/slide5.xml><?xml version="1.0" encoding="utf-8"?>
+<file path=ppt/slides/slide7.xml><?xml version="1.0" encoding="utf-8"?>
 <p:sld xmlns:a="http://schemas.openxmlformats.org/drawingml/2006/main" xmlns:r="http://schemas.openxmlformats.org/officeDocument/2006/relationships" xmlns:p="http://schemas.openxmlformats.org/presentationml/2006/main">
   <p:cSld>
     <p:spTree>
@@ -5723,7 +9325,7 @@
 </p:sld>
 </file>
 
-<file path=ppt/slides/slide6.xml><?xml version="1.0" encoding="utf-8"?>
+<file path=ppt/slides/slide8.xml><?xml version="1.0" encoding="utf-8"?>
 <p:sld xmlns:a="http://schemas.openxmlformats.org/drawingml/2006/main" xmlns:r="http://schemas.openxmlformats.org/officeDocument/2006/relationships" xmlns:p="http://schemas.openxmlformats.org/presentationml/2006/main">
   <p:cSld>
     <p:spTree>
@@ -7527,7 +11129,7 @@
 </p:sld>
 </file>
 
-<file path=ppt/slides/slide7.xml><?xml version="1.0" encoding="utf-8"?>
+<file path=ppt/slides/slide9.xml><?xml version="1.0" encoding="utf-8"?>
 <p:sld xmlns:a="http://schemas.openxmlformats.org/drawingml/2006/main" xmlns:r="http://schemas.openxmlformats.org/officeDocument/2006/relationships" xmlns:p="http://schemas.openxmlformats.org/presentationml/2006/main">
   <p:cSld>
     <p:spTree>
@@ -9488,2271 +13090,6 @@
     <p:extLst>
       <p:ext uri="{BB962C8B-B14F-4D97-AF65-F5344CB8AC3E}">
         <p14:creationId xmlns:p14="http://schemas.microsoft.com/office/powerpoint/2010/main" val="223369907"/>
-      </p:ext>
-    </p:extLst>
-  </p:cSld>
-  <p:clrMapOvr>
-    <a:masterClrMapping/>
-  </p:clrMapOvr>
-</p:sld>
-</file>
-
-<file path=ppt/slides/slide8.xml><?xml version="1.0" encoding="utf-8"?>
-<p:sld xmlns:a="http://schemas.openxmlformats.org/drawingml/2006/main" xmlns:r="http://schemas.openxmlformats.org/officeDocument/2006/relationships" xmlns:p="http://schemas.openxmlformats.org/presentationml/2006/main">
-  <p:cSld>
-    <p:spTree>
-      <p:nvGrpSpPr>
-        <p:cNvPr id="1" name="Shape 876">
-          <a:extLst>
-            <a:ext uri="{FF2B5EF4-FFF2-40B4-BE49-F238E27FC236}">
-              <a16:creationId xmlns:a16="http://schemas.microsoft.com/office/drawing/2014/main" id="{59AA2DF2-86B2-E92B-1B14-DF2774F31DA9}"/>
-            </a:ext>
-          </a:extLst>
-        </p:cNvPr>
-        <p:cNvGrpSpPr/>
-        <p:nvPr/>
-      </p:nvGrpSpPr>
-      <p:grpSpPr>
-        <a:xfrm>
-          <a:off x="0" y="0"/>
-          <a:ext cx="0" cy="0"/>
-          <a:chOff x="0" y="0"/>
-          <a:chExt cx="0" cy="0"/>
-        </a:xfrm>
-      </p:grpSpPr>
-      <p:sp>
-        <p:nvSpPr>
-          <p:cNvPr id="877" name="Google Shape;877;p41">
-            <a:extLst>
-              <a:ext uri="{FF2B5EF4-FFF2-40B4-BE49-F238E27FC236}">
-                <a16:creationId xmlns:a16="http://schemas.microsoft.com/office/drawing/2014/main" id="{0BE75D26-21D0-F37D-CBE4-5E519EA261C2}"/>
-              </a:ext>
-            </a:extLst>
-          </p:cNvPr>
-          <p:cNvSpPr txBox="1">
-            <a:spLocks noGrp="1"/>
-          </p:cNvSpPr>
-          <p:nvPr>
-            <p:ph type="title"/>
-          </p:nvPr>
-        </p:nvSpPr>
-        <p:spPr>
-          <a:xfrm>
-            <a:off x="281335" y="383241"/>
-            <a:ext cx="7704000" cy="572700"/>
-          </a:xfrm>
-          <a:prstGeom prst="rect">
-            <a:avLst/>
-          </a:prstGeom>
-        </p:spPr>
-        <p:txBody>
-          <a:bodyPr spcFirstLastPara="1" wrap="square" lIns="91425" tIns="91425" rIns="91425" bIns="91425" anchor="t" anchorCtr="0">
-            <a:noAutofit/>
-          </a:bodyPr>
-          <a:lstStyle/>
-          <a:p>
-            <a:pPr marL="0" lvl="0" indent="0" rtl="0">
-              <a:spcBef>
-                <a:spcPts val="0"/>
-              </a:spcBef>
-              <a:spcAft>
-                <a:spcPts val="0"/>
-              </a:spcAft>
-              <a:buNone/>
-            </a:pPr>
-            <a:r>
-              <a:rPr lang="en-CA" sz="3200" dirty="0">
-                <a:solidFill>
-                  <a:schemeClr val="hlink"/>
-                </a:solidFill>
-                <a:uFill>
-                  <a:noFill/>
-                </a:uFill>
-                <a:latin typeface="Anton"/>
-                <a:ea typeface="Anton"/>
-                <a:cs typeface="Anton"/>
-                <a:sym typeface="Anton"/>
-              </a:rPr>
-              <a:t>#7 Coding Warm-Up: Inheriting a Class</a:t>
-            </a:r>
-            <a:endParaRPr lang="en-CA" sz="3200" dirty="0">
-              <a:solidFill>
-                <a:schemeClr val="dk1"/>
-              </a:solidFill>
-              <a:latin typeface="Anton"/>
-              <a:ea typeface="Anton"/>
-              <a:cs typeface="Anton"/>
-              <a:sym typeface="Anton"/>
-            </a:endParaRPr>
-          </a:p>
-        </p:txBody>
-      </p:sp>
-      <p:sp>
-        <p:nvSpPr>
-          <p:cNvPr id="4" name="TextBox 3">
-            <a:extLst>
-              <a:ext uri="{FF2B5EF4-FFF2-40B4-BE49-F238E27FC236}">
-                <a16:creationId xmlns:a16="http://schemas.microsoft.com/office/drawing/2014/main" id="{32A1448D-8968-AB9C-0965-EAE0EA4C9555}"/>
-              </a:ext>
-            </a:extLst>
-          </p:cNvPr>
-          <p:cNvSpPr txBox="1"/>
-          <p:nvPr/>
-        </p:nvSpPr>
-        <p:spPr>
-          <a:xfrm>
-            <a:off x="281334" y="1101336"/>
-            <a:ext cx="4111493" cy="2462213"/>
-          </a:xfrm>
-          <a:prstGeom prst="rect">
-            <a:avLst/>
-          </a:prstGeom>
-          <a:noFill/>
-        </p:spPr>
-        <p:txBody>
-          <a:bodyPr wrap="square">
-            <a:spAutoFit/>
-          </a:bodyPr>
-          <a:lstStyle/>
-          <a:p>
-            <a:r>
-              <a:rPr lang="en-US" b="0" dirty="0">
-                <a:solidFill>
-                  <a:srgbClr val="6A9955"/>
-                </a:solidFill>
-                <a:effectLst/>
-                <a:latin typeface="Consolas" panose="020B0609020204030204" pitchFamily="49" charset="0"/>
-              </a:rPr>
-              <a:t>#Q: Write a </a:t>
-            </a:r>
-            <a:r>
-              <a:rPr lang="en-US" dirty="0">
-                <a:solidFill>
-                  <a:srgbClr val="6A9955"/>
-                </a:solidFill>
-                <a:latin typeface="Consolas" panose="020B0609020204030204" pitchFamily="49" charset="0"/>
-              </a:rPr>
-              <a:t>python</a:t>
-            </a:r>
-            <a:r>
-              <a:rPr lang="en-US" b="0" dirty="0">
-                <a:solidFill>
-                  <a:srgbClr val="6A9955"/>
-                </a:solidFill>
-                <a:effectLst/>
-                <a:latin typeface="Consolas" panose="020B0609020204030204" pitchFamily="49" charset="0"/>
-              </a:rPr>
-              <a:t> program that </a:t>
-            </a:r>
-            <a:r>
-              <a:rPr lang="en-US" dirty="0">
-                <a:solidFill>
-                  <a:srgbClr val="6A9955"/>
-                </a:solidFill>
-                <a:latin typeface="Consolas" panose="020B0609020204030204" pitchFamily="49" charset="0"/>
-              </a:rPr>
-              <a:t>inherits from the ‘Student’ Class and adds a unique attribute or method.</a:t>
-            </a:r>
-          </a:p>
-          <a:p>
-            <a:endParaRPr lang="en-US" dirty="0">
-              <a:solidFill>
-                <a:srgbClr val="6A9955"/>
-              </a:solidFill>
-              <a:latin typeface="Consolas" panose="020B0609020204030204" pitchFamily="49" charset="0"/>
-            </a:endParaRPr>
-          </a:p>
-          <a:p>
-            <a:r>
-              <a:rPr lang="en-US" dirty="0">
-                <a:solidFill>
-                  <a:srgbClr val="6A9955"/>
-                </a:solidFill>
-                <a:latin typeface="Consolas" panose="020B0609020204030204" pitchFamily="49" charset="0"/>
-              </a:rPr>
-              <a:t>HINT: In our school database example,</a:t>
-            </a:r>
-          </a:p>
-          <a:p>
-            <a:r>
-              <a:rPr lang="en-US" dirty="0">
-                <a:solidFill>
-                  <a:srgbClr val="6A9955"/>
-                </a:solidFill>
-                <a:latin typeface="Consolas" panose="020B0609020204030204" pitchFamily="49" charset="0"/>
-              </a:rPr>
-              <a:t>This might be an Admin, Librarian, Bus Driver</a:t>
-            </a:r>
-          </a:p>
-          <a:p>
-            <a:endParaRPr lang="en-US" dirty="0">
-              <a:solidFill>
-                <a:srgbClr val="6A9955"/>
-              </a:solidFill>
-              <a:latin typeface="Consolas" panose="020B0609020204030204" pitchFamily="49" charset="0"/>
-            </a:endParaRPr>
-          </a:p>
-          <a:p>
-            <a:r>
-              <a:rPr lang="en-US" dirty="0">
-                <a:solidFill>
-                  <a:srgbClr val="6A9955"/>
-                </a:solidFill>
-                <a:latin typeface="Consolas" panose="020B0609020204030204" pitchFamily="49" charset="0"/>
-              </a:rPr>
-              <a:t>Bus Driver could have an attribute like ‘</a:t>
-            </a:r>
-            <a:r>
-              <a:rPr lang="en-US" dirty="0" err="1">
-                <a:solidFill>
-                  <a:srgbClr val="6A9955"/>
-                </a:solidFill>
-                <a:latin typeface="Consolas" panose="020B0609020204030204" pitchFamily="49" charset="0"/>
-              </a:rPr>
-              <a:t>bus_num</a:t>
-            </a:r>
-            <a:r>
-              <a:rPr lang="en-US" dirty="0">
-                <a:solidFill>
-                  <a:srgbClr val="6A9955"/>
-                </a:solidFill>
-                <a:latin typeface="Consolas" panose="020B0609020204030204" pitchFamily="49" charset="0"/>
-              </a:rPr>
-              <a:t>’</a:t>
-            </a:r>
-          </a:p>
-          <a:p>
-            <a:endParaRPr lang="en-US" b="0" dirty="0">
-              <a:solidFill>
-                <a:srgbClr val="6A9955"/>
-              </a:solidFill>
-              <a:effectLst/>
-              <a:latin typeface="Consolas" panose="020B0609020204030204" pitchFamily="49" charset="0"/>
-            </a:endParaRPr>
-          </a:p>
-        </p:txBody>
-      </p:sp>
-      <p:sp>
-        <p:nvSpPr>
-          <p:cNvPr id="6" name="TextBox 5">
-            <a:extLst>
-              <a:ext uri="{FF2B5EF4-FFF2-40B4-BE49-F238E27FC236}">
-                <a16:creationId xmlns:a16="http://schemas.microsoft.com/office/drawing/2014/main" id="{9CCBCADC-6D80-7DF3-B766-6CC83517046C}"/>
-              </a:ext>
-            </a:extLst>
-          </p:cNvPr>
-          <p:cNvSpPr txBox="1"/>
-          <p:nvPr/>
-        </p:nvSpPr>
-        <p:spPr>
-          <a:xfrm>
-            <a:off x="4250762" y="1113460"/>
-            <a:ext cx="5101667" cy="3554819"/>
-          </a:xfrm>
-          <a:prstGeom prst="rect">
-            <a:avLst/>
-          </a:prstGeom>
-          <a:noFill/>
-        </p:spPr>
-        <p:txBody>
-          <a:bodyPr wrap="square">
-            <a:spAutoFit/>
-          </a:bodyPr>
-          <a:lstStyle/>
-          <a:p>
-            <a:r>
-              <a:rPr lang="en-US" sz="900" b="0" dirty="0">
-                <a:solidFill>
-                  <a:srgbClr val="569CD6"/>
-                </a:solidFill>
-                <a:effectLst/>
-                <a:latin typeface="Consolas" panose="020B0609020204030204" pitchFamily="49" charset="0"/>
-              </a:rPr>
-              <a:t>class</a:t>
-            </a:r>
-            <a:r>
-              <a:rPr lang="en-US" sz="900" b="0" dirty="0">
-                <a:solidFill>
-                  <a:srgbClr val="CCCCCC"/>
-                </a:solidFill>
-                <a:effectLst/>
-                <a:latin typeface="Consolas" panose="020B0609020204030204" pitchFamily="49" charset="0"/>
-              </a:rPr>
-              <a:t> </a:t>
-            </a:r>
-            <a:r>
-              <a:rPr lang="en-US" sz="900" b="0" dirty="0">
-                <a:solidFill>
-                  <a:srgbClr val="4EC9B0"/>
-                </a:solidFill>
-                <a:effectLst/>
-                <a:latin typeface="Consolas" panose="020B0609020204030204" pitchFamily="49" charset="0"/>
-              </a:rPr>
-              <a:t>Student</a:t>
-            </a:r>
-            <a:r>
-              <a:rPr lang="en-US" sz="900" b="0" dirty="0">
-                <a:solidFill>
-                  <a:srgbClr val="CCCCCC"/>
-                </a:solidFill>
-                <a:effectLst/>
-                <a:latin typeface="Consolas" panose="020B0609020204030204" pitchFamily="49" charset="0"/>
-              </a:rPr>
-              <a:t>:</a:t>
-            </a:r>
-          </a:p>
-          <a:p>
-            <a:r>
-              <a:rPr lang="en-US" sz="900" b="0" dirty="0">
-                <a:solidFill>
-                  <a:srgbClr val="CCCCCC"/>
-                </a:solidFill>
-                <a:effectLst/>
-                <a:latin typeface="Consolas" panose="020B0609020204030204" pitchFamily="49" charset="0"/>
-              </a:rPr>
-              <a:t>    </a:t>
-            </a:r>
-            <a:r>
-              <a:rPr lang="en-US" sz="900" b="0" dirty="0">
-                <a:solidFill>
-                  <a:srgbClr val="6A9955"/>
-                </a:solidFill>
-                <a:effectLst/>
-                <a:latin typeface="Consolas" panose="020B0609020204030204" pitchFamily="49" charset="0"/>
-              </a:rPr>
-              <a:t>#Instance Variable</a:t>
-            </a:r>
-            <a:endParaRPr lang="en-US" sz="900" b="0" dirty="0">
-              <a:solidFill>
-                <a:srgbClr val="CCCCCC"/>
-              </a:solidFill>
-              <a:effectLst/>
-              <a:latin typeface="Consolas" panose="020B0609020204030204" pitchFamily="49" charset="0"/>
-            </a:endParaRPr>
-          </a:p>
-          <a:p>
-            <a:r>
-              <a:rPr lang="en-US" sz="900" b="0" dirty="0">
-                <a:solidFill>
-                  <a:srgbClr val="CCCCCC"/>
-                </a:solidFill>
-                <a:effectLst/>
-                <a:latin typeface="Consolas" panose="020B0609020204030204" pitchFamily="49" charset="0"/>
-              </a:rPr>
-              <a:t>    </a:t>
-            </a:r>
-            <a:r>
-              <a:rPr lang="en-US" sz="900" b="0" dirty="0" err="1">
-                <a:solidFill>
-                  <a:srgbClr val="9CDCFE"/>
-                </a:solidFill>
-                <a:effectLst/>
-                <a:latin typeface="Consolas" panose="020B0609020204030204" pitchFamily="49" charset="0"/>
-              </a:rPr>
-              <a:t>schoolName</a:t>
-            </a:r>
-            <a:r>
-              <a:rPr lang="en-US" sz="900" b="0" dirty="0">
-                <a:solidFill>
-                  <a:srgbClr val="CCCCCC"/>
-                </a:solidFill>
-                <a:effectLst/>
-                <a:latin typeface="Consolas" panose="020B0609020204030204" pitchFamily="49" charset="0"/>
-              </a:rPr>
-              <a:t> </a:t>
-            </a:r>
-            <a:r>
-              <a:rPr lang="en-US" sz="900" b="0" dirty="0">
-                <a:solidFill>
-                  <a:srgbClr val="D4D4D4"/>
-                </a:solidFill>
-                <a:effectLst/>
-                <a:latin typeface="Consolas" panose="020B0609020204030204" pitchFamily="49" charset="0"/>
-              </a:rPr>
-              <a:t>=</a:t>
-            </a:r>
-            <a:r>
-              <a:rPr lang="en-US" sz="900" b="0" dirty="0">
-                <a:solidFill>
-                  <a:srgbClr val="CCCCCC"/>
-                </a:solidFill>
-                <a:effectLst/>
-                <a:latin typeface="Consolas" panose="020B0609020204030204" pitchFamily="49" charset="0"/>
-              </a:rPr>
-              <a:t> </a:t>
-            </a:r>
-            <a:r>
-              <a:rPr lang="en-US" sz="900" b="0" dirty="0">
-                <a:solidFill>
-                  <a:srgbClr val="CE9178"/>
-                </a:solidFill>
-                <a:effectLst/>
-                <a:latin typeface="Consolas" panose="020B0609020204030204" pitchFamily="49" charset="0"/>
-              </a:rPr>
-              <a:t>"Leo Hayes High School"</a:t>
-            </a:r>
-            <a:endParaRPr lang="en-US" sz="900" b="0" dirty="0">
-              <a:solidFill>
-                <a:srgbClr val="CCCCCC"/>
-              </a:solidFill>
-              <a:effectLst/>
-              <a:latin typeface="Consolas" panose="020B0609020204030204" pitchFamily="49" charset="0"/>
-            </a:endParaRPr>
-          </a:p>
-          <a:p>
-            <a:r>
-              <a:rPr lang="en-US" sz="900" b="0" dirty="0">
-                <a:solidFill>
-                  <a:srgbClr val="CCCCCC"/>
-                </a:solidFill>
-                <a:effectLst/>
-                <a:latin typeface="Consolas" panose="020B0609020204030204" pitchFamily="49" charset="0"/>
-              </a:rPr>
-              <a:t>    </a:t>
-            </a:r>
-            <a:r>
-              <a:rPr lang="en-US" sz="900" b="0" dirty="0" err="1">
-                <a:solidFill>
-                  <a:srgbClr val="9CDCFE"/>
-                </a:solidFill>
-                <a:effectLst/>
-                <a:latin typeface="Consolas" panose="020B0609020204030204" pitchFamily="49" charset="0"/>
-              </a:rPr>
-              <a:t>numSchoolDays</a:t>
-            </a:r>
-            <a:r>
-              <a:rPr lang="en-US" sz="900" b="0" dirty="0">
-                <a:solidFill>
-                  <a:srgbClr val="CCCCCC"/>
-                </a:solidFill>
-                <a:effectLst/>
-                <a:latin typeface="Consolas" panose="020B0609020204030204" pitchFamily="49" charset="0"/>
-              </a:rPr>
-              <a:t> </a:t>
-            </a:r>
-            <a:r>
-              <a:rPr lang="en-US" sz="900" b="0" dirty="0">
-                <a:solidFill>
-                  <a:srgbClr val="D4D4D4"/>
-                </a:solidFill>
-                <a:effectLst/>
-                <a:latin typeface="Consolas" panose="020B0609020204030204" pitchFamily="49" charset="0"/>
-              </a:rPr>
-              <a:t>=</a:t>
-            </a:r>
-            <a:r>
-              <a:rPr lang="en-US" sz="900" b="0" dirty="0">
-                <a:solidFill>
-                  <a:srgbClr val="CCCCCC"/>
-                </a:solidFill>
-                <a:effectLst/>
-                <a:latin typeface="Consolas" panose="020B0609020204030204" pitchFamily="49" charset="0"/>
-              </a:rPr>
-              <a:t> </a:t>
-            </a:r>
-            <a:r>
-              <a:rPr lang="en-US" sz="900" b="0" dirty="0">
-                <a:solidFill>
-                  <a:srgbClr val="B5CEA8"/>
-                </a:solidFill>
-                <a:effectLst/>
-                <a:latin typeface="Consolas" panose="020B0609020204030204" pitchFamily="49" charset="0"/>
-              </a:rPr>
-              <a:t>216</a:t>
-            </a:r>
-            <a:endParaRPr lang="en-US" sz="900" b="0" dirty="0">
-              <a:solidFill>
-                <a:srgbClr val="CCCCCC"/>
-              </a:solidFill>
-              <a:effectLst/>
-              <a:latin typeface="Consolas" panose="020B0609020204030204" pitchFamily="49" charset="0"/>
-            </a:endParaRPr>
-          </a:p>
-          <a:p>
-            <a:br>
-              <a:rPr lang="en-US" sz="900" b="0" dirty="0">
-                <a:solidFill>
-                  <a:srgbClr val="CCCCCC"/>
-                </a:solidFill>
-                <a:effectLst/>
-                <a:latin typeface="Consolas" panose="020B0609020204030204" pitchFamily="49" charset="0"/>
-              </a:rPr>
-            </a:br>
-            <a:r>
-              <a:rPr lang="en-US" sz="900" b="0" dirty="0">
-                <a:solidFill>
-                  <a:srgbClr val="CCCCCC"/>
-                </a:solidFill>
-                <a:effectLst/>
-                <a:latin typeface="Consolas" panose="020B0609020204030204" pitchFamily="49" charset="0"/>
-              </a:rPr>
-              <a:t>    </a:t>
-            </a:r>
-            <a:r>
-              <a:rPr lang="en-US" sz="900" b="0" dirty="0">
-                <a:solidFill>
-                  <a:srgbClr val="569CD6"/>
-                </a:solidFill>
-                <a:effectLst/>
-                <a:latin typeface="Consolas" panose="020B0609020204030204" pitchFamily="49" charset="0"/>
-              </a:rPr>
-              <a:t>def</a:t>
-            </a:r>
-            <a:r>
-              <a:rPr lang="en-US" sz="900" b="0" dirty="0">
-                <a:solidFill>
-                  <a:srgbClr val="CCCCCC"/>
-                </a:solidFill>
-                <a:effectLst/>
-                <a:latin typeface="Consolas" panose="020B0609020204030204" pitchFamily="49" charset="0"/>
-              </a:rPr>
-              <a:t> </a:t>
-            </a:r>
-            <a:r>
-              <a:rPr lang="en-US" sz="900" b="0" dirty="0">
-                <a:solidFill>
-                  <a:srgbClr val="DCDCAA"/>
-                </a:solidFill>
-                <a:effectLst/>
-                <a:latin typeface="Consolas" panose="020B0609020204030204" pitchFamily="49" charset="0"/>
-              </a:rPr>
-              <a:t>__</a:t>
-            </a:r>
-            <a:r>
-              <a:rPr lang="en-US" sz="900" b="0" dirty="0" err="1">
-                <a:solidFill>
-                  <a:srgbClr val="DCDCAA"/>
-                </a:solidFill>
-                <a:effectLst/>
-                <a:latin typeface="Consolas" panose="020B0609020204030204" pitchFamily="49" charset="0"/>
-              </a:rPr>
-              <a:t>init</a:t>
-            </a:r>
-            <a:r>
-              <a:rPr lang="en-US" sz="900" b="0" dirty="0">
-                <a:solidFill>
-                  <a:srgbClr val="DCDCAA"/>
-                </a:solidFill>
-                <a:effectLst/>
-                <a:latin typeface="Consolas" panose="020B0609020204030204" pitchFamily="49" charset="0"/>
-              </a:rPr>
-              <a:t>__</a:t>
-            </a:r>
-            <a:r>
-              <a:rPr lang="en-US" sz="900" b="0" dirty="0">
-                <a:solidFill>
-                  <a:srgbClr val="CCCCCC"/>
-                </a:solidFill>
-                <a:effectLst/>
-                <a:latin typeface="Consolas" panose="020B0609020204030204" pitchFamily="49" charset="0"/>
-              </a:rPr>
-              <a:t>(</a:t>
-            </a:r>
-            <a:r>
-              <a:rPr lang="en-US" sz="900" b="0" dirty="0">
-                <a:solidFill>
-                  <a:srgbClr val="9CDCFE"/>
-                </a:solidFill>
-                <a:effectLst/>
-                <a:latin typeface="Consolas" panose="020B0609020204030204" pitchFamily="49" charset="0"/>
-              </a:rPr>
-              <a:t>self</a:t>
-            </a:r>
-            <a:r>
-              <a:rPr lang="en-US" sz="900" b="0" dirty="0">
-                <a:solidFill>
-                  <a:srgbClr val="CCCCCC"/>
-                </a:solidFill>
-                <a:effectLst/>
-                <a:latin typeface="Consolas" panose="020B0609020204030204" pitchFamily="49" charset="0"/>
-              </a:rPr>
-              <a:t>, </a:t>
-            </a:r>
-            <a:r>
-              <a:rPr lang="en-US" sz="900" b="0" dirty="0" err="1">
-                <a:solidFill>
-                  <a:srgbClr val="9CDCFE"/>
-                </a:solidFill>
-                <a:effectLst/>
-                <a:latin typeface="Consolas" panose="020B0609020204030204" pitchFamily="49" charset="0"/>
-              </a:rPr>
-              <a:t>first_name</a:t>
-            </a:r>
-            <a:r>
-              <a:rPr lang="en-US" sz="900" b="0" dirty="0">
-                <a:solidFill>
-                  <a:srgbClr val="CCCCCC"/>
-                </a:solidFill>
-                <a:effectLst/>
-                <a:latin typeface="Consolas" panose="020B0609020204030204" pitchFamily="49" charset="0"/>
-              </a:rPr>
-              <a:t>, </a:t>
-            </a:r>
-            <a:r>
-              <a:rPr lang="en-US" sz="900" b="0" dirty="0" err="1">
-                <a:solidFill>
-                  <a:srgbClr val="9CDCFE"/>
-                </a:solidFill>
-                <a:effectLst/>
-                <a:latin typeface="Consolas" panose="020B0609020204030204" pitchFamily="49" charset="0"/>
-              </a:rPr>
-              <a:t>last_name</a:t>
-            </a:r>
-            <a:r>
-              <a:rPr lang="en-US" sz="900" b="0" dirty="0">
-                <a:solidFill>
-                  <a:srgbClr val="CCCCCC"/>
-                </a:solidFill>
-                <a:effectLst/>
-                <a:latin typeface="Consolas" panose="020B0609020204030204" pitchFamily="49" charset="0"/>
-              </a:rPr>
-              <a:t>):</a:t>
-            </a:r>
-          </a:p>
-          <a:p>
-            <a:r>
-              <a:rPr lang="en-US" sz="900" b="0" dirty="0">
-                <a:solidFill>
-                  <a:srgbClr val="CCCCCC"/>
-                </a:solidFill>
-                <a:effectLst/>
-                <a:latin typeface="Consolas" panose="020B0609020204030204" pitchFamily="49" charset="0"/>
-              </a:rPr>
-              <a:t>        </a:t>
-            </a:r>
-            <a:r>
-              <a:rPr lang="en-US" sz="900" b="0" dirty="0" err="1">
-                <a:solidFill>
-                  <a:srgbClr val="9CDCFE"/>
-                </a:solidFill>
-                <a:effectLst/>
-                <a:latin typeface="Consolas" panose="020B0609020204030204" pitchFamily="49" charset="0"/>
-              </a:rPr>
-              <a:t>self</a:t>
-            </a:r>
-            <a:r>
-              <a:rPr lang="en-US" sz="900" b="0" dirty="0" err="1">
-                <a:solidFill>
-                  <a:srgbClr val="CCCCCC"/>
-                </a:solidFill>
-                <a:effectLst/>
-                <a:latin typeface="Consolas" panose="020B0609020204030204" pitchFamily="49" charset="0"/>
-              </a:rPr>
-              <a:t>.</a:t>
-            </a:r>
-            <a:r>
-              <a:rPr lang="en-US" sz="900" b="0" dirty="0" err="1">
-                <a:solidFill>
-                  <a:srgbClr val="9CDCFE"/>
-                </a:solidFill>
-                <a:effectLst/>
-                <a:latin typeface="Consolas" panose="020B0609020204030204" pitchFamily="49" charset="0"/>
-              </a:rPr>
-              <a:t>first_name</a:t>
-            </a:r>
-            <a:r>
-              <a:rPr lang="en-US" sz="900" b="0" dirty="0">
-                <a:solidFill>
-                  <a:srgbClr val="CCCCCC"/>
-                </a:solidFill>
-                <a:effectLst/>
-                <a:latin typeface="Consolas" panose="020B0609020204030204" pitchFamily="49" charset="0"/>
-              </a:rPr>
-              <a:t> </a:t>
-            </a:r>
-            <a:r>
-              <a:rPr lang="en-US" sz="900" b="0" dirty="0">
-                <a:solidFill>
-                  <a:srgbClr val="D4D4D4"/>
-                </a:solidFill>
-                <a:effectLst/>
-                <a:latin typeface="Consolas" panose="020B0609020204030204" pitchFamily="49" charset="0"/>
-              </a:rPr>
-              <a:t>=</a:t>
-            </a:r>
-            <a:r>
-              <a:rPr lang="en-US" sz="900" b="0" dirty="0">
-                <a:solidFill>
-                  <a:srgbClr val="CCCCCC"/>
-                </a:solidFill>
-                <a:effectLst/>
-                <a:latin typeface="Consolas" panose="020B0609020204030204" pitchFamily="49" charset="0"/>
-              </a:rPr>
-              <a:t> </a:t>
-            </a:r>
-            <a:r>
-              <a:rPr lang="en-US" sz="900" b="0" dirty="0" err="1">
-                <a:solidFill>
-                  <a:srgbClr val="9CDCFE"/>
-                </a:solidFill>
-                <a:effectLst/>
-                <a:latin typeface="Consolas" panose="020B0609020204030204" pitchFamily="49" charset="0"/>
-              </a:rPr>
-              <a:t>first_name</a:t>
-            </a:r>
-            <a:endParaRPr lang="en-US" sz="900" b="0" dirty="0">
-              <a:solidFill>
-                <a:srgbClr val="CCCCCC"/>
-              </a:solidFill>
-              <a:effectLst/>
-              <a:latin typeface="Consolas" panose="020B0609020204030204" pitchFamily="49" charset="0"/>
-            </a:endParaRPr>
-          </a:p>
-          <a:p>
-            <a:r>
-              <a:rPr lang="en-US" sz="900" b="0" dirty="0">
-                <a:solidFill>
-                  <a:srgbClr val="CCCCCC"/>
-                </a:solidFill>
-                <a:effectLst/>
-                <a:latin typeface="Consolas" panose="020B0609020204030204" pitchFamily="49" charset="0"/>
-              </a:rPr>
-              <a:t>        </a:t>
-            </a:r>
-            <a:r>
-              <a:rPr lang="en-US" sz="900" b="0" dirty="0" err="1">
-                <a:solidFill>
-                  <a:srgbClr val="9CDCFE"/>
-                </a:solidFill>
-                <a:effectLst/>
-                <a:latin typeface="Consolas" panose="020B0609020204030204" pitchFamily="49" charset="0"/>
-              </a:rPr>
-              <a:t>self</a:t>
-            </a:r>
-            <a:r>
-              <a:rPr lang="en-US" sz="900" b="0" dirty="0" err="1">
-                <a:solidFill>
-                  <a:srgbClr val="CCCCCC"/>
-                </a:solidFill>
-                <a:effectLst/>
-                <a:latin typeface="Consolas" panose="020B0609020204030204" pitchFamily="49" charset="0"/>
-              </a:rPr>
-              <a:t>.</a:t>
-            </a:r>
-            <a:r>
-              <a:rPr lang="en-US" sz="900" b="0" dirty="0" err="1">
-                <a:solidFill>
-                  <a:srgbClr val="9CDCFE"/>
-                </a:solidFill>
-                <a:effectLst/>
-                <a:latin typeface="Consolas" panose="020B0609020204030204" pitchFamily="49" charset="0"/>
-              </a:rPr>
-              <a:t>last_name</a:t>
-            </a:r>
-            <a:r>
-              <a:rPr lang="en-US" sz="900" b="0" dirty="0">
-                <a:solidFill>
-                  <a:srgbClr val="CCCCCC"/>
-                </a:solidFill>
-                <a:effectLst/>
-                <a:latin typeface="Consolas" panose="020B0609020204030204" pitchFamily="49" charset="0"/>
-              </a:rPr>
-              <a:t> </a:t>
-            </a:r>
-            <a:r>
-              <a:rPr lang="en-US" sz="900" b="0" dirty="0">
-                <a:solidFill>
-                  <a:srgbClr val="D4D4D4"/>
-                </a:solidFill>
-                <a:effectLst/>
-                <a:latin typeface="Consolas" panose="020B0609020204030204" pitchFamily="49" charset="0"/>
-              </a:rPr>
-              <a:t>=</a:t>
-            </a:r>
-            <a:r>
-              <a:rPr lang="en-US" sz="900" b="0" dirty="0">
-                <a:solidFill>
-                  <a:srgbClr val="CCCCCC"/>
-                </a:solidFill>
-                <a:effectLst/>
-                <a:latin typeface="Consolas" panose="020B0609020204030204" pitchFamily="49" charset="0"/>
-              </a:rPr>
-              <a:t> </a:t>
-            </a:r>
-            <a:r>
-              <a:rPr lang="en-US" sz="900" b="0" dirty="0" err="1">
-                <a:solidFill>
-                  <a:srgbClr val="9CDCFE"/>
-                </a:solidFill>
-                <a:effectLst/>
-                <a:latin typeface="Consolas" panose="020B0609020204030204" pitchFamily="49" charset="0"/>
-              </a:rPr>
-              <a:t>last_name</a:t>
-            </a:r>
-            <a:endParaRPr lang="en-US" sz="900" b="0" dirty="0">
-              <a:solidFill>
-                <a:srgbClr val="CCCCCC"/>
-              </a:solidFill>
-              <a:effectLst/>
-              <a:latin typeface="Consolas" panose="020B0609020204030204" pitchFamily="49" charset="0"/>
-            </a:endParaRPr>
-          </a:p>
-          <a:p>
-            <a:r>
-              <a:rPr lang="en-US" sz="900" b="0" dirty="0">
-                <a:solidFill>
-                  <a:srgbClr val="CCCCCC"/>
-                </a:solidFill>
-                <a:effectLst/>
-                <a:latin typeface="Consolas" panose="020B0609020204030204" pitchFamily="49" charset="0"/>
-              </a:rPr>
-              <a:t>        </a:t>
-            </a:r>
-            <a:r>
-              <a:rPr lang="en-US" sz="900" b="0" dirty="0" err="1">
-                <a:solidFill>
-                  <a:srgbClr val="9CDCFE"/>
-                </a:solidFill>
-                <a:effectLst/>
-                <a:latin typeface="Consolas" panose="020B0609020204030204" pitchFamily="49" charset="0"/>
-              </a:rPr>
-              <a:t>self</a:t>
-            </a:r>
-            <a:r>
-              <a:rPr lang="en-US" sz="900" b="0" dirty="0" err="1">
-                <a:solidFill>
-                  <a:srgbClr val="CCCCCC"/>
-                </a:solidFill>
-                <a:effectLst/>
-                <a:latin typeface="Consolas" panose="020B0609020204030204" pitchFamily="49" charset="0"/>
-              </a:rPr>
-              <a:t>.</a:t>
-            </a:r>
-            <a:r>
-              <a:rPr lang="en-US" sz="900" b="0" dirty="0" err="1">
-                <a:solidFill>
-                  <a:srgbClr val="9CDCFE"/>
-                </a:solidFill>
-                <a:effectLst/>
-                <a:latin typeface="Consolas" panose="020B0609020204030204" pitchFamily="49" charset="0"/>
-              </a:rPr>
-              <a:t>email</a:t>
-            </a:r>
-            <a:r>
-              <a:rPr lang="en-US" sz="900" b="0" dirty="0">
-                <a:solidFill>
-                  <a:srgbClr val="CCCCCC"/>
-                </a:solidFill>
-                <a:effectLst/>
-                <a:latin typeface="Consolas" panose="020B0609020204030204" pitchFamily="49" charset="0"/>
-              </a:rPr>
-              <a:t> </a:t>
-            </a:r>
-            <a:r>
-              <a:rPr lang="en-US" sz="900" b="0" dirty="0">
-                <a:solidFill>
-                  <a:srgbClr val="D4D4D4"/>
-                </a:solidFill>
-                <a:effectLst/>
-                <a:latin typeface="Consolas" panose="020B0609020204030204" pitchFamily="49" charset="0"/>
-              </a:rPr>
-              <a:t>=</a:t>
-            </a:r>
-            <a:r>
-              <a:rPr lang="en-US" sz="900" b="0" dirty="0">
-                <a:solidFill>
-                  <a:srgbClr val="CCCCCC"/>
-                </a:solidFill>
-                <a:effectLst/>
-                <a:latin typeface="Consolas" panose="020B0609020204030204" pitchFamily="49" charset="0"/>
-              </a:rPr>
-              <a:t> </a:t>
-            </a:r>
-            <a:r>
-              <a:rPr lang="en-US" sz="900" b="0" dirty="0" err="1">
-                <a:solidFill>
-                  <a:srgbClr val="9CDCFE"/>
-                </a:solidFill>
-                <a:effectLst/>
-                <a:latin typeface="Consolas" panose="020B0609020204030204" pitchFamily="49" charset="0"/>
-              </a:rPr>
-              <a:t>first_name</a:t>
-            </a:r>
-            <a:r>
-              <a:rPr lang="en-US" sz="900" b="0" dirty="0">
-                <a:solidFill>
-                  <a:srgbClr val="CCCCCC"/>
-                </a:solidFill>
-                <a:effectLst/>
-                <a:latin typeface="Consolas" panose="020B0609020204030204" pitchFamily="49" charset="0"/>
-              </a:rPr>
-              <a:t> </a:t>
-            </a:r>
-            <a:r>
-              <a:rPr lang="en-US" sz="900" b="0" dirty="0">
-                <a:solidFill>
-                  <a:srgbClr val="D4D4D4"/>
-                </a:solidFill>
-                <a:effectLst/>
-                <a:latin typeface="Consolas" panose="020B0609020204030204" pitchFamily="49" charset="0"/>
-              </a:rPr>
-              <a:t>+</a:t>
-            </a:r>
-            <a:r>
-              <a:rPr lang="en-US" sz="900" b="0" dirty="0">
-                <a:solidFill>
-                  <a:srgbClr val="CCCCCC"/>
-                </a:solidFill>
-                <a:effectLst/>
-                <a:latin typeface="Consolas" panose="020B0609020204030204" pitchFamily="49" charset="0"/>
-              </a:rPr>
-              <a:t> </a:t>
-            </a:r>
-            <a:r>
-              <a:rPr lang="en-US" sz="900" b="0" dirty="0">
-                <a:solidFill>
-                  <a:srgbClr val="CE9178"/>
-                </a:solidFill>
-                <a:effectLst/>
-                <a:latin typeface="Consolas" panose="020B0609020204030204" pitchFamily="49" charset="0"/>
-              </a:rPr>
-              <a:t>"."</a:t>
-            </a:r>
-            <a:r>
-              <a:rPr lang="en-US" sz="900" b="0" dirty="0">
-                <a:solidFill>
-                  <a:srgbClr val="CCCCCC"/>
-                </a:solidFill>
-                <a:effectLst/>
-                <a:latin typeface="Consolas" panose="020B0609020204030204" pitchFamily="49" charset="0"/>
-              </a:rPr>
-              <a:t> </a:t>
-            </a:r>
-            <a:r>
-              <a:rPr lang="en-US" sz="900" b="0" dirty="0">
-                <a:solidFill>
-                  <a:srgbClr val="D4D4D4"/>
-                </a:solidFill>
-                <a:effectLst/>
-                <a:latin typeface="Consolas" panose="020B0609020204030204" pitchFamily="49" charset="0"/>
-              </a:rPr>
-              <a:t>+</a:t>
-            </a:r>
-            <a:r>
-              <a:rPr lang="en-US" sz="900" b="0" dirty="0">
-                <a:solidFill>
-                  <a:srgbClr val="CCCCCC"/>
-                </a:solidFill>
-                <a:effectLst/>
-                <a:latin typeface="Consolas" panose="020B0609020204030204" pitchFamily="49" charset="0"/>
-              </a:rPr>
-              <a:t> </a:t>
-            </a:r>
-            <a:r>
-              <a:rPr lang="en-US" sz="900" b="0" dirty="0" err="1">
-                <a:solidFill>
-                  <a:srgbClr val="9CDCFE"/>
-                </a:solidFill>
-                <a:effectLst/>
-                <a:latin typeface="Consolas" panose="020B0609020204030204" pitchFamily="49" charset="0"/>
-              </a:rPr>
-              <a:t>last_name</a:t>
-            </a:r>
-            <a:r>
-              <a:rPr lang="en-US" sz="900" b="0" dirty="0">
-                <a:solidFill>
-                  <a:srgbClr val="CCCCCC"/>
-                </a:solidFill>
-                <a:effectLst/>
-                <a:latin typeface="Consolas" panose="020B0609020204030204" pitchFamily="49" charset="0"/>
-              </a:rPr>
-              <a:t> </a:t>
-            </a:r>
-            <a:r>
-              <a:rPr lang="en-US" sz="900" b="0" dirty="0">
-                <a:solidFill>
-                  <a:srgbClr val="D4D4D4"/>
-                </a:solidFill>
-                <a:effectLst/>
-                <a:latin typeface="Consolas" panose="020B0609020204030204" pitchFamily="49" charset="0"/>
-              </a:rPr>
-              <a:t>+</a:t>
-            </a:r>
-            <a:r>
-              <a:rPr lang="en-US" sz="900" b="0" dirty="0">
-                <a:solidFill>
-                  <a:srgbClr val="CCCCCC"/>
-                </a:solidFill>
-                <a:effectLst/>
-                <a:latin typeface="Consolas" panose="020B0609020204030204" pitchFamily="49" charset="0"/>
-              </a:rPr>
-              <a:t> </a:t>
-            </a:r>
-            <a:r>
-              <a:rPr lang="en-US" sz="900" b="0" dirty="0">
-                <a:solidFill>
-                  <a:srgbClr val="CE9178"/>
-                </a:solidFill>
-                <a:effectLst/>
-                <a:latin typeface="Consolas" panose="020B0609020204030204" pitchFamily="49" charset="0"/>
-              </a:rPr>
-              <a:t>"@school-email.com"</a:t>
-            </a:r>
-            <a:r>
-              <a:rPr lang="en-US" sz="900" b="0" dirty="0">
-                <a:solidFill>
-                  <a:srgbClr val="CCCCCC"/>
-                </a:solidFill>
-                <a:effectLst/>
-                <a:latin typeface="Consolas" panose="020B0609020204030204" pitchFamily="49" charset="0"/>
-              </a:rPr>
-              <a:t>   </a:t>
-            </a:r>
-          </a:p>
-          <a:p>
-            <a:br>
-              <a:rPr lang="en-US" sz="900" b="0" dirty="0">
-                <a:solidFill>
-                  <a:srgbClr val="CCCCCC"/>
-                </a:solidFill>
-                <a:effectLst/>
-                <a:latin typeface="Consolas" panose="020B0609020204030204" pitchFamily="49" charset="0"/>
-              </a:rPr>
-            </a:br>
-            <a:r>
-              <a:rPr lang="en-US" sz="900" b="0" dirty="0">
-                <a:solidFill>
-                  <a:srgbClr val="CCCCCC"/>
-                </a:solidFill>
-                <a:effectLst/>
-                <a:latin typeface="Consolas" panose="020B0609020204030204" pitchFamily="49" charset="0"/>
-              </a:rPr>
-              <a:t>    </a:t>
-            </a:r>
-            <a:r>
-              <a:rPr lang="en-US" sz="900" b="0" dirty="0">
-                <a:solidFill>
-                  <a:srgbClr val="569CD6"/>
-                </a:solidFill>
-                <a:effectLst/>
-                <a:latin typeface="Consolas" panose="020B0609020204030204" pitchFamily="49" charset="0"/>
-              </a:rPr>
-              <a:t>def</a:t>
-            </a:r>
-            <a:r>
-              <a:rPr lang="en-US" sz="900" b="0" dirty="0">
-                <a:solidFill>
-                  <a:srgbClr val="CCCCCC"/>
-                </a:solidFill>
-                <a:effectLst/>
-                <a:latin typeface="Consolas" panose="020B0609020204030204" pitchFamily="49" charset="0"/>
-              </a:rPr>
-              <a:t> </a:t>
-            </a:r>
-            <a:r>
-              <a:rPr lang="en-US" sz="900" b="0" dirty="0" err="1">
-                <a:solidFill>
-                  <a:srgbClr val="DCDCAA"/>
-                </a:solidFill>
-                <a:effectLst/>
-                <a:latin typeface="Consolas" panose="020B0609020204030204" pitchFamily="49" charset="0"/>
-              </a:rPr>
-              <a:t>full_name</a:t>
-            </a:r>
-            <a:r>
-              <a:rPr lang="en-US" sz="900" b="0" dirty="0">
-                <a:solidFill>
-                  <a:srgbClr val="CCCCCC"/>
-                </a:solidFill>
-                <a:effectLst/>
-                <a:latin typeface="Consolas" panose="020B0609020204030204" pitchFamily="49" charset="0"/>
-              </a:rPr>
-              <a:t>(</a:t>
-            </a:r>
-            <a:r>
-              <a:rPr lang="en-US" sz="900" b="0" dirty="0">
-                <a:solidFill>
-                  <a:srgbClr val="9CDCFE"/>
-                </a:solidFill>
-                <a:effectLst/>
-                <a:latin typeface="Consolas" panose="020B0609020204030204" pitchFamily="49" charset="0"/>
-              </a:rPr>
-              <a:t>self</a:t>
-            </a:r>
-            <a:r>
-              <a:rPr lang="en-US" sz="900" b="0" dirty="0">
-                <a:solidFill>
-                  <a:srgbClr val="CCCCCC"/>
-                </a:solidFill>
-                <a:effectLst/>
-                <a:latin typeface="Consolas" panose="020B0609020204030204" pitchFamily="49" charset="0"/>
-              </a:rPr>
-              <a:t>):</a:t>
-            </a:r>
-          </a:p>
-          <a:p>
-            <a:r>
-              <a:rPr lang="en-US" sz="900" b="0" dirty="0">
-                <a:solidFill>
-                  <a:srgbClr val="CCCCCC"/>
-                </a:solidFill>
-                <a:effectLst/>
-                <a:latin typeface="Consolas" panose="020B0609020204030204" pitchFamily="49" charset="0"/>
-              </a:rPr>
-              <a:t>        </a:t>
-            </a:r>
-            <a:r>
-              <a:rPr lang="en-US" sz="900" b="0" dirty="0">
-                <a:solidFill>
-                  <a:srgbClr val="C586C0"/>
-                </a:solidFill>
-                <a:effectLst/>
-                <a:latin typeface="Consolas" panose="020B0609020204030204" pitchFamily="49" charset="0"/>
-              </a:rPr>
-              <a:t>return</a:t>
-            </a:r>
-            <a:r>
-              <a:rPr lang="en-US" sz="900" b="0" dirty="0">
-                <a:solidFill>
-                  <a:srgbClr val="CCCCCC"/>
-                </a:solidFill>
-                <a:effectLst/>
-                <a:latin typeface="Consolas" panose="020B0609020204030204" pitchFamily="49" charset="0"/>
-              </a:rPr>
-              <a:t> </a:t>
-            </a:r>
-            <a:r>
-              <a:rPr lang="en-US" sz="900" b="0" dirty="0" err="1">
-                <a:solidFill>
-                  <a:srgbClr val="9CDCFE"/>
-                </a:solidFill>
-                <a:effectLst/>
-                <a:latin typeface="Consolas" panose="020B0609020204030204" pitchFamily="49" charset="0"/>
-              </a:rPr>
-              <a:t>self</a:t>
-            </a:r>
-            <a:r>
-              <a:rPr lang="en-US" sz="900" b="0" dirty="0" err="1">
-                <a:solidFill>
-                  <a:srgbClr val="CCCCCC"/>
-                </a:solidFill>
-                <a:effectLst/>
-                <a:latin typeface="Consolas" panose="020B0609020204030204" pitchFamily="49" charset="0"/>
-              </a:rPr>
-              <a:t>.</a:t>
-            </a:r>
-            <a:r>
-              <a:rPr lang="en-US" sz="900" b="0" dirty="0" err="1">
-                <a:solidFill>
-                  <a:srgbClr val="9CDCFE"/>
-                </a:solidFill>
-                <a:effectLst/>
-                <a:latin typeface="Consolas" panose="020B0609020204030204" pitchFamily="49" charset="0"/>
-              </a:rPr>
-              <a:t>first_name</a:t>
-            </a:r>
-            <a:r>
-              <a:rPr lang="en-US" sz="900" b="0" dirty="0">
-                <a:solidFill>
-                  <a:srgbClr val="CCCCCC"/>
-                </a:solidFill>
-                <a:effectLst/>
-                <a:latin typeface="Consolas" panose="020B0609020204030204" pitchFamily="49" charset="0"/>
-              </a:rPr>
-              <a:t> </a:t>
-            </a:r>
-            <a:r>
-              <a:rPr lang="en-US" sz="900" b="0" dirty="0">
-                <a:solidFill>
-                  <a:srgbClr val="D4D4D4"/>
-                </a:solidFill>
-                <a:effectLst/>
-                <a:latin typeface="Consolas" panose="020B0609020204030204" pitchFamily="49" charset="0"/>
-              </a:rPr>
-              <a:t>+</a:t>
-            </a:r>
-            <a:r>
-              <a:rPr lang="en-US" sz="900" b="0" dirty="0">
-                <a:solidFill>
-                  <a:srgbClr val="CCCCCC"/>
-                </a:solidFill>
-                <a:effectLst/>
-                <a:latin typeface="Consolas" panose="020B0609020204030204" pitchFamily="49" charset="0"/>
-              </a:rPr>
-              <a:t> </a:t>
-            </a:r>
-            <a:r>
-              <a:rPr lang="en-US" sz="900" b="0" dirty="0">
-                <a:solidFill>
-                  <a:srgbClr val="CE9178"/>
-                </a:solidFill>
-                <a:effectLst/>
-                <a:latin typeface="Consolas" panose="020B0609020204030204" pitchFamily="49" charset="0"/>
-              </a:rPr>
-              <a:t>" "</a:t>
-            </a:r>
-            <a:r>
-              <a:rPr lang="en-US" sz="900" b="0" dirty="0">
-                <a:solidFill>
-                  <a:srgbClr val="CCCCCC"/>
-                </a:solidFill>
-                <a:effectLst/>
-                <a:latin typeface="Consolas" panose="020B0609020204030204" pitchFamily="49" charset="0"/>
-              </a:rPr>
-              <a:t> </a:t>
-            </a:r>
-            <a:r>
-              <a:rPr lang="en-US" sz="900" b="0" dirty="0">
-                <a:solidFill>
-                  <a:srgbClr val="D4D4D4"/>
-                </a:solidFill>
-                <a:effectLst/>
-                <a:latin typeface="Consolas" panose="020B0609020204030204" pitchFamily="49" charset="0"/>
-              </a:rPr>
-              <a:t>+</a:t>
-            </a:r>
-            <a:r>
-              <a:rPr lang="en-US" sz="900" b="0" dirty="0">
-                <a:solidFill>
-                  <a:srgbClr val="CCCCCC"/>
-                </a:solidFill>
-                <a:effectLst/>
-                <a:latin typeface="Consolas" panose="020B0609020204030204" pitchFamily="49" charset="0"/>
-              </a:rPr>
-              <a:t> </a:t>
-            </a:r>
-            <a:r>
-              <a:rPr lang="en-US" sz="900" b="0" dirty="0" err="1">
-                <a:solidFill>
-                  <a:srgbClr val="9CDCFE"/>
-                </a:solidFill>
-                <a:effectLst/>
-                <a:latin typeface="Consolas" panose="020B0609020204030204" pitchFamily="49" charset="0"/>
-              </a:rPr>
-              <a:t>self</a:t>
-            </a:r>
-            <a:r>
-              <a:rPr lang="en-US" sz="900" b="0" dirty="0" err="1">
-                <a:solidFill>
-                  <a:srgbClr val="CCCCCC"/>
-                </a:solidFill>
-                <a:effectLst/>
-                <a:latin typeface="Consolas" panose="020B0609020204030204" pitchFamily="49" charset="0"/>
-              </a:rPr>
-              <a:t>.</a:t>
-            </a:r>
-            <a:r>
-              <a:rPr lang="en-US" sz="900" b="0" dirty="0" err="1">
-                <a:solidFill>
-                  <a:srgbClr val="9CDCFE"/>
-                </a:solidFill>
-                <a:effectLst/>
-                <a:latin typeface="Consolas" panose="020B0609020204030204" pitchFamily="49" charset="0"/>
-              </a:rPr>
-              <a:t>last_name</a:t>
-            </a:r>
-            <a:endParaRPr lang="en-US" sz="900" b="0" dirty="0">
-              <a:solidFill>
-                <a:srgbClr val="CCCCCC"/>
-              </a:solidFill>
-              <a:effectLst/>
-              <a:latin typeface="Consolas" panose="020B0609020204030204" pitchFamily="49" charset="0"/>
-            </a:endParaRPr>
-          </a:p>
-          <a:p>
-            <a:r>
-              <a:rPr lang="en-US" sz="900" b="0" dirty="0">
-                <a:solidFill>
-                  <a:srgbClr val="CCCCCC"/>
-                </a:solidFill>
-                <a:effectLst/>
-                <a:latin typeface="Consolas" panose="020B0609020204030204" pitchFamily="49" charset="0"/>
-              </a:rPr>
-              <a:t>    </a:t>
-            </a:r>
-          </a:p>
-          <a:p>
-            <a:r>
-              <a:rPr lang="en-US" sz="900" dirty="0">
-                <a:solidFill>
-                  <a:srgbClr val="CCCCCC"/>
-                </a:solidFill>
-                <a:latin typeface="Consolas" panose="020B0609020204030204" pitchFamily="49" charset="0"/>
-              </a:rPr>
-              <a:t>    </a:t>
-            </a:r>
-            <a:r>
-              <a:rPr lang="en-US" sz="900" b="0" dirty="0">
-                <a:solidFill>
-                  <a:srgbClr val="6A9955"/>
-                </a:solidFill>
-                <a:effectLst/>
-                <a:latin typeface="Consolas" panose="020B0609020204030204" pitchFamily="49" charset="0"/>
-              </a:rPr>
-              <a:t>#Static Method, doesn't depend class or instance variables</a:t>
-            </a:r>
-            <a:br>
-              <a:rPr lang="en-US" sz="900" b="0" dirty="0">
-                <a:solidFill>
-                  <a:srgbClr val="CCCCCC"/>
-                </a:solidFill>
-                <a:effectLst/>
-                <a:latin typeface="Consolas" panose="020B0609020204030204" pitchFamily="49" charset="0"/>
-              </a:rPr>
-            </a:br>
-            <a:r>
-              <a:rPr lang="en-US" sz="900" b="0" dirty="0">
-                <a:solidFill>
-                  <a:srgbClr val="CCCCCC"/>
-                </a:solidFill>
-                <a:effectLst/>
-                <a:latin typeface="Consolas" panose="020B0609020204030204" pitchFamily="49" charset="0"/>
-              </a:rPr>
-              <a:t>    </a:t>
-            </a:r>
-            <a:r>
-              <a:rPr lang="en-US" sz="900" b="0" dirty="0">
-                <a:solidFill>
-                  <a:srgbClr val="DCDCAA"/>
-                </a:solidFill>
-                <a:effectLst/>
-                <a:latin typeface="Consolas" panose="020B0609020204030204" pitchFamily="49" charset="0"/>
-              </a:rPr>
-              <a:t>@</a:t>
-            </a:r>
-            <a:r>
-              <a:rPr lang="en-US" sz="900" b="0" dirty="0">
-                <a:solidFill>
-                  <a:srgbClr val="4EC9B0"/>
-                </a:solidFill>
-                <a:effectLst/>
-                <a:latin typeface="Consolas" panose="020B0609020204030204" pitchFamily="49" charset="0"/>
-              </a:rPr>
-              <a:t>staticmethod</a:t>
-            </a:r>
-            <a:r>
-              <a:rPr lang="en-US" sz="900" b="0" dirty="0">
-                <a:solidFill>
-                  <a:srgbClr val="CCCCCC"/>
-                </a:solidFill>
-                <a:effectLst/>
-                <a:latin typeface="Consolas" panose="020B0609020204030204" pitchFamily="49" charset="0"/>
-              </a:rPr>
-              <a:t>    </a:t>
-            </a:r>
-          </a:p>
-          <a:p>
-            <a:r>
-              <a:rPr lang="en-US" sz="900" b="0" dirty="0">
-                <a:solidFill>
-                  <a:srgbClr val="CCCCCC"/>
-                </a:solidFill>
-                <a:effectLst/>
-                <a:latin typeface="Consolas" panose="020B0609020204030204" pitchFamily="49" charset="0"/>
-              </a:rPr>
-              <a:t>    </a:t>
-            </a:r>
-            <a:r>
-              <a:rPr lang="en-US" sz="900" b="0" dirty="0">
-                <a:solidFill>
-                  <a:srgbClr val="569CD6"/>
-                </a:solidFill>
-                <a:effectLst/>
-                <a:latin typeface="Consolas" panose="020B0609020204030204" pitchFamily="49" charset="0"/>
-              </a:rPr>
-              <a:t>def</a:t>
-            </a:r>
-            <a:r>
-              <a:rPr lang="en-US" sz="900" b="0" dirty="0">
-                <a:solidFill>
-                  <a:srgbClr val="CCCCCC"/>
-                </a:solidFill>
-                <a:effectLst/>
-                <a:latin typeface="Consolas" panose="020B0609020204030204" pitchFamily="49" charset="0"/>
-              </a:rPr>
-              <a:t> </a:t>
-            </a:r>
-            <a:r>
-              <a:rPr lang="en-US" sz="900" b="0" dirty="0" err="1">
-                <a:solidFill>
-                  <a:srgbClr val="DCDCAA"/>
-                </a:solidFill>
-                <a:effectLst/>
-                <a:latin typeface="Consolas" panose="020B0609020204030204" pitchFamily="49" charset="0"/>
-              </a:rPr>
-              <a:t>is_schoolDay</a:t>
-            </a:r>
-            <a:r>
-              <a:rPr lang="en-US" sz="900" b="0" dirty="0">
-                <a:solidFill>
-                  <a:srgbClr val="CCCCCC"/>
-                </a:solidFill>
-                <a:effectLst/>
-                <a:latin typeface="Consolas" panose="020B0609020204030204" pitchFamily="49" charset="0"/>
-              </a:rPr>
-              <a:t>(</a:t>
-            </a:r>
-            <a:r>
-              <a:rPr lang="en-US" sz="900" b="0" dirty="0">
-                <a:solidFill>
-                  <a:srgbClr val="9CDCFE"/>
-                </a:solidFill>
-                <a:effectLst/>
-                <a:latin typeface="Consolas" panose="020B0609020204030204" pitchFamily="49" charset="0"/>
-              </a:rPr>
-              <a:t>day</a:t>
-            </a:r>
-            <a:r>
-              <a:rPr lang="en-US" sz="900" b="0" dirty="0">
-                <a:solidFill>
-                  <a:srgbClr val="CCCCCC"/>
-                </a:solidFill>
-                <a:effectLst/>
-                <a:latin typeface="Consolas" panose="020B0609020204030204" pitchFamily="49" charset="0"/>
-              </a:rPr>
-              <a:t>):</a:t>
-            </a:r>
-          </a:p>
-          <a:p>
-            <a:r>
-              <a:rPr lang="en-US" sz="900" b="0" dirty="0">
-                <a:solidFill>
-                  <a:srgbClr val="CCCCCC"/>
-                </a:solidFill>
-                <a:effectLst/>
-                <a:latin typeface="Consolas" panose="020B0609020204030204" pitchFamily="49" charset="0"/>
-              </a:rPr>
-              <a:t>        </a:t>
-            </a:r>
-            <a:r>
-              <a:rPr lang="en-US" sz="900" b="0" dirty="0">
-                <a:solidFill>
-                  <a:srgbClr val="C586C0"/>
-                </a:solidFill>
-                <a:effectLst/>
-                <a:latin typeface="Consolas" panose="020B0609020204030204" pitchFamily="49" charset="0"/>
-              </a:rPr>
-              <a:t>if</a:t>
-            </a:r>
-            <a:r>
-              <a:rPr lang="en-US" sz="900" b="0" dirty="0">
-                <a:solidFill>
-                  <a:srgbClr val="CCCCCC"/>
-                </a:solidFill>
-                <a:effectLst/>
-                <a:latin typeface="Consolas" panose="020B0609020204030204" pitchFamily="49" charset="0"/>
-              </a:rPr>
-              <a:t> </a:t>
-            </a:r>
-            <a:r>
-              <a:rPr lang="en-US" sz="900" b="0" dirty="0">
-                <a:solidFill>
-                  <a:srgbClr val="9CDCFE"/>
-                </a:solidFill>
-                <a:effectLst/>
-                <a:latin typeface="Consolas" panose="020B0609020204030204" pitchFamily="49" charset="0"/>
-              </a:rPr>
-              <a:t>day</a:t>
-            </a:r>
-            <a:r>
-              <a:rPr lang="en-US" sz="900" b="0" dirty="0">
-                <a:solidFill>
-                  <a:srgbClr val="CCCCCC"/>
-                </a:solidFill>
-                <a:effectLst/>
-                <a:latin typeface="Consolas" panose="020B0609020204030204" pitchFamily="49" charset="0"/>
-              </a:rPr>
-              <a:t> </a:t>
-            </a:r>
-            <a:r>
-              <a:rPr lang="en-US" sz="900" b="0" dirty="0">
-                <a:solidFill>
-                  <a:srgbClr val="D4D4D4"/>
-                </a:solidFill>
-                <a:effectLst/>
-                <a:latin typeface="Consolas" panose="020B0609020204030204" pitchFamily="49" charset="0"/>
-              </a:rPr>
-              <a:t>==</a:t>
-            </a:r>
-            <a:r>
-              <a:rPr lang="en-US" sz="900" b="0" dirty="0">
-                <a:solidFill>
-                  <a:srgbClr val="CCCCCC"/>
-                </a:solidFill>
-                <a:effectLst/>
-                <a:latin typeface="Consolas" panose="020B0609020204030204" pitchFamily="49" charset="0"/>
-              </a:rPr>
-              <a:t> </a:t>
-            </a:r>
-            <a:r>
-              <a:rPr lang="en-US" sz="900" b="0" dirty="0">
-                <a:solidFill>
-                  <a:srgbClr val="CE9178"/>
-                </a:solidFill>
-                <a:effectLst/>
-                <a:latin typeface="Consolas" panose="020B0609020204030204" pitchFamily="49" charset="0"/>
-              </a:rPr>
-              <a:t>"</a:t>
-            </a:r>
-            <a:r>
-              <a:rPr lang="en-US" sz="900" b="0" dirty="0" err="1">
-                <a:solidFill>
-                  <a:srgbClr val="CE9178"/>
-                </a:solidFill>
-                <a:effectLst/>
-                <a:latin typeface="Consolas" panose="020B0609020204030204" pitchFamily="49" charset="0"/>
-              </a:rPr>
-              <a:t>saturday</a:t>
-            </a:r>
-            <a:r>
-              <a:rPr lang="en-US" sz="900" b="0" dirty="0">
-                <a:solidFill>
-                  <a:srgbClr val="CE9178"/>
-                </a:solidFill>
-                <a:effectLst/>
-                <a:latin typeface="Consolas" panose="020B0609020204030204" pitchFamily="49" charset="0"/>
-              </a:rPr>
-              <a:t>"</a:t>
-            </a:r>
-            <a:r>
-              <a:rPr lang="en-US" sz="900" b="0" dirty="0">
-                <a:solidFill>
-                  <a:srgbClr val="CCCCCC"/>
-                </a:solidFill>
-                <a:effectLst/>
-                <a:latin typeface="Consolas" panose="020B0609020204030204" pitchFamily="49" charset="0"/>
-              </a:rPr>
-              <a:t> </a:t>
-            </a:r>
-            <a:r>
-              <a:rPr lang="en-US" sz="900" b="0" dirty="0">
-                <a:solidFill>
-                  <a:srgbClr val="569CD6"/>
-                </a:solidFill>
-                <a:effectLst/>
-                <a:latin typeface="Consolas" panose="020B0609020204030204" pitchFamily="49" charset="0"/>
-              </a:rPr>
-              <a:t>or</a:t>
-            </a:r>
-            <a:r>
-              <a:rPr lang="en-US" sz="900" b="0" dirty="0">
-                <a:solidFill>
-                  <a:srgbClr val="CCCCCC"/>
-                </a:solidFill>
-                <a:effectLst/>
-                <a:latin typeface="Consolas" panose="020B0609020204030204" pitchFamily="49" charset="0"/>
-              </a:rPr>
-              <a:t> </a:t>
-            </a:r>
-            <a:r>
-              <a:rPr lang="en-US" sz="900" b="0" dirty="0">
-                <a:solidFill>
-                  <a:srgbClr val="9CDCFE"/>
-                </a:solidFill>
-                <a:effectLst/>
-                <a:latin typeface="Consolas" panose="020B0609020204030204" pitchFamily="49" charset="0"/>
-              </a:rPr>
-              <a:t>day</a:t>
-            </a:r>
-            <a:r>
-              <a:rPr lang="en-US" sz="900" b="0" dirty="0">
-                <a:solidFill>
-                  <a:srgbClr val="CCCCCC"/>
-                </a:solidFill>
-                <a:effectLst/>
-                <a:latin typeface="Consolas" panose="020B0609020204030204" pitchFamily="49" charset="0"/>
-              </a:rPr>
-              <a:t> </a:t>
-            </a:r>
-            <a:r>
-              <a:rPr lang="en-US" sz="900" b="0" dirty="0">
-                <a:solidFill>
-                  <a:srgbClr val="D4D4D4"/>
-                </a:solidFill>
-                <a:effectLst/>
-                <a:latin typeface="Consolas" panose="020B0609020204030204" pitchFamily="49" charset="0"/>
-              </a:rPr>
-              <a:t>==</a:t>
-            </a:r>
-            <a:r>
-              <a:rPr lang="en-US" sz="900" b="0" dirty="0">
-                <a:solidFill>
-                  <a:srgbClr val="CCCCCC"/>
-                </a:solidFill>
-                <a:effectLst/>
-                <a:latin typeface="Consolas" panose="020B0609020204030204" pitchFamily="49" charset="0"/>
-              </a:rPr>
-              <a:t> </a:t>
-            </a:r>
-            <a:r>
-              <a:rPr lang="en-US" sz="900" b="0" dirty="0">
-                <a:solidFill>
-                  <a:srgbClr val="CE9178"/>
-                </a:solidFill>
-                <a:effectLst/>
-                <a:latin typeface="Consolas" panose="020B0609020204030204" pitchFamily="49" charset="0"/>
-              </a:rPr>
-              <a:t>"</a:t>
-            </a:r>
-            <a:r>
-              <a:rPr lang="en-US" sz="900" b="0" dirty="0" err="1">
-                <a:solidFill>
-                  <a:srgbClr val="CE9178"/>
-                </a:solidFill>
-                <a:effectLst/>
-                <a:latin typeface="Consolas" panose="020B0609020204030204" pitchFamily="49" charset="0"/>
-              </a:rPr>
-              <a:t>sunday</a:t>
-            </a:r>
-            <a:r>
-              <a:rPr lang="en-US" sz="900" b="0" dirty="0">
-                <a:solidFill>
-                  <a:srgbClr val="CE9178"/>
-                </a:solidFill>
-                <a:effectLst/>
-                <a:latin typeface="Consolas" panose="020B0609020204030204" pitchFamily="49" charset="0"/>
-              </a:rPr>
-              <a:t>"</a:t>
-            </a:r>
-            <a:r>
-              <a:rPr lang="en-US" sz="900" b="0" dirty="0">
-                <a:solidFill>
-                  <a:srgbClr val="CCCCCC"/>
-                </a:solidFill>
-                <a:effectLst/>
-                <a:latin typeface="Consolas" panose="020B0609020204030204" pitchFamily="49" charset="0"/>
-              </a:rPr>
-              <a:t>:</a:t>
-            </a:r>
-          </a:p>
-          <a:p>
-            <a:r>
-              <a:rPr lang="en-US" sz="900" b="0" dirty="0">
-                <a:solidFill>
-                  <a:srgbClr val="CCCCCC"/>
-                </a:solidFill>
-                <a:effectLst/>
-                <a:latin typeface="Consolas" panose="020B0609020204030204" pitchFamily="49" charset="0"/>
-              </a:rPr>
-              <a:t>            </a:t>
-            </a:r>
-            <a:r>
-              <a:rPr lang="en-US" sz="900" b="0" dirty="0">
-                <a:solidFill>
-                  <a:srgbClr val="C586C0"/>
-                </a:solidFill>
-                <a:effectLst/>
-                <a:latin typeface="Consolas" panose="020B0609020204030204" pitchFamily="49" charset="0"/>
-              </a:rPr>
-              <a:t>return</a:t>
-            </a:r>
-            <a:r>
-              <a:rPr lang="en-US" sz="900" b="0" dirty="0">
-                <a:solidFill>
-                  <a:srgbClr val="CCCCCC"/>
-                </a:solidFill>
-                <a:effectLst/>
-                <a:latin typeface="Consolas" panose="020B0609020204030204" pitchFamily="49" charset="0"/>
-              </a:rPr>
-              <a:t> </a:t>
-            </a:r>
-            <a:r>
-              <a:rPr lang="en-US" sz="900" b="0" dirty="0">
-                <a:solidFill>
-                  <a:srgbClr val="CE9178"/>
-                </a:solidFill>
-                <a:effectLst/>
-                <a:latin typeface="Consolas" panose="020B0609020204030204" pitchFamily="49" charset="0"/>
-              </a:rPr>
-              <a:t>"not a school day"</a:t>
-            </a:r>
-            <a:endParaRPr lang="en-US" sz="900" b="0" dirty="0">
-              <a:solidFill>
-                <a:srgbClr val="CCCCCC"/>
-              </a:solidFill>
-              <a:effectLst/>
-              <a:latin typeface="Consolas" panose="020B0609020204030204" pitchFamily="49" charset="0"/>
-            </a:endParaRPr>
-          </a:p>
-          <a:p>
-            <a:r>
-              <a:rPr lang="en-US" sz="900" b="0" dirty="0">
-                <a:solidFill>
-                  <a:srgbClr val="CCCCCC"/>
-                </a:solidFill>
-                <a:effectLst/>
-                <a:latin typeface="Consolas" panose="020B0609020204030204" pitchFamily="49" charset="0"/>
-              </a:rPr>
-              <a:t>        </a:t>
-            </a:r>
-            <a:r>
-              <a:rPr lang="en-US" sz="900" b="0" dirty="0">
-                <a:solidFill>
-                  <a:srgbClr val="C586C0"/>
-                </a:solidFill>
-                <a:effectLst/>
-                <a:latin typeface="Consolas" panose="020B0609020204030204" pitchFamily="49" charset="0"/>
-              </a:rPr>
-              <a:t>else</a:t>
-            </a:r>
-            <a:r>
-              <a:rPr lang="en-US" sz="900" b="0" dirty="0">
-                <a:solidFill>
-                  <a:srgbClr val="CCCCCC"/>
-                </a:solidFill>
-                <a:effectLst/>
-                <a:latin typeface="Consolas" panose="020B0609020204030204" pitchFamily="49" charset="0"/>
-              </a:rPr>
-              <a:t>:</a:t>
-            </a:r>
-          </a:p>
-          <a:p>
-            <a:r>
-              <a:rPr lang="en-US" sz="900" b="0" dirty="0">
-                <a:solidFill>
-                  <a:srgbClr val="CCCCCC"/>
-                </a:solidFill>
-                <a:effectLst/>
-                <a:latin typeface="Consolas" panose="020B0609020204030204" pitchFamily="49" charset="0"/>
-              </a:rPr>
-              <a:t>            </a:t>
-            </a:r>
-            <a:r>
-              <a:rPr lang="en-US" sz="900" b="0" dirty="0">
-                <a:solidFill>
-                  <a:srgbClr val="C586C0"/>
-                </a:solidFill>
-                <a:effectLst/>
-                <a:latin typeface="Consolas" panose="020B0609020204030204" pitchFamily="49" charset="0"/>
-              </a:rPr>
-              <a:t>return</a:t>
-            </a:r>
-            <a:r>
-              <a:rPr lang="en-US" sz="900" b="0" dirty="0">
-                <a:solidFill>
-                  <a:srgbClr val="CCCCCC"/>
-                </a:solidFill>
-                <a:effectLst/>
-                <a:latin typeface="Consolas" panose="020B0609020204030204" pitchFamily="49" charset="0"/>
-              </a:rPr>
-              <a:t> </a:t>
-            </a:r>
-            <a:r>
-              <a:rPr lang="en-US" sz="900" b="0" dirty="0">
-                <a:solidFill>
-                  <a:srgbClr val="CE9178"/>
-                </a:solidFill>
-                <a:effectLst/>
-                <a:latin typeface="Consolas" panose="020B0609020204030204" pitchFamily="49" charset="0"/>
-              </a:rPr>
-              <a:t>"go to class“</a:t>
-            </a:r>
-          </a:p>
-          <a:p>
-            <a:endParaRPr lang="en-US" sz="900" b="0" dirty="0">
-              <a:solidFill>
-                <a:srgbClr val="CCCCCC"/>
-              </a:solidFill>
-              <a:effectLst/>
-              <a:latin typeface="Consolas" panose="020B0609020204030204" pitchFamily="49" charset="0"/>
-            </a:endParaRPr>
-          </a:p>
-          <a:p>
-            <a:r>
-              <a:rPr lang="en-US" sz="900" b="0" dirty="0">
-                <a:solidFill>
-                  <a:srgbClr val="CCCCCC"/>
-                </a:solidFill>
-                <a:effectLst/>
-                <a:latin typeface="Consolas" panose="020B0609020204030204" pitchFamily="49" charset="0"/>
-              </a:rPr>
-              <a:t>    </a:t>
-            </a:r>
-            <a:r>
-              <a:rPr lang="en-US" sz="900" b="0" dirty="0">
-                <a:solidFill>
-                  <a:srgbClr val="6A9955"/>
-                </a:solidFill>
-                <a:effectLst/>
-                <a:latin typeface="Consolas" panose="020B0609020204030204" pitchFamily="49" charset="0"/>
-              </a:rPr>
-              <a:t>#Class Method, takes the class as the first argument</a:t>
-            </a:r>
-            <a:endParaRPr lang="en-US" sz="900" b="0" dirty="0">
-              <a:solidFill>
-                <a:srgbClr val="CCCCCC"/>
-              </a:solidFill>
-              <a:effectLst/>
-              <a:latin typeface="Consolas" panose="020B0609020204030204" pitchFamily="49" charset="0"/>
-            </a:endParaRPr>
-          </a:p>
-          <a:p>
-            <a:r>
-              <a:rPr lang="en-US" sz="900" b="0" dirty="0">
-                <a:solidFill>
-                  <a:srgbClr val="CCCCCC"/>
-                </a:solidFill>
-                <a:effectLst/>
-                <a:latin typeface="Consolas" panose="020B0609020204030204" pitchFamily="49" charset="0"/>
-              </a:rPr>
-              <a:t>    </a:t>
-            </a:r>
-            <a:r>
-              <a:rPr lang="en-US" sz="900" b="0" dirty="0">
-                <a:solidFill>
-                  <a:srgbClr val="DCDCAA"/>
-                </a:solidFill>
-                <a:effectLst/>
-                <a:latin typeface="Consolas" panose="020B0609020204030204" pitchFamily="49" charset="0"/>
-              </a:rPr>
-              <a:t>@</a:t>
-            </a:r>
-            <a:r>
-              <a:rPr lang="en-US" sz="900" b="0" dirty="0">
-                <a:solidFill>
-                  <a:srgbClr val="4EC9B0"/>
-                </a:solidFill>
-                <a:effectLst/>
-                <a:latin typeface="Consolas" panose="020B0609020204030204" pitchFamily="49" charset="0"/>
-              </a:rPr>
-              <a:t>classmethod</a:t>
-            </a:r>
-            <a:r>
-              <a:rPr lang="en-US" sz="900" b="0" dirty="0">
-                <a:solidFill>
-                  <a:srgbClr val="CCCCCC"/>
-                </a:solidFill>
-                <a:effectLst/>
-                <a:latin typeface="Consolas" panose="020B0609020204030204" pitchFamily="49" charset="0"/>
-              </a:rPr>
-              <a:t>  </a:t>
-            </a:r>
-          </a:p>
-          <a:p>
-            <a:r>
-              <a:rPr lang="en-US" sz="900" b="0" dirty="0">
-                <a:solidFill>
-                  <a:srgbClr val="CCCCCC"/>
-                </a:solidFill>
-                <a:effectLst/>
-                <a:latin typeface="Consolas" panose="020B0609020204030204" pitchFamily="49" charset="0"/>
-              </a:rPr>
-              <a:t>    </a:t>
-            </a:r>
-            <a:r>
-              <a:rPr lang="en-US" sz="900" b="0" dirty="0">
-                <a:solidFill>
-                  <a:srgbClr val="569CD6"/>
-                </a:solidFill>
-                <a:effectLst/>
-                <a:latin typeface="Consolas" panose="020B0609020204030204" pitchFamily="49" charset="0"/>
-              </a:rPr>
-              <a:t>def</a:t>
-            </a:r>
-            <a:r>
-              <a:rPr lang="en-US" sz="900" b="0" dirty="0">
-                <a:solidFill>
-                  <a:srgbClr val="CCCCCC"/>
-                </a:solidFill>
-                <a:effectLst/>
-                <a:latin typeface="Consolas" panose="020B0609020204030204" pitchFamily="49" charset="0"/>
-              </a:rPr>
-              <a:t> </a:t>
-            </a:r>
-            <a:r>
-              <a:rPr lang="en-US" sz="900" b="0" dirty="0" err="1">
-                <a:solidFill>
-                  <a:srgbClr val="DCDCAA"/>
-                </a:solidFill>
-                <a:effectLst/>
-                <a:latin typeface="Consolas" panose="020B0609020204030204" pitchFamily="49" charset="0"/>
-              </a:rPr>
-              <a:t>set_schoolDays</a:t>
-            </a:r>
-            <a:r>
-              <a:rPr lang="en-US" sz="900" b="0" dirty="0">
-                <a:solidFill>
-                  <a:srgbClr val="CCCCCC"/>
-                </a:solidFill>
-                <a:effectLst/>
-                <a:latin typeface="Consolas" panose="020B0609020204030204" pitchFamily="49" charset="0"/>
-              </a:rPr>
-              <a:t>(</a:t>
-            </a:r>
-            <a:r>
-              <a:rPr lang="en-US" sz="900" b="0" dirty="0" err="1">
-                <a:solidFill>
-                  <a:srgbClr val="9CDCFE"/>
-                </a:solidFill>
-                <a:effectLst/>
-                <a:latin typeface="Consolas" panose="020B0609020204030204" pitchFamily="49" charset="0"/>
-              </a:rPr>
-              <a:t>cls</a:t>
-            </a:r>
-            <a:r>
-              <a:rPr lang="en-US" sz="900" b="0" dirty="0">
-                <a:solidFill>
-                  <a:srgbClr val="CCCCCC"/>
-                </a:solidFill>
-                <a:effectLst/>
-                <a:latin typeface="Consolas" panose="020B0609020204030204" pitchFamily="49" charset="0"/>
-              </a:rPr>
-              <a:t>, </a:t>
-            </a:r>
-            <a:r>
-              <a:rPr lang="en-US" sz="900" b="0" dirty="0">
-                <a:solidFill>
-                  <a:srgbClr val="9CDCFE"/>
-                </a:solidFill>
-                <a:effectLst/>
-                <a:latin typeface="Consolas" panose="020B0609020204030204" pitchFamily="49" charset="0"/>
-              </a:rPr>
-              <a:t>days</a:t>
-            </a:r>
-            <a:r>
-              <a:rPr lang="en-US" sz="900" b="0" dirty="0">
-                <a:solidFill>
-                  <a:srgbClr val="CCCCCC"/>
-                </a:solidFill>
-                <a:effectLst/>
-                <a:latin typeface="Consolas" panose="020B0609020204030204" pitchFamily="49" charset="0"/>
-              </a:rPr>
-              <a:t>):</a:t>
-            </a:r>
-          </a:p>
-          <a:p>
-            <a:r>
-              <a:rPr lang="en-US" sz="900" b="0" dirty="0">
-                <a:solidFill>
-                  <a:srgbClr val="CCCCCC"/>
-                </a:solidFill>
-                <a:effectLst/>
-                <a:latin typeface="Consolas" panose="020B0609020204030204" pitchFamily="49" charset="0"/>
-              </a:rPr>
-              <a:t>        </a:t>
-            </a:r>
-            <a:r>
-              <a:rPr lang="en-US" sz="900" b="0" dirty="0" err="1">
-                <a:solidFill>
-                  <a:srgbClr val="9CDCFE"/>
-                </a:solidFill>
-                <a:effectLst/>
-                <a:latin typeface="Consolas" panose="020B0609020204030204" pitchFamily="49" charset="0"/>
-              </a:rPr>
-              <a:t>cls</a:t>
-            </a:r>
-            <a:r>
-              <a:rPr lang="en-US" sz="900" b="0" dirty="0" err="1">
-                <a:solidFill>
-                  <a:srgbClr val="CCCCCC"/>
-                </a:solidFill>
-                <a:effectLst/>
-                <a:latin typeface="Consolas" panose="020B0609020204030204" pitchFamily="49" charset="0"/>
-              </a:rPr>
-              <a:t>.</a:t>
-            </a:r>
-            <a:r>
-              <a:rPr lang="en-US" sz="900" b="0" dirty="0" err="1">
-                <a:solidFill>
-                  <a:srgbClr val="9CDCFE"/>
-                </a:solidFill>
-                <a:effectLst/>
-                <a:latin typeface="Consolas" panose="020B0609020204030204" pitchFamily="49" charset="0"/>
-              </a:rPr>
-              <a:t>numSchoolDays</a:t>
-            </a:r>
-            <a:r>
-              <a:rPr lang="en-US" sz="900" b="0" dirty="0">
-                <a:solidFill>
-                  <a:srgbClr val="CCCCCC"/>
-                </a:solidFill>
-                <a:effectLst/>
-                <a:latin typeface="Consolas" panose="020B0609020204030204" pitchFamily="49" charset="0"/>
-              </a:rPr>
-              <a:t> </a:t>
-            </a:r>
-            <a:r>
-              <a:rPr lang="en-US" sz="900" b="0" dirty="0">
-                <a:solidFill>
-                  <a:srgbClr val="D4D4D4"/>
-                </a:solidFill>
-                <a:effectLst/>
-                <a:latin typeface="Consolas" panose="020B0609020204030204" pitchFamily="49" charset="0"/>
-              </a:rPr>
-              <a:t>=</a:t>
-            </a:r>
-            <a:r>
-              <a:rPr lang="en-US" sz="900" b="0" dirty="0">
-                <a:solidFill>
-                  <a:srgbClr val="CCCCCC"/>
-                </a:solidFill>
-                <a:effectLst/>
-                <a:latin typeface="Consolas" panose="020B0609020204030204" pitchFamily="49" charset="0"/>
-              </a:rPr>
-              <a:t> </a:t>
-            </a:r>
-            <a:r>
-              <a:rPr lang="en-US" sz="900" b="0" dirty="0">
-                <a:solidFill>
-                  <a:srgbClr val="9CDCFE"/>
-                </a:solidFill>
-                <a:effectLst/>
-                <a:latin typeface="Consolas" panose="020B0609020204030204" pitchFamily="49" charset="0"/>
-              </a:rPr>
-              <a:t>days</a:t>
-            </a:r>
-            <a:r>
-              <a:rPr lang="en-US" sz="900" b="0" dirty="0">
-                <a:solidFill>
-                  <a:srgbClr val="CCCCCC"/>
-                </a:solidFill>
-                <a:effectLst/>
-                <a:latin typeface="Consolas" panose="020B0609020204030204" pitchFamily="49" charset="0"/>
-              </a:rPr>
-              <a:t> </a:t>
-            </a:r>
-          </a:p>
-        </p:txBody>
-      </p:sp>
-    </p:spTree>
-    <p:extLst>
-      <p:ext uri="{BB962C8B-B14F-4D97-AF65-F5344CB8AC3E}">
-        <p14:creationId xmlns:p14="http://schemas.microsoft.com/office/powerpoint/2010/main" val="3402386679"/>
-      </p:ext>
-    </p:extLst>
-  </p:cSld>
-  <p:clrMapOvr>
-    <a:masterClrMapping/>
-  </p:clrMapOvr>
-</p:sld>
-</file>
-
-<file path=ppt/slides/slide9.xml><?xml version="1.0" encoding="utf-8"?>
-<p:sld xmlns:a="http://schemas.openxmlformats.org/drawingml/2006/main" xmlns:r="http://schemas.openxmlformats.org/officeDocument/2006/relationships" xmlns:p="http://schemas.openxmlformats.org/presentationml/2006/main">
-  <p:cSld>
-    <p:spTree>
-      <p:nvGrpSpPr>
-        <p:cNvPr id="1" name="Shape 876">
-          <a:extLst>
-            <a:ext uri="{FF2B5EF4-FFF2-40B4-BE49-F238E27FC236}">
-              <a16:creationId xmlns:a16="http://schemas.microsoft.com/office/drawing/2014/main" id="{59AA2DF2-86B2-E92B-1B14-DF2774F31DA9}"/>
-            </a:ext>
-          </a:extLst>
-        </p:cNvPr>
-        <p:cNvGrpSpPr/>
-        <p:nvPr/>
-      </p:nvGrpSpPr>
-      <p:grpSpPr>
-        <a:xfrm>
-          <a:off x="0" y="0"/>
-          <a:ext cx="0" cy="0"/>
-          <a:chOff x="0" y="0"/>
-          <a:chExt cx="0" cy="0"/>
-        </a:xfrm>
-      </p:grpSpPr>
-      <p:sp>
-        <p:nvSpPr>
-          <p:cNvPr id="877" name="Google Shape;877;p41">
-            <a:extLst>
-              <a:ext uri="{FF2B5EF4-FFF2-40B4-BE49-F238E27FC236}">
-                <a16:creationId xmlns:a16="http://schemas.microsoft.com/office/drawing/2014/main" id="{0BE75D26-21D0-F37D-CBE4-5E519EA261C2}"/>
-              </a:ext>
-            </a:extLst>
-          </p:cNvPr>
-          <p:cNvSpPr txBox="1">
-            <a:spLocks noGrp="1"/>
-          </p:cNvSpPr>
-          <p:nvPr>
-            <p:ph type="title"/>
-          </p:nvPr>
-        </p:nvSpPr>
-        <p:spPr>
-          <a:xfrm>
-            <a:off x="281335" y="383241"/>
-            <a:ext cx="7704000" cy="572700"/>
-          </a:xfrm>
-          <a:prstGeom prst="rect">
-            <a:avLst/>
-          </a:prstGeom>
-        </p:spPr>
-        <p:txBody>
-          <a:bodyPr spcFirstLastPara="1" wrap="square" lIns="91425" tIns="91425" rIns="91425" bIns="91425" anchor="t" anchorCtr="0">
-            <a:noAutofit/>
-          </a:bodyPr>
-          <a:lstStyle/>
-          <a:p>
-            <a:pPr marL="0" lvl="0" indent="0" rtl="0">
-              <a:spcBef>
-                <a:spcPts val="0"/>
-              </a:spcBef>
-              <a:spcAft>
-                <a:spcPts val="0"/>
-              </a:spcAft>
-              <a:buNone/>
-            </a:pPr>
-            <a:r>
-              <a:rPr lang="en-CA" sz="3200" dirty="0">
-                <a:solidFill>
-                  <a:schemeClr val="hlink"/>
-                </a:solidFill>
-                <a:uFill>
-                  <a:noFill/>
-                </a:uFill>
-                <a:latin typeface="Anton"/>
-                <a:ea typeface="Anton"/>
-                <a:cs typeface="Anton"/>
-                <a:sym typeface="Anton"/>
-              </a:rPr>
-              <a:t>#8 Coding Warm-Up: Working With Files</a:t>
-            </a:r>
-            <a:endParaRPr lang="en-CA" sz="3200" dirty="0">
-              <a:solidFill>
-                <a:schemeClr val="dk1"/>
-              </a:solidFill>
-              <a:latin typeface="Anton"/>
-              <a:ea typeface="Anton"/>
-              <a:cs typeface="Anton"/>
-              <a:sym typeface="Anton"/>
-            </a:endParaRPr>
-          </a:p>
-        </p:txBody>
-      </p:sp>
-      <p:sp>
-        <p:nvSpPr>
-          <p:cNvPr id="4" name="TextBox 3">
-            <a:extLst>
-              <a:ext uri="{FF2B5EF4-FFF2-40B4-BE49-F238E27FC236}">
-                <a16:creationId xmlns:a16="http://schemas.microsoft.com/office/drawing/2014/main" id="{32A1448D-8968-AB9C-0965-EAE0EA4C9555}"/>
-              </a:ext>
-            </a:extLst>
-          </p:cNvPr>
-          <p:cNvSpPr txBox="1"/>
-          <p:nvPr/>
-        </p:nvSpPr>
-        <p:spPr>
-          <a:xfrm>
-            <a:off x="281334" y="1101336"/>
-            <a:ext cx="8459254" cy="1815882"/>
-          </a:xfrm>
-          <a:prstGeom prst="rect">
-            <a:avLst/>
-          </a:prstGeom>
-          <a:noFill/>
-        </p:spPr>
-        <p:txBody>
-          <a:bodyPr wrap="square">
-            <a:spAutoFit/>
-          </a:bodyPr>
-          <a:lstStyle/>
-          <a:p>
-            <a:r>
-              <a:rPr lang="en-US" b="0" dirty="0">
-                <a:solidFill>
-                  <a:srgbClr val="6A9955"/>
-                </a:solidFill>
-                <a:effectLst/>
-                <a:latin typeface="Consolas" panose="020B0609020204030204" pitchFamily="49" charset="0"/>
-              </a:rPr>
-              <a:t>#Q:Write a python program that copies a text file named “input.txt” with a list of ten items and saves it as “output.txt” with list in reverse order</a:t>
-            </a:r>
-          </a:p>
-          <a:p>
-            <a:endParaRPr lang="en-US" dirty="0">
-              <a:solidFill>
-                <a:srgbClr val="6A9955"/>
-              </a:solidFill>
-              <a:latin typeface="Consolas" panose="020B0609020204030204" pitchFamily="49" charset="0"/>
-            </a:endParaRPr>
-          </a:p>
-          <a:p>
-            <a:r>
-              <a:rPr lang="en-US" b="0" dirty="0">
-                <a:solidFill>
-                  <a:srgbClr val="6A9955"/>
-                </a:solidFill>
-                <a:effectLst/>
-                <a:latin typeface="Consolas" panose="020B0609020204030204" pitchFamily="49" charset="0"/>
-              </a:rPr>
-              <a:t>Hint1: </a:t>
-            </a:r>
-            <a:r>
-              <a:rPr lang="en-US" b="0" dirty="0" err="1">
-                <a:solidFill>
-                  <a:srgbClr val="6A9955"/>
-                </a:solidFill>
-                <a:effectLst/>
-                <a:latin typeface="Consolas" panose="020B0609020204030204" pitchFamily="49" charset="0"/>
-              </a:rPr>
-              <a:t>readlines</a:t>
-            </a:r>
-            <a:r>
-              <a:rPr lang="en-US" b="0" dirty="0">
-                <a:solidFill>
-                  <a:srgbClr val="6A9955"/>
-                </a:solidFill>
-                <a:effectLst/>
-                <a:latin typeface="Consolas" panose="020B0609020204030204" pitchFamily="49" charset="0"/>
-              </a:rPr>
-              <a:t>() #Returns an list with one item for each line</a:t>
-            </a:r>
-          </a:p>
-          <a:p>
-            <a:endParaRPr lang="en-US" b="0" dirty="0">
-              <a:solidFill>
-                <a:srgbClr val="6A9955"/>
-              </a:solidFill>
-              <a:effectLst/>
-              <a:latin typeface="Consolas" panose="020B0609020204030204" pitchFamily="49" charset="0"/>
-            </a:endParaRPr>
-          </a:p>
-          <a:p>
-            <a:r>
-              <a:rPr lang="en-US" dirty="0">
-                <a:solidFill>
-                  <a:srgbClr val="6A9955"/>
-                </a:solidFill>
-                <a:latin typeface="Consolas" panose="020B0609020204030204" pitchFamily="49" charset="0"/>
-              </a:rPr>
-              <a:t>Hint2: list method call reverse()</a:t>
-            </a:r>
-          </a:p>
-          <a:p>
-            <a:endParaRPr lang="en-US" b="0" dirty="0">
-              <a:solidFill>
-                <a:srgbClr val="6A9955"/>
-              </a:solidFill>
-              <a:effectLst/>
-              <a:latin typeface="Consolas" panose="020B0609020204030204" pitchFamily="49" charset="0"/>
-            </a:endParaRPr>
-          </a:p>
-          <a:p>
-            <a:r>
-              <a:rPr lang="en-US" b="0" dirty="0">
-                <a:solidFill>
-                  <a:srgbClr val="6A9955"/>
-                </a:solidFill>
-                <a:effectLst/>
-                <a:latin typeface="Consolas" panose="020B0609020204030204" pitchFamily="49" charset="0"/>
-              </a:rPr>
-              <a:t>Hint3: split(“\n”)  but the is also </a:t>
-            </a:r>
-            <a:r>
-              <a:rPr lang="en-US" b="0" dirty="0" err="1">
-                <a:solidFill>
-                  <a:srgbClr val="6A9955"/>
-                </a:solidFill>
-                <a:effectLst/>
-                <a:latin typeface="Consolas" panose="020B0609020204030204" pitchFamily="49" charset="0"/>
-              </a:rPr>
-              <a:t>rsplit</a:t>
-            </a:r>
-            <a:r>
-              <a:rPr lang="en-US" b="0" dirty="0">
-                <a:solidFill>
-                  <a:srgbClr val="6A9955"/>
-                </a:solidFill>
-                <a:effectLst/>
-                <a:latin typeface="Consolas" panose="020B0609020204030204" pitchFamily="49" charset="0"/>
-              </a:rPr>
-              <a:t>(“\n”)</a:t>
-            </a:r>
-          </a:p>
-        </p:txBody>
-      </p:sp>
-    </p:spTree>
-    <p:extLst>
-      <p:ext uri="{BB962C8B-B14F-4D97-AF65-F5344CB8AC3E}">
-        <p14:creationId xmlns:p14="http://schemas.microsoft.com/office/powerpoint/2010/main" val="191993436"/>
       </p:ext>
     </p:extLst>
   </p:cSld>

--- a/002_Course_Exercises/01_Warmup_Exercises/01_CS110_Warmup_Exercises.pptx
+++ b/002_Course_Exercises/01_Warmup_Exercises/01_CS110_Warmup_Exercises.pptx
@@ -5,7 +5,7 @@
     <p:sldMasterId id="2147483681" r:id="rId1"/>
   </p:sldMasterIdLst>
   <p:notesMasterIdLst>
-    <p:notesMasterId r:id="rId16"/>
+    <p:notesMasterId r:id="rId17"/>
   </p:notesMasterIdLst>
   <p:sldIdLst>
     <p:sldId id="343" r:id="rId2"/>
@@ -22,30 +22,31 @@
     <p:sldId id="344" r:id="rId13"/>
     <p:sldId id="345" r:id="rId14"/>
     <p:sldId id="346" r:id="rId15"/>
+    <p:sldId id="349" r:id="rId16"/>
   </p:sldIdLst>
   <p:sldSz cx="9144000" cy="5143500" type="screen16x9"/>
   <p:notesSz cx="6858000" cy="9144000"/>
   <p:embeddedFontLst>
     <p:embeddedFont>
       <p:font typeface="Anton" pitchFamily="2" charset="0"/>
-      <p:regular r:id="rId17"/>
+      <p:regular r:id="rId18"/>
     </p:embeddedFont>
     <p:embeddedFont>
       <p:font typeface="Catamaran" panose="020B0604020202020204" charset="0"/>
-      <p:regular r:id="rId18"/>
-      <p:bold r:id="rId19"/>
+      <p:regular r:id="rId19"/>
+      <p:bold r:id="rId20"/>
     </p:embeddedFont>
     <p:embeddedFont>
       <p:font typeface="Consolas" panose="020B0609020204030204" pitchFamily="49" charset="0"/>
-      <p:regular r:id="rId20"/>
-      <p:bold r:id="rId21"/>
-      <p:italic r:id="rId22"/>
-      <p:boldItalic r:id="rId23"/>
+      <p:regular r:id="rId21"/>
+      <p:bold r:id="rId22"/>
+      <p:italic r:id="rId23"/>
+      <p:boldItalic r:id="rId24"/>
     </p:embeddedFont>
     <p:embeddedFont>
       <p:font typeface="Nunito Light" pitchFamily="2" charset="0"/>
-      <p:regular r:id="rId24"/>
-      <p:italic r:id="rId25"/>
+      <p:regular r:id="rId25"/>
+      <p:italic r:id="rId26"/>
     </p:embeddedFont>
   </p:embeddedFontLst>
   <p:defaultTextStyle>
@@ -1098,6 +1099,133 @@
     <p:extLst>
       <p:ext uri="{BB962C8B-B14F-4D97-AF65-F5344CB8AC3E}">
         <p14:creationId xmlns:p14="http://schemas.microsoft.com/office/powerpoint/2010/main" val="1759944804"/>
+      </p:ext>
+    </p:extLst>
+  </p:cSld>
+  <p:clrMapOvr>
+    <a:masterClrMapping/>
+  </p:clrMapOvr>
+</p:notes>
+</file>
+
+<file path=ppt/notesSlides/notesSlide12.xml><?xml version="1.0" encoding="utf-8"?>
+<p:notes xmlns:a="http://schemas.openxmlformats.org/drawingml/2006/main" xmlns:r="http://schemas.openxmlformats.org/officeDocument/2006/relationships" xmlns:p="http://schemas.openxmlformats.org/presentationml/2006/main" showMasterSp="0" showMasterPhAnim="0">
+  <p:cSld>
+    <p:spTree>
+      <p:nvGrpSpPr>
+        <p:cNvPr id="1" name="Shape 873">
+          <a:extLst>
+            <a:ext uri="{FF2B5EF4-FFF2-40B4-BE49-F238E27FC236}">
+              <a16:creationId xmlns:a16="http://schemas.microsoft.com/office/drawing/2014/main" id="{208ADCB1-5531-918B-3D85-47B78F1A8E9D}"/>
+            </a:ext>
+          </a:extLst>
+        </p:cNvPr>
+        <p:cNvGrpSpPr/>
+        <p:nvPr/>
+      </p:nvGrpSpPr>
+      <p:grpSpPr>
+        <a:xfrm>
+          <a:off x="0" y="0"/>
+          <a:ext cx="0" cy="0"/>
+          <a:chOff x="0" y="0"/>
+          <a:chExt cx="0" cy="0"/>
+        </a:xfrm>
+      </p:grpSpPr>
+      <p:sp>
+        <p:nvSpPr>
+          <p:cNvPr id="874" name="Google Shape;874;g1de1b5658bb_0_38:notes">
+            <a:extLst>
+              <a:ext uri="{FF2B5EF4-FFF2-40B4-BE49-F238E27FC236}">
+                <a16:creationId xmlns:a16="http://schemas.microsoft.com/office/drawing/2014/main" id="{5C4B7706-D1EB-350B-9B5C-D9F7653AFF7A}"/>
+              </a:ext>
+            </a:extLst>
+          </p:cNvPr>
+          <p:cNvSpPr>
+            <a:spLocks noGrp="1" noRot="1" noChangeAspect="1"/>
+          </p:cNvSpPr>
+          <p:nvPr>
+            <p:ph type="sldImg" idx="2"/>
+          </p:nvPr>
+        </p:nvSpPr>
+        <p:spPr>
+          <a:xfrm>
+            <a:off x="381000" y="685800"/>
+            <a:ext cx="6096000" cy="3429000"/>
+          </a:xfrm>
+          <a:custGeom>
+            <a:avLst/>
+            <a:gdLst/>
+            <a:ahLst/>
+            <a:cxnLst/>
+            <a:rect l="l" t="t" r="r" b="b"/>
+            <a:pathLst>
+              <a:path w="120000" h="120000" extrusionOk="0">
+                <a:moveTo>
+                  <a:pt x="0" y="0"/>
+                </a:moveTo>
+                <a:lnTo>
+                  <a:pt x="120000" y="0"/>
+                </a:lnTo>
+                <a:lnTo>
+                  <a:pt x="120000" y="120000"/>
+                </a:lnTo>
+                <a:lnTo>
+                  <a:pt x="0" y="120000"/>
+                </a:lnTo>
+                <a:close/>
+              </a:path>
+            </a:pathLst>
+          </a:custGeom>
+        </p:spPr>
+      </p:sp>
+      <p:sp>
+        <p:nvSpPr>
+          <p:cNvPr id="875" name="Google Shape;875;g1de1b5658bb_0_38:notes">
+            <a:extLst>
+              <a:ext uri="{FF2B5EF4-FFF2-40B4-BE49-F238E27FC236}">
+                <a16:creationId xmlns:a16="http://schemas.microsoft.com/office/drawing/2014/main" id="{D535456E-DAA8-90C1-EB14-68B4D6718FEF}"/>
+              </a:ext>
+            </a:extLst>
+          </p:cNvPr>
+          <p:cNvSpPr txBox="1">
+            <a:spLocks noGrp="1"/>
+          </p:cNvSpPr>
+          <p:nvPr>
+            <p:ph type="body" idx="1"/>
+          </p:nvPr>
+        </p:nvSpPr>
+        <p:spPr>
+          <a:xfrm>
+            <a:off x="685800" y="4343400"/>
+            <a:ext cx="5486400" cy="4114800"/>
+          </a:xfrm>
+          <a:prstGeom prst="rect">
+            <a:avLst/>
+          </a:prstGeom>
+        </p:spPr>
+        <p:txBody>
+          <a:bodyPr spcFirstLastPara="1" wrap="square" lIns="91425" tIns="91425" rIns="91425" bIns="91425" anchor="t" anchorCtr="0">
+            <a:noAutofit/>
+          </a:bodyPr>
+          <a:lstStyle/>
+          <a:p>
+            <a:pPr marL="0" lvl="0" indent="0" algn="l" rtl="0">
+              <a:spcBef>
+                <a:spcPts val="0"/>
+              </a:spcBef>
+              <a:spcAft>
+                <a:spcPts val="0"/>
+              </a:spcAft>
+              <a:buNone/>
+            </a:pPr>
+            <a:endParaRPr dirty="0"/>
+          </a:p>
+        </p:txBody>
+      </p:sp>
+    </p:spTree>
+    <p:extLst>
+      <p:ext uri="{BB962C8B-B14F-4D97-AF65-F5344CB8AC3E}">
+        <p14:creationId xmlns:p14="http://schemas.microsoft.com/office/powerpoint/2010/main" val="481644581"/>
       </p:ext>
     </p:extLst>
   </p:cSld>
@@ -7593,6 +7721,253 @@
 </p:sld>
 </file>
 
+<file path=ppt/slides/slide15.xml><?xml version="1.0" encoding="utf-8"?>
+<p:sld xmlns:a="http://schemas.openxmlformats.org/drawingml/2006/main" xmlns:r="http://schemas.openxmlformats.org/officeDocument/2006/relationships" xmlns:p="http://schemas.openxmlformats.org/presentationml/2006/main">
+  <p:cSld>
+    <p:spTree>
+      <p:nvGrpSpPr>
+        <p:cNvPr id="1" name="Shape 876">
+          <a:extLst>
+            <a:ext uri="{FF2B5EF4-FFF2-40B4-BE49-F238E27FC236}">
+              <a16:creationId xmlns:a16="http://schemas.microsoft.com/office/drawing/2014/main" id="{59AA2DF2-86B2-E92B-1B14-DF2774F31DA9}"/>
+            </a:ext>
+          </a:extLst>
+        </p:cNvPr>
+        <p:cNvGrpSpPr/>
+        <p:nvPr/>
+      </p:nvGrpSpPr>
+      <p:grpSpPr>
+        <a:xfrm>
+          <a:off x="0" y="0"/>
+          <a:ext cx="0" cy="0"/>
+          <a:chOff x="0" y="0"/>
+          <a:chExt cx="0" cy="0"/>
+        </a:xfrm>
+      </p:grpSpPr>
+      <p:sp>
+        <p:nvSpPr>
+          <p:cNvPr id="877" name="Google Shape;877;p41">
+            <a:extLst>
+              <a:ext uri="{FF2B5EF4-FFF2-40B4-BE49-F238E27FC236}">
+                <a16:creationId xmlns:a16="http://schemas.microsoft.com/office/drawing/2014/main" id="{0BE75D26-21D0-F37D-CBE4-5E519EA261C2}"/>
+              </a:ext>
+            </a:extLst>
+          </p:cNvPr>
+          <p:cNvSpPr txBox="1">
+            <a:spLocks noGrp="1"/>
+          </p:cNvSpPr>
+          <p:nvPr>
+            <p:ph type="title"/>
+          </p:nvPr>
+        </p:nvSpPr>
+        <p:spPr>
+          <a:xfrm>
+            <a:off x="281335" y="383241"/>
+            <a:ext cx="7704000" cy="572700"/>
+          </a:xfrm>
+          <a:prstGeom prst="rect">
+            <a:avLst/>
+          </a:prstGeom>
+        </p:spPr>
+        <p:txBody>
+          <a:bodyPr spcFirstLastPara="1" wrap="square" lIns="91425" tIns="91425" rIns="91425" bIns="91425" anchor="t" anchorCtr="0">
+            <a:noAutofit/>
+          </a:bodyPr>
+          <a:lstStyle/>
+          <a:p>
+            <a:pPr marL="0" lvl="0" indent="0" rtl="0">
+              <a:spcBef>
+                <a:spcPts val="0"/>
+              </a:spcBef>
+              <a:spcAft>
+                <a:spcPts val="0"/>
+              </a:spcAft>
+              <a:buNone/>
+            </a:pPr>
+            <a:r>
+              <a:rPr lang="en-CA" sz="3200" dirty="0">
+                <a:solidFill>
+                  <a:schemeClr val="hlink"/>
+                </a:solidFill>
+                <a:uFill>
+                  <a:noFill/>
+                </a:uFill>
+                <a:latin typeface="Anton"/>
+                <a:ea typeface="Anton"/>
+                <a:cs typeface="Anton"/>
+                <a:sym typeface="Anton"/>
+              </a:rPr>
+              <a:t>#12 Coding Warm-Up: Creating A Timer With </a:t>
+            </a:r>
+            <a:r>
+              <a:rPr lang="en-CA" sz="3200" dirty="0" err="1">
+                <a:solidFill>
+                  <a:schemeClr val="hlink"/>
+                </a:solidFill>
+                <a:uFill>
+                  <a:noFill/>
+                </a:uFill>
+                <a:latin typeface="Anton"/>
+                <a:ea typeface="Anton"/>
+                <a:cs typeface="Anton"/>
+                <a:sym typeface="Anton"/>
+              </a:rPr>
+              <a:t>Tkinter</a:t>
+            </a:r>
+            <a:r>
+              <a:rPr lang="en-CA" sz="3200" dirty="0">
+                <a:solidFill>
+                  <a:schemeClr val="hlink"/>
+                </a:solidFill>
+                <a:uFill>
+                  <a:noFill/>
+                </a:uFill>
+                <a:latin typeface="Anton"/>
+                <a:ea typeface="Anton"/>
+                <a:cs typeface="Anton"/>
+                <a:sym typeface="Anton"/>
+              </a:rPr>
+              <a:t> &amp; Datetime</a:t>
+            </a:r>
+            <a:endParaRPr lang="en-CA" sz="3200" dirty="0">
+              <a:solidFill>
+                <a:schemeClr val="dk1"/>
+              </a:solidFill>
+              <a:latin typeface="Anton"/>
+              <a:ea typeface="Anton"/>
+              <a:cs typeface="Anton"/>
+              <a:sym typeface="Anton"/>
+            </a:endParaRPr>
+          </a:p>
+        </p:txBody>
+      </p:sp>
+      <p:sp>
+        <p:nvSpPr>
+          <p:cNvPr id="4" name="TextBox 3">
+            <a:extLst>
+              <a:ext uri="{FF2B5EF4-FFF2-40B4-BE49-F238E27FC236}">
+                <a16:creationId xmlns:a16="http://schemas.microsoft.com/office/drawing/2014/main" id="{32A1448D-8968-AB9C-0965-EAE0EA4C9555}"/>
+              </a:ext>
+            </a:extLst>
+          </p:cNvPr>
+          <p:cNvSpPr txBox="1"/>
+          <p:nvPr/>
+        </p:nvSpPr>
+        <p:spPr>
+          <a:xfrm>
+            <a:off x="281335" y="1768601"/>
+            <a:ext cx="8459254" cy="1600438"/>
+          </a:xfrm>
+          <a:prstGeom prst="rect">
+            <a:avLst/>
+          </a:prstGeom>
+          <a:noFill/>
+        </p:spPr>
+        <p:txBody>
+          <a:bodyPr wrap="square">
+            <a:spAutoFit/>
+          </a:bodyPr>
+          <a:lstStyle/>
+          <a:p>
+            <a:r>
+              <a:rPr lang="en-US" b="0" dirty="0">
+                <a:solidFill>
+                  <a:srgbClr val="6A9955"/>
+                </a:solidFill>
+                <a:effectLst/>
+                <a:latin typeface="Consolas" panose="020B0609020204030204" pitchFamily="49" charset="0"/>
+              </a:rPr>
+              <a:t>#Q:Looking at the course code examples (UNIT 5 01_Python_Modules), </a:t>
+            </a:r>
+            <a:r>
+              <a:rPr lang="en-US" dirty="0">
+                <a:solidFill>
+                  <a:srgbClr val="6A9955"/>
+                </a:solidFill>
+                <a:latin typeface="Consolas" panose="020B0609020204030204" pitchFamily="49" charset="0"/>
+              </a:rPr>
+              <a:t>Write a python program that uses the datetime module to count the time remaining a certain day (End of the School Year Maybe)</a:t>
+            </a:r>
+          </a:p>
+          <a:p>
+            <a:endParaRPr lang="en-US" b="0" dirty="0">
+              <a:solidFill>
+                <a:srgbClr val="6A9955"/>
+              </a:solidFill>
+              <a:effectLst/>
+              <a:latin typeface="Consolas" panose="020B0609020204030204" pitchFamily="49" charset="0"/>
+            </a:endParaRPr>
+          </a:p>
+          <a:p>
+            <a:r>
+              <a:rPr lang="en-US" b="0" dirty="0">
+                <a:solidFill>
+                  <a:srgbClr val="6A9955"/>
+                </a:solidFill>
+                <a:effectLst/>
+                <a:latin typeface="Consolas" panose="020B0609020204030204" pitchFamily="49" charset="0"/>
+              </a:rPr>
+              <a:t>Next, use </a:t>
+            </a:r>
+            <a:r>
+              <a:rPr lang="en-US" b="0" dirty="0" err="1">
+                <a:solidFill>
+                  <a:srgbClr val="6A9955"/>
+                </a:solidFill>
+                <a:effectLst/>
+                <a:latin typeface="Consolas" panose="020B0609020204030204" pitchFamily="49" charset="0"/>
+              </a:rPr>
+              <a:t>tkin</a:t>
+            </a:r>
+            <a:r>
+              <a:rPr lang="en-US" dirty="0" err="1">
+                <a:solidFill>
+                  <a:srgbClr val="6A9955"/>
+                </a:solidFill>
+                <a:latin typeface="Consolas" panose="020B0609020204030204" pitchFamily="49" charset="0"/>
+              </a:rPr>
+              <a:t>ter</a:t>
+            </a:r>
+            <a:r>
+              <a:rPr lang="en-US" dirty="0">
+                <a:solidFill>
+                  <a:srgbClr val="6A9955"/>
+                </a:solidFill>
+                <a:latin typeface="Consolas" panose="020B0609020204030204" pitchFamily="49" charset="0"/>
+              </a:rPr>
+              <a:t> to create a GUI that prints the counter to the screen and updates every 1 second (See the last Example 6 in the course code notes)</a:t>
+            </a:r>
+            <a:endParaRPr lang="en-US" b="0" dirty="0">
+              <a:solidFill>
+                <a:srgbClr val="6A9955"/>
+              </a:solidFill>
+              <a:effectLst/>
+              <a:latin typeface="Consolas" panose="020B0609020204030204" pitchFamily="49" charset="0"/>
+            </a:endParaRPr>
+          </a:p>
+          <a:p>
+            <a:endParaRPr lang="en-US" dirty="0">
+              <a:solidFill>
+                <a:srgbClr val="6A9955"/>
+              </a:solidFill>
+              <a:latin typeface="Consolas" panose="020B0609020204030204" pitchFamily="49" charset="0"/>
+            </a:endParaRPr>
+          </a:p>
+        </p:txBody>
+      </p:sp>
+    </p:spTree>
+    <p:extLst>
+      <p:ext uri="{BB962C8B-B14F-4D97-AF65-F5344CB8AC3E}">
+        <p14:creationId xmlns:p14="http://schemas.microsoft.com/office/powerpoint/2010/main" val="3809448887"/>
+      </p:ext>
+    </p:extLst>
+  </p:cSld>
+  <p:clrMapOvr>
+    <a:masterClrMapping/>
+  </p:clrMapOvr>
+</p:sld>
+</file>
+
 <file path=ppt/slides/slide2.xml><?xml version="1.0" encoding="utf-8"?>
 <p:sld xmlns:a="http://schemas.openxmlformats.org/drawingml/2006/main" xmlns:r="http://schemas.openxmlformats.org/officeDocument/2006/relationships" xmlns:p="http://schemas.openxmlformats.org/presentationml/2006/main">
   <p:cSld>
